--- a/SQL-master/SQL [3] Joins.pptx
+++ b/SQL-master/SQL [3] Joins.pptx
@@ -267,7 +267,7 @@
           <a:p>
             <a:fld id="{E23C31A4-E588-4D7D-8556-3E7A80E3618E}" type="datetimeFigureOut">
               <a:rPr lang="es-MX" smtClean="0"/>
-              <a:t>28/08/2015</a:t>
+              <a:t>20/11/2016</a:t>
             </a:fld>
             <a:endParaRPr lang="es-MX"/>
           </a:p>
@@ -445,7 +445,7 @@
               <a:pPr>
                 <a:defRPr/>
               </a:pPr>
-              <a:t>28/08/2015</a:t>
+              <a:t>20/11/2016</a:t>
             </a:fld>
             <a:endParaRPr lang="es-MX" dirty="0"/>
           </a:p>
@@ -481,7 +481,7 @@
           <a:lstStyle/>
           <a:p>
             <a:pPr lvl="0"/>
-            <a:endParaRPr lang="es-MX" noProof="0" dirty="0" smtClean="0"/>
+            <a:endParaRPr lang="es-MX" noProof="0" dirty="0"/>
           </a:p>
         </p:txBody>
       </p:sp>
@@ -512,38 +512,38 @@
           <a:p>
             <a:pPr lvl="0"/>
             <a:r>
-              <a:rPr lang="en-US" noProof="0" smtClean="0"/>
+              <a:rPr lang="en-US" noProof="0"/>
               <a:t>Click to edit Master text styles</a:t>
             </a:r>
           </a:p>
           <a:p>
             <a:pPr lvl="1"/>
             <a:r>
-              <a:rPr lang="en-US" noProof="0" smtClean="0"/>
+              <a:rPr lang="en-US" noProof="0"/>
               <a:t>Second level</a:t>
             </a:r>
           </a:p>
           <a:p>
             <a:pPr lvl="2"/>
             <a:r>
-              <a:rPr lang="en-US" noProof="0" smtClean="0"/>
+              <a:rPr lang="en-US" noProof="0"/>
               <a:t>Third level</a:t>
             </a:r>
           </a:p>
           <a:p>
             <a:pPr lvl="3"/>
             <a:r>
-              <a:rPr lang="en-US" noProof="0" smtClean="0"/>
+              <a:rPr lang="en-US" noProof="0"/>
               <a:t>Fourth level</a:t>
             </a:r>
           </a:p>
           <a:p>
             <a:pPr lvl="4"/>
             <a:r>
-              <a:rPr lang="en-US" noProof="0" smtClean="0"/>
+              <a:rPr lang="en-US" noProof="0"/>
               <a:t>Fifth level</a:t>
             </a:r>
-            <a:endParaRPr lang="es-MX" noProof="0" smtClean="0"/>
+            <a:endParaRPr lang="es-MX" noProof="0"/>
           </a:p>
         </p:txBody>
       </p:sp>
@@ -932,10 +932,9 @@
           </a:lstStyle>
           <a:p>
             <a:r>
-              <a:rPr lang="es-MX" noProof="0" smtClean="0"/>
+              <a:rPr lang="es-MX" noProof="0"/>
               <a:t>Click To Edit Master Title Style</a:t>
             </a:r>
-            <a:endParaRPr lang="es-MX" noProof="0"/>
           </a:p>
         </p:txBody>
       </p:sp>
@@ -1004,14 +1003,14 @@
           <a:p>
             <a:pPr lvl="0"/>
             <a:r>
-              <a:rPr lang="en-US" noProof="0" smtClean="0"/>
+              <a:rPr lang="en-US" noProof="0"/>
               <a:t>Click to edit Master text styles</a:t>
             </a:r>
           </a:p>
           <a:p>
             <a:pPr lvl="1"/>
             <a:r>
-              <a:rPr lang="en-US" noProof="0" smtClean="0"/>
+              <a:rPr lang="en-US" noProof="0"/>
               <a:t>Second level</a:t>
             </a:r>
           </a:p>
@@ -1047,7 +1046,7 @@
           <a:p>
             <a:pPr algn="l"/>
             <a:r>
-              <a:rPr lang="es-MX" sz="800" noProof="0" smtClean="0">
+              <a:rPr lang="es-MX" sz="800" noProof="0">
                 <a:solidFill>
                   <a:srgbClr val="FFFFFF"/>
                 </a:solidFill>
@@ -1055,12 +1054,6 @@
               </a:rPr>
               <a:t>Todos los Derechos Reservados © Valores Corporativos Softtek S.A. de C.V. 2015. Interno.</a:t>
             </a:r>
-            <a:endParaRPr lang="es-MX" sz="800" noProof="0">
-              <a:solidFill>
-                <a:srgbClr val="FFFFFF"/>
-              </a:solidFill>
-              <a:cs typeface="Arial" charset="0"/>
-            </a:endParaRPr>
           </a:p>
         </p:txBody>
       </p:sp>
@@ -1143,13 +1136,6 @@
   <p:clrMapOvr>
     <a:masterClrMapping/>
   </p:clrMapOvr>
-  <p:timing>
-    <p:tnLst>
-      <p:par>
-        <p:cTn id="1" dur="indefinite" restart="never" nodeType="tmRoot"/>
-      </p:par>
-    </p:tnLst>
-  </p:timing>
 </p:sldLayout>
 </file>
 
@@ -1210,7 +1196,7 @@
           <a:p>
             <a:pPr lvl="0"/>
             <a:r>
-              <a:rPr lang="es-MX" noProof="0" smtClean="0"/>
+              <a:rPr lang="es-MX" noProof="0"/>
               <a:t>Click to edit Master title style</a:t>
             </a:r>
           </a:p>
@@ -1272,13 +1258,6 @@
   <p:clrMapOvr>
     <a:masterClrMapping/>
   </p:clrMapOvr>
-  <p:timing>
-    <p:tnLst>
-      <p:par>
-        <p:cTn id="1" dur="indefinite" restart="never" nodeType="tmRoot"/>
-      </p:par>
-    </p:tnLst>
-  </p:timing>
 </p:sldLayout>
 </file>
 
@@ -1406,7 +1385,7 @@
               <a:defRPr/>
             </a:pPr>
             <a:r>
-              <a:rPr kumimoji="0" lang="es-MX" sz="1800" b="0" i="0" u="none" strike="noStrike" kern="1200" cap="none" spc="0" normalizeH="0" baseline="0" noProof="0" smtClean="0">
+              <a:rPr kumimoji="0" lang="es-MX" sz="1800" b="0" i="0" u="none" strike="noStrike" kern="1200" cap="none" spc="0" normalizeH="0" baseline="0" noProof="0">
                 <a:ln>
                   <a:noFill/>
                 </a:ln>
@@ -1445,7 +1424,7 @@
               <a:defRPr/>
             </a:pPr>
             <a:r>
-              <a:rPr kumimoji="0" lang="es-MX" sz="1600" b="0" i="0" u="none" strike="noStrike" kern="1200" cap="none" spc="0" normalizeH="0" baseline="0" noProof="0" smtClean="0">
+              <a:rPr kumimoji="0" lang="es-MX" sz="1600" b="0" i="0" u="none" strike="noStrike" kern="1200" cap="none" spc="0" normalizeH="0" baseline="0" noProof="0">
                 <a:ln>
                   <a:noFill/>
                 </a:ln>
@@ -1484,7 +1463,7 @@
               <a:defRPr/>
             </a:pPr>
             <a:r>
-              <a:rPr kumimoji="0" lang="es-MX" sz="1400" b="0" i="0" u="none" strike="noStrike" kern="1200" cap="none" spc="0" normalizeH="0" baseline="0" noProof="0" smtClean="0">
+              <a:rPr kumimoji="0" lang="es-MX" sz="1400" b="0" i="0" u="none" strike="noStrike" kern="1200" cap="none" spc="0" normalizeH="0" baseline="0" noProof="0">
                 <a:ln>
                   <a:noFill/>
                 </a:ln>
@@ -1523,7 +1502,7 @@
               <a:defRPr/>
             </a:pPr>
             <a:r>
-              <a:rPr kumimoji="0" lang="es-MX" sz="1200" b="0" i="0" u="none" strike="noStrike" kern="1200" cap="none" spc="0" normalizeH="0" baseline="0" noProof="0" smtClean="0">
+              <a:rPr kumimoji="0" lang="es-MX" sz="1200" b="0" i="0" u="none" strike="noStrike" kern="1200" cap="none" spc="0" normalizeH="0" baseline="0" noProof="0">
                 <a:ln>
                   <a:noFill/>
                 </a:ln>
@@ -1577,7 +1556,7 @@
           <a:p>
             <a:pPr lvl="0"/>
             <a:r>
-              <a:rPr lang="es-MX" noProof="0" smtClean="0"/>
+              <a:rPr lang="es-MX" noProof="0"/>
               <a:t>Click to edit Master title style</a:t>
             </a:r>
           </a:p>
@@ -1639,13 +1618,6 @@
   <p:clrMapOvr>
     <a:masterClrMapping/>
   </p:clrMapOvr>
-  <p:timing>
-    <p:tnLst>
-      <p:par>
-        <p:cTn id="1" dur="indefinite" restart="never" nodeType="tmRoot"/>
-      </p:par>
-    </p:tnLst>
-  </p:timing>
 </p:sldLayout>
 </file>
 
@@ -1788,7 +1760,7 @@
               <a:defRPr/>
             </a:pPr>
             <a:r>
-              <a:rPr kumimoji="0" lang="es-MX" sz="1800" b="0" i="0" u="none" strike="noStrike" kern="1200" cap="none" spc="0" normalizeH="0" baseline="0" noProof="0" smtClean="0">
+              <a:rPr kumimoji="0" lang="es-MX" sz="1800" b="0" i="0" u="none" strike="noStrike" kern="1200" cap="none" spc="0" normalizeH="0" baseline="0" noProof="0">
                 <a:ln>
                   <a:noFill/>
                 </a:ln>
@@ -1827,7 +1799,7 @@
               <a:defRPr/>
             </a:pPr>
             <a:r>
-              <a:rPr kumimoji="0" lang="es-MX" sz="1600" b="0" i="0" u="none" strike="noStrike" kern="1200" cap="none" spc="0" normalizeH="0" baseline="0" noProof="0" smtClean="0">
+              <a:rPr kumimoji="0" lang="es-MX" sz="1600" b="0" i="0" u="none" strike="noStrike" kern="1200" cap="none" spc="0" normalizeH="0" baseline="0" noProof="0">
                 <a:ln>
                   <a:noFill/>
                 </a:ln>
@@ -1866,7 +1838,7 @@
               <a:defRPr/>
             </a:pPr>
             <a:r>
-              <a:rPr kumimoji="0" lang="es-MX" sz="1400" b="0" i="0" u="none" strike="noStrike" kern="1200" cap="none" spc="0" normalizeH="0" baseline="0" noProof="0" smtClean="0">
+              <a:rPr kumimoji="0" lang="es-MX" sz="1400" b="0" i="0" u="none" strike="noStrike" kern="1200" cap="none" spc="0" normalizeH="0" baseline="0" noProof="0">
                 <a:ln>
                   <a:noFill/>
                 </a:ln>
@@ -1905,7 +1877,7 @@
               <a:defRPr/>
             </a:pPr>
             <a:r>
-              <a:rPr kumimoji="0" lang="es-MX" sz="1200" b="0" i="0" u="none" strike="noStrike" kern="1200" cap="none" spc="0" normalizeH="0" baseline="0" noProof="0" smtClean="0">
+              <a:rPr kumimoji="0" lang="es-MX" sz="1200" b="0" i="0" u="none" strike="noStrike" kern="1200" cap="none" spc="0" normalizeH="0" baseline="0" noProof="0">
                 <a:ln>
                   <a:noFill/>
                 </a:ln>
@@ -1993,28 +1965,28 @@
               <a:defRPr/>
             </a:pPr>
             <a:r>
-              <a:rPr lang="es-MX" noProof="0" smtClean="0"/>
+              <a:rPr lang="es-MX" noProof="0"/>
               <a:t>Click to edit Master text styles</a:t>
             </a:r>
           </a:p>
           <a:p>
             <a:pPr lvl="1"/>
             <a:r>
-              <a:rPr lang="es-MX" noProof="0" smtClean="0"/>
+              <a:rPr lang="es-MX" noProof="0"/>
               <a:t>Second level</a:t>
             </a:r>
           </a:p>
           <a:p>
             <a:pPr lvl="2"/>
             <a:r>
-              <a:rPr lang="es-MX" noProof="0" smtClean="0"/>
+              <a:rPr lang="es-MX" noProof="0"/>
               <a:t>Third level</a:t>
             </a:r>
           </a:p>
           <a:p>
             <a:pPr lvl="3"/>
             <a:r>
-              <a:rPr lang="es-MX" noProof="0" smtClean="0"/>
+              <a:rPr lang="es-MX" noProof="0"/>
               <a:t>Fourth level</a:t>
             </a:r>
           </a:p>
@@ -2060,7 +2032,7 @@
           <a:p>
             <a:pPr lvl="0"/>
             <a:r>
-              <a:rPr lang="es-MX" noProof="0" smtClean="0"/>
+              <a:rPr lang="es-MX" noProof="0"/>
               <a:t>Click to edit Master title style</a:t>
             </a:r>
           </a:p>
@@ -2122,13 +2094,6 @@
   <p:clrMapOvr>
     <a:masterClrMapping/>
   </p:clrMapOvr>
-  <p:timing>
-    <p:tnLst>
-      <p:par>
-        <p:cTn id="1" dur="indefinite" restart="never" nodeType="tmRoot"/>
-      </p:par>
-    </p:tnLst>
-  </p:timing>
 </p:sldLayout>
 </file>
 
@@ -2274,7 +2239,7 @@
           <a:p>
             <a:pPr lvl="0"/>
             <a:r>
-              <a:rPr lang="es-MX" noProof="0" smtClean="0"/>
+              <a:rPr lang="es-MX" noProof="0"/>
               <a:t>Click to edit Master text styles</a:t>
             </a:r>
           </a:p>
@@ -2320,7 +2285,7 @@
           <a:p>
             <a:pPr lvl="0"/>
             <a:r>
-              <a:rPr lang="es-MX" noProof="0" smtClean="0"/>
+              <a:rPr lang="es-MX" noProof="0"/>
               <a:t>Click to edit Master title style</a:t>
             </a:r>
           </a:p>
@@ -2382,13 +2347,6 @@
   <p:clrMapOvr>
     <a:masterClrMapping/>
   </p:clrMapOvr>
-  <p:timing>
-    <p:tnLst>
-      <p:par>
-        <p:cTn id="1" dur="indefinite" restart="never" nodeType="tmRoot"/>
-      </p:par>
-    </p:tnLst>
-  </p:timing>
 </p:sldLayout>
 </file>
 
@@ -2535,7 +2493,7 @@
           <a:p>
             <a:pPr lvl="0"/>
             <a:r>
-              <a:rPr lang="es-MX" noProof="0" smtClean="0"/>
+              <a:rPr lang="es-MX" noProof="0"/>
               <a:t>Click to edit Master text styles</a:t>
             </a:r>
           </a:p>
@@ -2581,7 +2539,7 @@
           <a:p>
             <a:pPr lvl="0"/>
             <a:r>
-              <a:rPr lang="es-MX" noProof="0" smtClean="0"/>
+              <a:rPr lang="es-MX" noProof="0"/>
               <a:t>Click to edit Master title style</a:t>
             </a:r>
           </a:p>
@@ -2643,13 +2601,6 @@
   <p:clrMapOvr>
     <a:masterClrMapping/>
   </p:clrMapOvr>
-  <p:timing>
-    <p:tnLst>
-      <p:par>
-        <p:cTn id="1" dur="indefinite" restart="never" nodeType="tmRoot"/>
-      </p:par>
-    </p:tnLst>
-  </p:timing>
 </p:sldLayout>
 </file>
 
@@ -2732,10 +2683,9 @@
           <a:lstStyle/>
           <a:p>
             <a:r>
-              <a:rPr lang="es-MX" noProof="0" smtClean="0"/>
+              <a:rPr lang="es-MX" noProof="0"/>
               <a:t>Click to edit Master title style</a:t>
             </a:r>
-            <a:endParaRPr lang="es-MX" noProof="0"/>
           </a:p>
         </p:txBody>
       </p:sp>
@@ -2925,7 +2875,7 @@
           </a:lstStyle>
           <a:p>
             <a:pPr lvl="0"/>
-            <a:endParaRPr lang="es-MX" noProof="0" smtClean="0"/>
+            <a:endParaRPr lang="es-MX" noProof="0"/>
           </a:p>
         </p:txBody>
       </p:sp>
@@ -2955,7 +2905,7 @@
           </a:lstStyle>
           <a:p>
             <a:pPr lvl="0"/>
-            <a:endParaRPr lang="es-MX" noProof="0" smtClean="0"/>
+            <a:endParaRPr lang="es-MX" noProof="0"/>
           </a:p>
         </p:txBody>
       </p:sp>
@@ -2985,7 +2935,7 @@
           </a:lstStyle>
           <a:p>
             <a:pPr lvl="0"/>
-            <a:endParaRPr lang="es-MX" noProof="0" smtClean="0"/>
+            <a:endParaRPr lang="es-MX" noProof="0"/>
           </a:p>
         </p:txBody>
       </p:sp>
@@ -3015,7 +2965,7 @@
           </a:lstStyle>
           <a:p>
             <a:pPr lvl="0"/>
-            <a:endParaRPr lang="es-MX" noProof="0" smtClean="0"/>
+            <a:endParaRPr lang="es-MX" noProof="0"/>
           </a:p>
         </p:txBody>
       </p:sp>
@@ -3063,10 +3013,9 @@
           <a:p>
             <a:pPr algn="ctr"/>
             <a:r>
-              <a:rPr lang="es-MX" noProof="0" smtClean="0"/>
+              <a:rPr lang="es-MX" noProof="0"/>
               <a:t> </a:t>
             </a:r>
-            <a:endParaRPr lang="es-MX" noProof="0"/>
           </a:p>
         </p:txBody>
       </p:sp>
@@ -3104,14 +3053,14 @@
           <a:p>
             <a:pPr lvl="0"/>
             <a:r>
-              <a:rPr lang="es-MX" noProof="0" smtClean="0"/>
+              <a:rPr lang="es-MX" noProof="0"/>
               <a:t>Click to edit Master text</a:t>
             </a:r>
             <a:br>
-              <a:rPr lang="es-MX" noProof="0" smtClean="0"/>
+              <a:rPr lang="es-MX" noProof="0"/>
             </a:br>
             <a:r>
-              <a:rPr lang="es-MX" noProof="0" smtClean="0"/>
+              <a:rPr lang="es-MX" noProof="0"/>
               <a:t>styles</a:t>
             </a:r>
           </a:p>
@@ -3127,13 +3076,6 @@
   <p:clrMapOvr>
     <a:masterClrMapping/>
   </p:clrMapOvr>
-  <p:timing>
-    <p:tnLst>
-      <p:par>
-        <p:cTn id="1" dur="indefinite" restart="never" nodeType="tmRoot"/>
-      </p:par>
-    </p:tnLst>
-  </p:timing>
 </p:sldLayout>
 </file>
 
@@ -3261,10 +3203,9 @@
           <a:lstStyle/>
           <a:p>
             <a:r>
-              <a:rPr lang="es-MX" noProof="0" smtClean="0"/>
+              <a:rPr lang="es-MX" noProof="0"/>
               <a:t>Click to edit Master title style</a:t>
             </a:r>
-            <a:endParaRPr lang="es-MX" noProof="0"/>
           </a:p>
         </p:txBody>
       </p:sp>
@@ -3301,7 +3242,7 @@
           <a:p>
             <a:pPr lvl="0"/>
             <a:r>
-              <a:rPr lang="es-MX" noProof="0" smtClean="0"/>
+              <a:rPr lang="es-MX" noProof="0"/>
               <a:t>Click to edit Master text styles</a:t>
             </a:r>
           </a:p>
@@ -3386,7 +3327,7 @@
           <a:p>
             <a:pPr lvl="0"/>
             <a:r>
-              <a:rPr lang="es-MX" noProof="0" smtClean="0"/>
+              <a:rPr lang="es-MX" noProof="0"/>
               <a:t>Click to edit Master text styles</a:t>
             </a:r>
           </a:p>
@@ -3470,7 +3411,7 @@
           <a:p>
             <a:pPr lvl="0"/>
             <a:r>
-              <a:rPr lang="es-MX" noProof="0" smtClean="0"/>
+              <a:rPr lang="es-MX" noProof="0"/>
               <a:t>Click to edit Master text styles</a:t>
             </a:r>
           </a:p>
@@ -3554,7 +3495,7 @@
           <a:p>
             <a:pPr lvl="0"/>
             <a:r>
-              <a:rPr lang="es-MX" noProof="0" smtClean="0"/>
+              <a:rPr lang="es-MX" noProof="0"/>
               <a:t>Click to edit Master text styles</a:t>
             </a:r>
           </a:p>
@@ -3638,7 +3579,7 @@
           <a:p>
             <a:pPr lvl="0"/>
             <a:r>
-              <a:rPr lang="es-MX" noProof="0" smtClean="0"/>
+              <a:rPr lang="es-MX" noProof="0"/>
               <a:t>Click to edit Master text styles</a:t>
             </a:r>
           </a:p>
@@ -3672,7 +3613,7 @@
           <a:p>
             <a:pPr lvl="0"/>
             <a:r>
-              <a:rPr lang="es-MX" noProof="0" smtClean="0"/>
+              <a:rPr lang="es-MX" noProof="0"/>
               <a:t>Click to edit Master text styles</a:t>
             </a:r>
           </a:p>
@@ -3706,7 +3647,7 @@
           <a:p>
             <a:pPr lvl="0"/>
             <a:r>
-              <a:rPr lang="es-MX" noProof="0" smtClean="0"/>
+              <a:rPr lang="es-MX" noProof="0"/>
               <a:t>Click to edit Master text styles</a:t>
             </a:r>
           </a:p>
@@ -3740,7 +3681,7 @@
           <a:p>
             <a:pPr lvl="0"/>
             <a:r>
-              <a:rPr lang="es-MX" noProof="0" smtClean="0"/>
+              <a:rPr lang="es-MX" noProof="0"/>
               <a:t>Click to edit Master text styles</a:t>
             </a:r>
           </a:p>
@@ -3774,7 +3715,7 @@
           <a:p>
             <a:pPr lvl="0"/>
             <a:r>
-              <a:rPr lang="es-MX" noProof="0" smtClean="0"/>
+              <a:rPr lang="es-MX" noProof="0"/>
               <a:t>Click to edit Master text styles</a:t>
             </a:r>
           </a:p>
@@ -3808,7 +3749,7 @@
           <a:p>
             <a:pPr lvl="0"/>
             <a:r>
-              <a:rPr lang="es-MX" noProof="0" smtClean="0"/>
+              <a:rPr lang="es-MX" noProof="0"/>
               <a:t>Click to edit Master text styles</a:t>
             </a:r>
           </a:p>
@@ -3824,13 +3765,6 @@
   <p:clrMapOvr>
     <a:masterClrMapping/>
   </p:clrMapOvr>
-  <p:timing>
-    <p:tnLst>
-      <p:par>
-        <p:cTn id="1" dur="indefinite" restart="never" nodeType="tmRoot"/>
-      </p:par>
-    </p:tnLst>
-  </p:timing>
 </p:sldLayout>
 </file>
 
@@ -4285,10 +4219,9 @@
           <a:lstStyle/>
           <a:p>
             <a:r>
-              <a:rPr lang="es-MX" noProof="0" smtClean="0"/>
+              <a:rPr lang="es-MX" noProof="0"/>
               <a:t>Click to edit Master title style</a:t>
             </a:r>
-            <a:endParaRPr lang="es-MX" noProof="0"/>
           </a:p>
         </p:txBody>
       </p:sp>
@@ -4323,7 +4256,7 @@
           <a:p>
             <a:pPr lvl="0"/>
             <a:r>
-              <a:rPr lang="es-MX" noProof="0" smtClean="0"/>
+              <a:rPr lang="es-MX" noProof="0"/>
               <a:t>Click to edit Master text styles</a:t>
             </a:r>
           </a:p>
@@ -4373,7 +4306,7 @@
           <a:p>
             <a:pPr lvl="0"/>
             <a:r>
-              <a:rPr lang="es-MX" noProof="0" smtClean="0"/>
+              <a:rPr lang="es-MX" noProof="0"/>
               <a:t>Click to edit Master text styles</a:t>
             </a:r>
           </a:p>
@@ -4396,7 +4329,7 @@
               <a:defRPr/>
             </a:pPr>
             <a:r>
-              <a:rPr lang="es-MX" noProof="0" smtClean="0"/>
+              <a:rPr lang="es-MX" noProof="0"/>
               <a:t>Click to edit Master text styles</a:t>
             </a:r>
           </a:p>
@@ -4419,7 +4352,7 @@
               <a:defRPr/>
             </a:pPr>
             <a:r>
-              <a:rPr lang="es-MX" noProof="0" smtClean="0"/>
+              <a:rPr lang="es-MX" noProof="0"/>
               <a:t>Click to edit Master text styles</a:t>
             </a:r>
           </a:p>
@@ -4442,7 +4375,7 @@
               <a:defRPr/>
             </a:pPr>
             <a:r>
-              <a:rPr lang="es-MX" noProof="0" smtClean="0"/>
+              <a:rPr lang="es-MX" noProof="0"/>
               <a:t>Click to edit Master text styles</a:t>
             </a:r>
           </a:p>
@@ -4465,25 +4398,25 @@
               <a:defRPr/>
             </a:pPr>
             <a:r>
-              <a:rPr lang="es-MX" noProof="0" smtClean="0"/>
+              <a:rPr lang="es-MX" noProof="0"/>
               <a:t>Click to edit Master text styles</a:t>
             </a:r>
           </a:p>
           <a:p>
             <a:pPr lvl="0"/>
-            <a:endParaRPr lang="es-MX" noProof="0" smtClean="0"/>
+            <a:endParaRPr lang="es-MX" noProof="0"/>
           </a:p>
           <a:p>
             <a:pPr lvl="0"/>
-            <a:endParaRPr lang="es-MX" noProof="0" smtClean="0"/>
+            <a:endParaRPr lang="es-MX" noProof="0"/>
           </a:p>
           <a:p>
             <a:pPr lvl="0"/>
-            <a:endParaRPr lang="es-MX" noProof="0" smtClean="0"/>
+            <a:endParaRPr lang="es-MX" noProof="0"/>
           </a:p>
           <a:p>
             <a:pPr lvl="0"/>
-            <a:endParaRPr lang="es-MX" noProof="0" smtClean="0"/>
+            <a:endParaRPr lang="es-MX" noProof="0"/>
           </a:p>
         </p:txBody>
       </p:sp>
@@ -4518,7 +4451,7 @@
           <a:p>
             <a:pPr lvl="0"/>
             <a:r>
-              <a:rPr lang="es-MX" noProof="0" smtClean="0"/>
+              <a:rPr lang="es-MX" noProof="0"/>
               <a:t>Click to edit Master text styles</a:t>
             </a:r>
           </a:p>
@@ -4568,7 +4501,7 @@
           <a:p>
             <a:pPr lvl="0"/>
             <a:r>
-              <a:rPr lang="es-MX" noProof="0" smtClean="0"/>
+              <a:rPr lang="es-MX" noProof="0"/>
               <a:t>Click to edit Master text styles</a:t>
             </a:r>
           </a:p>
@@ -4591,7 +4524,7 @@
               <a:defRPr/>
             </a:pPr>
             <a:r>
-              <a:rPr lang="es-MX" noProof="0" smtClean="0"/>
+              <a:rPr lang="es-MX" noProof="0"/>
               <a:t>Click to edit Master text styles</a:t>
             </a:r>
           </a:p>
@@ -4614,7 +4547,7 @@
               <a:defRPr/>
             </a:pPr>
             <a:r>
-              <a:rPr lang="es-MX" noProof="0" smtClean="0"/>
+              <a:rPr lang="es-MX" noProof="0"/>
               <a:t>Click to edit Master text styles</a:t>
             </a:r>
           </a:p>
@@ -4637,7 +4570,7 @@
               <a:defRPr/>
             </a:pPr>
             <a:r>
-              <a:rPr lang="es-MX" noProof="0" smtClean="0"/>
+              <a:rPr lang="es-MX" noProof="0"/>
               <a:t>Click to edit Master text styles</a:t>
             </a:r>
           </a:p>
@@ -4660,25 +4593,25 @@
               <a:defRPr/>
             </a:pPr>
             <a:r>
-              <a:rPr lang="es-MX" noProof="0" smtClean="0"/>
+              <a:rPr lang="es-MX" noProof="0"/>
               <a:t>Click to edit Master text styles</a:t>
             </a:r>
           </a:p>
           <a:p>
             <a:pPr lvl="0"/>
-            <a:endParaRPr lang="es-MX" noProof="0" smtClean="0"/>
+            <a:endParaRPr lang="es-MX" noProof="0"/>
           </a:p>
           <a:p>
             <a:pPr lvl="0"/>
-            <a:endParaRPr lang="es-MX" noProof="0" smtClean="0"/>
+            <a:endParaRPr lang="es-MX" noProof="0"/>
           </a:p>
           <a:p>
             <a:pPr lvl="0"/>
-            <a:endParaRPr lang="es-MX" noProof="0" smtClean="0"/>
+            <a:endParaRPr lang="es-MX" noProof="0"/>
           </a:p>
           <a:p>
             <a:pPr lvl="0"/>
-            <a:endParaRPr lang="es-MX" noProof="0" smtClean="0"/>
+            <a:endParaRPr lang="es-MX" noProof="0"/>
           </a:p>
         </p:txBody>
       </p:sp>
@@ -4713,7 +4646,7 @@
           <a:p>
             <a:pPr lvl="0"/>
             <a:r>
-              <a:rPr lang="es-MX" noProof="0" smtClean="0"/>
+              <a:rPr lang="es-MX" noProof="0"/>
               <a:t>Click to edit Master text styles</a:t>
             </a:r>
           </a:p>
@@ -4763,7 +4696,7 @@
           <a:p>
             <a:pPr lvl="0"/>
             <a:r>
-              <a:rPr lang="es-MX" noProof="0" smtClean="0"/>
+              <a:rPr lang="es-MX" noProof="0"/>
               <a:t>Click to edit Master text styles</a:t>
             </a:r>
           </a:p>
@@ -4786,7 +4719,7 @@
               <a:defRPr/>
             </a:pPr>
             <a:r>
-              <a:rPr lang="es-MX" noProof="0" smtClean="0"/>
+              <a:rPr lang="es-MX" noProof="0"/>
               <a:t>Click to edit Master text styles</a:t>
             </a:r>
           </a:p>
@@ -4809,7 +4742,7 @@
               <a:defRPr/>
             </a:pPr>
             <a:r>
-              <a:rPr lang="es-MX" noProof="0" smtClean="0"/>
+              <a:rPr lang="es-MX" noProof="0"/>
               <a:t>Click to edit Master text styles</a:t>
             </a:r>
           </a:p>
@@ -4832,7 +4765,7 @@
               <a:defRPr/>
             </a:pPr>
             <a:r>
-              <a:rPr lang="es-MX" noProof="0" smtClean="0"/>
+              <a:rPr lang="es-MX" noProof="0"/>
               <a:t>Click to edit Master text styles</a:t>
             </a:r>
           </a:p>
@@ -4855,25 +4788,25 @@
               <a:defRPr/>
             </a:pPr>
             <a:r>
-              <a:rPr lang="es-MX" noProof="0" smtClean="0"/>
+              <a:rPr lang="es-MX" noProof="0"/>
               <a:t>Click to edit Master text styles</a:t>
             </a:r>
           </a:p>
           <a:p>
             <a:pPr lvl="0"/>
-            <a:endParaRPr lang="es-MX" noProof="0" smtClean="0"/>
+            <a:endParaRPr lang="es-MX" noProof="0"/>
           </a:p>
           <a:p>
             <a:pPr lvl="0"/>
-            <a:endParaRPr lang="es-MX" noProof="0" smtClean="0"/>
+            <a:endParaRPr lang="es-MX" noProof="0"/>
           </a:p>
           <a:p>
             <a:pPr lvl="0"/>
-            <a:endParaRPr lang="es-MX" noProof="0" smtClean="0"/>
+            <a:endParaRPr lang="es-MX" noProof="0"/>
           </a:p>
           <a:p>
             <a:pPr lvl="0"/>
-            <a:endParaRPr lang="es-MX" noProof="0" smtClean="0"/>
+            <a:endParaRPr lang="es-MX" noProof="0"/>
           </a:p>
         </p:txBody>
       </p:sp>
@@ -4908,7 +4841,7 @@
           <a:p>
             <a:pPr lvl="0"/>
             <a:r>
-              <a:rPr lang="es-MX" noProof="0" smtClean="0"/>
+              <a:rPr lang="es-MX" noProof="0"/>
               <a:t>Click to edit Master text styles</a:t>
             </a:r>
           </a:p>
@@ -4958,7 +4891,7 @@
           <a:p>
             <a:pPr lvl="0"/>
             <a:r>
-              <a:rPr lang="es-MX" noProof="0" smtClean="0"/>
+              <a:rPr lang="es-MX" noProof="0"/>
               <a:t>Click to edit Master text styles</a:t>
             </a:r>
           </a:p>
@@ -4981,7 +4914,7 @@
               <a:defRPr/>
             </a:pPr>
             <a:r>
-              <a:rPr lang="es-MX" noProof="0" smtClean="0"/>
+              <a:rPr lang="es-MX" noProof="0"/>
               <a:t>Click to edit Master text styles</a:t>
             </a:r>
           </a:p>
@@ -5004,7 +4937,7 @@
               <a:defRPr/>
             </a:pPr>
             <a:r>
-              <a:rPr lang="es-MX" noProof="0" smtClean="0"/>
+              <a:rPr lang="es-MX" noProof="0"/>
               <a:t>Click to edit Master text styles</a:t>
             </a:r>
           </a:p>
@@ -5027,7 +4960,7 @@
               <a:defRPr/>
             </a:pPr>
             <a:r>
-              <a:rPr lang="es-MX" noProof="0" smtClean="0"/>
+              <a:rPr lang="es-MX" noProof="0"/>
               <a:t>Click to edit Master text styles</a:t>
             </a:r>
           </a:p>
@@ -5050,25 +4983,25 @@
               <a:defRPr/>
             </a:pPr>
             <a:r>
-              <a:rPr lang="es-MX" noProof="0" smtClean="0"/>
+              <a:rPr lang="es-MX" noProof="0"/>
               <a:t>Click to edit Master text styles</a:t>
             </a:r>
           </a:p>
           <a:p>
             <a:pPr lvl="0"/>
-            <a:endParaRPr lang="es-MX" noProof="0" smtClean="0"/>
+            <a:endParaRPr lang="es-MX" noProof="0"/>
           </a:p>
           <a:p>
             <a:pPr lvl="0"/>
-            <a:endParaRPr lang="es-MX" noProof="0" smtClean="0"/>
+            <a:endParaRPr lang="es-MX" noProof="0"/>
           </a:p>
           <a:p>
             <a:pPr lvl="0"/>
-            <a:endParaRPr lang="es-MX" noProof="0" smtClean="0"/>
+            <a:endParaRPr lang="es-MX" noProof="0"/>
           </a:p>
           <a:p>
             <a:pPr lvl="0"/>
-            <a:endParaRPr lang="es-MX" noProof="0" smtClean="0"/>
+            <a:endParaRPr lang="es-MX" noProof="0"/>
           </a:p>
         </p:txBody>
       </p:sp>
@@ -5082,13 +5015,6 @@
   <p:clrMapOvr>
     <a:masterClrMapping/>
   </p:clrMapOvr>
-  <p:timing>
-    <p:tnLst>
-      <p:par>
-        <p:cTn id="1" dur="indefinite" restart="never" nodeType="tmRoot"/>
-      </p:par>
-    </p:tnLst>
-  </p:timing>
 </p:sldLayout>
 </file>
 
@@ -5149,7 +5075,7 @@
           <a:p>
             <a:pPr lvl="0"/>
             <a:r>
-              <a:rPr lang="es-MX" noProof="0" smtClean="0"/>
+              <a:rPr lang="es-MX" noProof="0"/>
               <a:t>Click to edit Master title style</a:t>
             </a:r>
           </a:p>
@@ -5428,10 +5354,9 @@
           <a:p>
             <a:pPr lvl="0"/>
             <a:r>
-              <a:rPr lang="es-MX" noProof="0" smtClean="0"/>
+              <a:rPr lang="es-MX" noProof="0"/>
               <a:t>At a Glance</a:t>
             </a:r>
-            <a:endParaRPr lang="es-MX" noProof="0"/>
           </a:p>
         </p:txBody>
       </p:sp>
@@ -5462,10 +5387,9 @@
           <a:p>
             <a:pPr lvl="0"/>
             <a:r>
-              <a:rPr lang="es-MX" noProof="0" smtClean="0"/>
+              <a:rPr lang="es-MX" noProof="0"/>
               <a:t>Challenge</a:t>
             </a:r>
-            <a:endParaRPr lang="es-MX" noProof="0"/>
           </a:p>
         </p:txBody>
       </p:sp>
@@ -5496,10 +5420,9 @@
           <a:p>
             <a:pPr lvl="0"/>
             <a:r>
-              <a:rPr lang="es-MX" noProof="0" smtClean="0"/>
+              <a:rPr lang="es-MX" noProof="0"/>
               <a:t>The Solution</a:t>
             </a:r>
-            <a:endParaRPr lang="es-MX" noProof="0"/>
           </a:p>
         </p:txBody>
       </p:sp>
@@ -5534,10 +5457,9 @@
           <a:p>
             <a:pPr lvl="0"/>
             <a:r>
-              <a:rPr lang="es-MX" noProof="0" smtClean="0"/>
+              <a:rPr lang="es-MX" noProof="0"/>
               <a:t>Voice of the Costumer</a:t>
             </a:r>
-            <a:endParaRPr lang="es-MX" noProof="0"/>
           </a:p>
         </p:txBody>
       </p:sp>
@@ -5567,7 +5489,7 @@
           <a:p>
             <a:pPr lvl="0"/>
             <a:r>
-              <a:rPr lang="es-MX" noProof="0" smtClean="0"/>
+              <a:rPr lang="es-MX" noProof="0"/>
               <a:t>Click to edit Master text styles</a:t>
             </a:r>
           </a:p>
@@ -5599,7 +5521,7 @@
           <a:p>
             <a:pPr lvl="0"/>
             <a:r>
-              <a:rPr lang="es-MX" noProof="0" smtClean="0"/>
+              <a:rPr lang="es-MX" noProof="0"/>
               <a:t>Click to edit Master text styles</a:t>
             </a:r>
           </a:p>
@@ -5733,7 +5655,7 @@
           <a:p>
             <a:pPr lvl="0"/>
             <a:r>
-              <a:rPr lang="es-MX" noProof="0" smtClean="0"/>
+              <a:rPr lang="es-MX" noProof="0"/>
               <a:t>Click to edit Master text styles</a:t>
             </a:r>
           </a:p>
@@ -5766,7 +5688,7 @@
           <a:p>
             <a:pPr lvl="0"/>
             <a:r>
-              <a:rPr lang="es-MX" noProof="0" smtClean="0"/>
+              <a:rPr lang="es-MX" noProof="0"/>
               <a:t>Click to edit Master text styles</a:t>
             </a:r>
           </a:p>
@@ -5803,7 +5725,7 @@
           <a:p>
             <a:pPr lvl="0"/>
             <a:r>
-              <a:rPr lang="es-MX" noProof="0" smtClean="0"/>
+              <a:rPr lang="es-MX" noProof="0"/>
               <a:t>Click to edit Master text styles</a:t>
             </a:r>
           </a:p>
@@ -5819,13 +5741,6 @@
   <p:clrMapOvr>
     <a:masterClrMapping/>
   </p:clrMapOvr>
-  <p:timing>
-    <p:tnLst>
-      <p:par>
-        <p:cTn id="1" dur="indefinite" restart="never" nodeType="tmRoot"/>
-      </p:par>
-    </p:tnLst>
-  </p:timing>
 </p:sldLayout>
 </file>
 
@@ -5886,7 +5801,7 @@
           <a:p>
             <a:pPr lvl="0"/>
             <a:r>
-              <a:rPr lang="es-MX" noProof="0" smtClean="0"/>
+              <a:rPr lang="es-MX" noProof="0"/>
               <a:t>Click to edit Master title style</a:t>
             </a:r>
           </a:p>
@@ -6165,10 +6080,9 @@
           <a:p>
             <a:pPr lvl="0"/>
             <a:r>
-              <a:rPr lang="es-MX" noProof="0" smtClean="0"/>
+              <a:rPr lang="es-MX" noProof="0"/>
               <a:t>At a Glance</a:t>
             </a:r>
-            <a:endParaRPr lang="es-MX" noProof="0"/>
           </a:p>
         </p:txBody>
       </p:sp>
@@ -6199,10 +6113,9 @@
           <a:p>
             <a:pPr lvl="0"/>
             <a:r>
-              <a:rPr lang="es-MX" noProof="0" smtClean="0"/>
+              <a:rPr lang="es-MX" noProof="0"/>
               <a:t>Challenge</a:t>
             </a:r>
-            <a:endParaRPr lang="es-MX" noProof="0"/>
           </a:p>
         </p:txBody>
       </p:sp>
@@ -6233,10 +6146,9 @@
           <a:p>
             <a:pPr lvl="0"/>
             <a:r>
-              <a:rPr lang="es-MX" noProof="0" smtClean="0"/>
+              <a:rPr lang="es-MX" noProof="0"/>
               <a:t>The Solution</a:t>
             </a:r>
-            <a:endParaRPr lang="es-MX" noProof="0"/>
           </a:p>
         </p:txBody>
       </p:sp>
@@ -6266,7 +6178,7 @@
           <a:p>
             <a:pPr lvl="0"/>
             <a:r>
-              <a:rPr lang="es-MX" noProof="0" smtClean="0"/>
+              <a:rPr lang="es-MX" noProof="0"/>
               <a:t>Click to edit Master text styles</a:t>
             </a:r>
           </a:p>
@@ -6298,7 +6210,7 @@
           <a:p>
             <a:pPr lvl="0"/>
             <a:r>
-              <a:rPr lang="es-MX" noProof="0" smtClean="0"/>
+              <a:rPr lang="es-MX" noProof="0"/>
               <a:t>Click to edit Master text styles</a:t>
             </a:r>
           </a:p>
@@ -6432,7 +6344,7 @@
           <a:p>
             <a:pPr lvl="0"/>
             <a:r>
-              <a:rPr lang="es-MX" noProof="0" smtClean="0"/>
+              <a:rPr lang="es-MX" noProof="0"/>
               <a:t>Click to edit Master text styles</a:t>
             </a:r>
           </a:p>
@@ -6567,10 +6479,9 @@
           <a:p>
             <a:pPr lvl="0"/>
             <a:r>
-              <a:rPr lang="es-MX" noProof="0" smtClean="0"/>
+              <a:rPr lang="es-MX" noProof="0"/>
               <a:t>Benefits</a:t>
             </a:r>
-            <a:endParaRPr lang="es-MX" noProof="0"/>
           </a:p>
         </p:txBody>
       </p:sp>
@@ -6600,7 +6511,7 @@
           <a:p>
             <a:pPr lvl="0"/>
             <a:r>
-              <a:rPr lang="es-MX" noProof="0" smtClean="0"/>
+              <a:rPr lang="es-MX" noProof="0"/>
               <a:t>Click to edit Master text styles</a:t>
             </a:r>
           </a:p>
@@ -6616,13 +6527,6 @@
   <p:clrMapOvr>
     <a:masterClrMapping/>
   </p:clrMapOvr>
-  <p:timing>
-    <p:tnLst>
-      <p:par>
-        <p:cTn id="1" dur="indefinite" restart="never" nodeType="tmRoot"/>
-      </p:par>
-    </p:tnLst>
-  </p:timing>
 </p:sldLayout>
 </file>
 
@@ -6799,10 +6703,9 @@
           </a:lstStyle>
           <a:p>
             <a:r>
-              <a:rPr lang="es-MX" noProof="0" smtClean="0"/>
+              <a:rPr lang="es-MX" noProof="0"/>
               <a:t>Click To Edit Master Title Style</a:t>
             </a:r>
-            <a:endParaRPr lang="es-MX" noProof="0"/>
           </a:p>
         </p:txBody>
       </p:sp>
@@ -6871,14 +6774,14 @@
           <a:p>
             <a:pPr lvl="0"/>
             <a:r>
-              <a:rPr lang="en-US" noProof="0" smtClean="0"/>
+              <a:rPr lang="en-US" noProof="0"/>
               <a:t>Click to edit Master text styles</a:t>
             </a:r>
           </a:p>
           <a:p>
             <a:pPr lvl="1"/>
             <a:r>
-              <a:rPr lang="en-US" noProof="0" smtClean="0"/>
+              <a:rPr lang="en-US" noProof="0"/>
               <a:t>Second level</a:t>
             </a:r>
           </a:p>
@@ -6983,7 +6886,7 @@
           <a:p>
             <a:pPr algn="l"/>
             <a:r>
-              <a:rPr lang="es-MX" sz="800" noProof="0" smtClean="0">
+              <a:rPr lang="es-MX" sz="800" noProof="0">
                 <a:solidFill>
                   <a:srgbClr val="FFFFFF"/>
                 </a:solidFill>
@@ -6991,12 +6894,6 @@
               </a:rPr>
               <a:t>Todos los Derechos Reservados © Valores Corporativos Softtek S.A. de C.V. 2015. Interno.</a:t>
             </a:r>
-            <a:endParaRPr lang="es-MX" sz="800" noProof="0">
-              <a:solidFill>
-                <a:srgbClr val="FFFFFF"/>
-              </a:solidFill>
-              <a:cs typeface="Arial" charset="0"/>
-            </a:endParaRPr>
           </a:p>
         </p:txBody>
       </p:sp>
@@ -7010,13 +6907,6 @@
   <p:clrMapOvr>
     <a:masterClrMapping/>
   </p:clrMapOvr>
-  <p:timing>
-    <p:tnLst>
-      <p:par>
-        <p:cTn id="1" dur="indefinite" restart="never" nodeType="tmRoot"/>
-      </p:par>
-    </p:tnLst>
-  </p:timing>
 </p:sldLayout>
 </file>
 
@@ -7193,10 +7083,9 @@
           </a:lstStyle>
           <a:p>
             <a:r>
-              <a:rPr lang="es-MX" noProof="0" smtClean="0"/>
+              <a:rPr lang="es-MX" noProof="0"/>
               <a:t>Click To Edit Master Title Style</a:t>
             </a:r>
-            <a:endParaRPr lang="es-MX" noProof="0"/>
           </a:p>
         </p:txBody>
       </p:sp>
@@ -7265,14 +7154,14 @@
           <a:p>
             <a:pPr lvl="0"/>
             <a:r>
-              <a:rPr lang="en-US" noProof="0" smtClean="0"/>
+              <a:rPr lang="en-US" noProof="0"/>
               <a:t>Click to edit Master text styles</a:t>
             </a:r>
           </a:p>
           <a:p>
             <a:pPr lvl="1"/>
             <a:r>
-              <a:rPr lang="en-US" noProof="0" smtClean="0"/>
+              <a:rPr lang="en-US" noProof="0"/>
               <a:t>Second level</a:t>
             </a:r>
           </a:p>
@@ -7377,7 +7266,7 @@
           <a:p>
             <a:pPr algn="l"/>
             <a:r>
-              <a:rPr lang="es-MX" sz="800" noProof="0" smtClean="0">
+              <a:rPr lang="es-MX" sz="800" noProof="0">
                 <a:solidFill>
                   <a:srgbClr val="FFFFFF"/>
                 </a:solidFill>
@@ -7385,12 +7274,6 @@
               </a:rPr>
               <a:t>Todos los Derechos Reservados © Valores Corporativos Softtek S.A. de C.V. 2015. Interno.</a:t>
             </a:r>
-            <a:endParaRPr lang="es-MX" sz="800" noProof="0">
-              <a:solidFill>
-                <a:srgbClr val="FFFFFF"/>
-              </a:solidFill>
-              <a:cs typeface="Arial" charset="0"/>
-            </a:endParaRPr>
           </a:p>
         </p:txBody>
       </p:sp>
@@ -7404,13 +7287,6 @@
   <p:clrMapOvr>
     <a:masterClrMapping/>
   </p:clrMapOvr>
-  <p:timing>
-    <p:tnLst>
-      <p:par>
-        <p:cTn id="1" dur="indefinite" restart="never" nodeType="tmRoot"/>
-      </p:par>
-    </p:tnLst>
-  </p:timing>
 </p:sldLayout>
 </file>
 
@@ -7557,24 +7433,23 @@
           </a:lstStyle>
           <a:p>
             <a:r>
-              <a:rPr lang="es-MX" noProof="0" smtClean="0"/>
+              <a:rPr lang="es-MX" noProof="0"/>
               <a:t>Click to </a:t>
             </a:r>
             <a:br>
-              <a:rPr lang="es-MX" noProof="0" smtClean="0"/>
+              <a:rPr lang="es-MX" noProof="0"/>
             </a:br>
             <a:r>
-              <a:rPr lang="es-MX" noProof="0" smtClean="0"/>
+              <a:rPr lang="es-MX" noProof="0"/>
               <a:t>edit Master </a:t>
             </a:r>
             <a:br>
-              <a:rPr lang="es-MX" noProof="0" smtClean="0"/>
+              <a:rPr lang="es-MX" noProof="0"/>
             </a:br>
             <a:r>
-              <a:rPr lang="es-MX" noProof="0" smtClean="0"/>
+              <a:rPr lang="es-MX" noProof="0"/>
               <a:t>title style</a:t>
             </a:r>
-            <a:endParaRPr lang="es-MX" noProof="0"/>
           </a:p>
         </p:txBody>
       </p:sp>
@@ -7624,7 +7499,7 @@
               <a:defRPr/>
             </a:pPr>
             <a:r>
-              <a:rPr lang="es-MX" sz="800" noProof="0" smtClean="0">
+              <a:rPr lang="es-MX" sz="800" noProof="0">
                 <a:solidFill>
                   <a:schemeClr val="tx1"/>
                 </a:solidFill>
@@ -7665,7 +7540,7 @@
           <a:noFill/>
           <a:extLst>
             <a:ext uri="{909E8E84-426E-40dd-AFC4-6F175D3DCCD1}">
-              <a14:hiddenFill xmlns="" xmlns:a14="http://schemas.microsoft.com/office/drawing/2010/main">
+              <a14:hiddenFill xmlns:a14="http://schemas.microsoft.com/office/drawing/2010/main" xmlns="">
                 <a:solidFill>
                   <a:srgbClr val="FFFFFF"/>
                 </a:solidFill>
@@ -7723,13 +7598,6 @@
   <p:clrMapOvr>
     <a:masterClrMapping/>
   </p:clrMapOvr>
-  <p:timing>
-    <p:tnLst>
-      <p:par>
-        <p:cTn id="1" dur="indefinite" restart="never" nodeType="tmRoot"/>
-      </p:par>
-    </p:tnLst>
-  </p:timing>
 </p:sldLayout>
 </file>
 
@@ -7834,7 +7702,7 @@
           <a:p>
             <a:pPr lvl="0"/>
             <a:r>
-              <a:rPr lang="en-US" noProof="0" smtClean="0"/>
+              <a:rPr lang="en-US" noProof="0"/>
               <a:t>Click to edit Master text styles</a:t>
             </a:r>
           </a:p>
@@ -7897,7 +7765,7 @@
           <a:p>
             <a:pPr lvl="0"/>
             <a:r>
-              <a:rPr lang="en-US" noProof="0" smtClean="0"/>
+              <a:rPr lang="en-US" noProof="0"/>
               <a:t>Click to edit Master text styles</a:t>
             </a:r>
           </a:p>
@@ -7933,7 +7801,7 @@
           <a:noFill/>
           <a:extLst>
             <a:ext uri="{909E8E84-426E-40dd-AFC4-6F175D3DCCD1}">
-              <a14:hiddenFill xmlns="" xmlns:a14="http://schemas.microsoft.com/office/drawing/2010/main">
+              <a14:hiddenFill xmlns:a14="http://schemas.microsoft.com/office/drawing/2010/main" xmlns="">
                 <a:solidFill>
                   <a:srgbClr val="FFFFFF"/>
                 </a:solidFill>
@@ -8027,7 +7895,7 @@
               <a:defRPr/>
             </a:pPr>
             <a:r>
-              <a:rPr lang="es-MX" sz="800" noProof="0" smtClean="0">
+              <a:rPr lang="es-MX" sz="800" noProof="0">
                 <a:solidFill>
                   <a:schemeClr val="tx1"/>
                 </a:solidFill>
@@ -8048,13 +7916,6 @@
   <p:clrMapOvr>
     <a:masterClrMapping/>
   </p:clrMapOvr>
-  <p:timing>
-    <p:tnLst>
-      <p:par>
-        <p:cTn id="1" dur="indefinite" restart="never" nodeType="tmRoot"/>
-      </p:par>
-    </p:tnLst>
-  </p:timing>
 </p:sldLayout>
 </file>
 
@@ -8159,7 +8020,7 @@
           <a:p>
             <a:pPr lvl="0"/>
             <a:r>
-              <a:rPr lang="en-US" noProof="0" smtClean="0"/>
+              <a:rPr lang="en-US" noProof="0"/>
               <a:t>Click to edit Master text styles</a:t>
             </a:r>
           </a:p>
@@ -8222,7 +8083,7 @@
           <a:p>
             <a:pPr lvl="0"/>
             <a:r>
-              <a:rPr lang="en-US" noProof="0" smtClean="0"/>
+              <a:rPr lang="en-US" noProof="0"/>
               <a:t>Click to edit Master text styles</a:t>
             </a:r>
           </a:p>
@@ -8282,7 +8143,7 @@
           <a:p>
             <a:pPr lvl="0"/>
             <a:r>
-              <a:rPr lang="en-US" noProof="0" smtClean="0"/>
+              <a:rPr lang="en-US" noProof="0"/>
               <a:t>Click to edit Master text styles</a:t>
             </a:r>
           </a:p>
@@ -8345,7 +8206,7 @@
           <a:p>
             <a:pPr lvl="0"/>
             <a:r>
-              <a:rPr lang="en-US" noProof="0" smtClean="0"/>
+              <a:rPr lang="en-US" noProof="0"/>
               <a:t>Click to edit Master text styles</a:t>
             </a:r>
           </a:p>
@@ -8405,7 +8266,7 @@
           <a:p>
             <a:pPr lvl="0"/>
             <a:r>
-              <a:rPr lang="en-US" noProof="0" smtClean="0"/>
+              <a:rPr lang="en-US" noProof="0"/>
               <a:t>Click to edit Master text styles</a:t>
             </a:r>
           </a:p>
@@ -8468,7 +8329,7 @@
           <a:p>
             <a:pPr lvl="0"/>
             <a:r>
-              <a:rPr lang="en-US" noProof="0" smtClean="0"/>
+              <a:rPr lang="en-US" noProof="0"/>
               <a:t>Click to edit Master text styles</a:t>
             </a:r>
           </a:p>
@@ -8589,7 +8450,7 @@
               <a:defRPr/>
             </a:pPr>
             <a:r>
-              <a:rPr lang="es-MX" sz="800" noProof="0" smtClean="0">
+              <a:rPr lang="es-MX" sz="800" noProof="0">
                 <a:solidFill>
                   <a:schemeClr val="tx1"/>
                 </a:solidFill>
@@ -8610,13 +8471,6 @@
   <p:clrMapOvr>
     <a:masterClrMapping/>
   </p:clrMapOvr>
-  <p:timing>
-    <p:tnLst>
-      <p:par>
-        <p:cTn id="1" dur="indefinite" restart="never" nodeType="tmRoot"/>
-      </p:par>
-    </p:tnLst>
-  </p:timing>
 </p:sldLayout>
 </file>
 
@@ -8684,7 +8538,7 @@
           <a:p>
             <a:pPr algn="l"/>
             <a:r>
-              <a:rPr lang="es-MX" sz="800" noProof="0" smtClean="0">
+              <a:rPr lang="es-MX" sz="800" noProof="0">
                 <a:solidFill>
                   <a:srgbClr val="FFFFFF"/>
                 </a:solidFill>
@@ -8693,7 +8547,7 @@
               <a:t>Todos los Derechos </a:t>
             </a:r>
             <a:r>
-              <a:rPr lang="es-MX" sz="800" baseline="0" noProof="0" smtClean="0">
+              <a:rPr lang="es-MX" sz="800" baseline="0" noProof="0">
                 <a:solidFill>
                   <a:srgbClr val="FFFFFF"/>
                 </a:solidFill>
@@ -8702,7 +8556,7 @@
               <a:t>Reserva</a:t>
             </a:r>
             <a:r>
-              <a:rPr lang="es-MX" sz="800" noProof="0" smtClean="0">
+              <a:rPr lang="es-MX" sz="800" noProof="0">
                 <a:solidFill>
                   <a:srgbClr val="FFFFFF"/>
                 </a:solidFill>
@@ -8710,12 +8564,6 @@
               </a:rPr>
               <a:t>dos © Valores Corporativos Softtek S.A. de C.V. 2015. Interno.</a:t>
             </a:r>
-            <a:endParaRPr lang="es-MX" sz="800" noProof="0">
-              <a:solidFill>
-                <a:srgbClr val="FFFFFF"/>
-              </a:solidFill>
-              <a:cs typeface="Arial" charset="0"/>
-            </a:endParaRPr>
           </a:p>
         </p:txBody>
       </p:sp>
@@ -8776,7 +8624,7 @@
           <a:p>
             <a:pPr lvl="0"/>
             <a:r>
-              <a:rPr lang="en-US" noProof="0" smtClean="0"/>
+              <a:rPr lang="en-US" noProof="0"/>
               <a:t>Click to edit Master text styles</a:t>
             </a:r>
           </a:p>
@@ -8836,7 +8684,7 @@
           <a:p>
             <a:pPr lvl="0"/>
             <a:r>
-              <a:rPr lang="en-US" noProof="0" smtClean="0"/>
+              <a:rPr lang="en-US" noProof="0"/>
               <a:t>Click to edit Master text styles</a:t>
             </a:r>
           </a:p>
@@ -8899,7 +8747,7 @@
           <a:p>
             <a:pPr lvl="0"/>
             <a:r>
-              <a:rPr lang="en-US" noProof="0" smtClean="0"/>
+              <a:rPr lang="en-US" noProof="0"/>
               <a:t>Click to edit Master text styles</a:t>
             </a:r>
           </a:p>
@@ -8959,7 +8807,7 @@
           <a:p>
             <a:pPr lvl="0"/>
             <a:r>
-              <a:rPr lang="en-US" noProof="0" smtClean="0"/>
+              <a:rPr lang="en-US" noProof="0"/>
               <a:t>Click to edit Master text styles</a:t>
             </a:r>
           </a:p>
@@ -9022,7 +8870,7 @@
           <a:p>
             <a:pPr lvl="0"/>
             <a:r>
-              <a:rPr lang="en-US" noProof="0" smtClean="0"/>
+              <a:rPr lang="en-US" noProof="0"/>
               <a:t>Click to edit Master text styles</a:t>
             </a:r>
           </a:p>
@@ -9085,7 +8933,7 @@
           <a:p>
             <a:pPr lvl="0"/>
             <a:r>
-              <a:rPr lang="en-US" noProof="0" smtClean="0"/>
+              <a:rPr lang="en-US" noProof="0"/>
               <a:t>Click to edit Master text styles</a:t>
             </a:r>
           </a:p>
@@ -9170,13 +9018,6 @@
   <p:clrMapOvr>
     <a:masterClrMapping/>
   </p:clrMapOvr>
-  <p:timing>
-    <p:tnLst>
-      <p:par>
-        <p:cTn id="1" dur="indefinite" restart="never" nodeType="tmRoot"/>
-      </p:par>
-    </p:tnLst>
-  </p:timing>
 </p:sldLayout>
 </file>
 
@@ -9251,7 +9092,7 @@
           <a:p>
             <a:pPr algn="ctr"/>
             <a:r>
-              <a:rPr lang="es-MX" sz="12000" spc="600" noProof="0" smtClean="0">
+              <a:rPr lang="es-MX" sz="12000" spc="600" noProof="0">
                 <a:solidFill>
                   <a:schemeClr val="bg2"/>
                 </a:solidFill>
@@ -9261,7 +9102,7 @@
               <a:t>Q</a:t>
             </a:r>
             <a:r>
-              <a:rPr lang="es-MX" sz="8000" spc="600" baseline="30000" noProof="0" smtClean="0">
+              <a:rPr lang="es-MX" sz="8000" spc="600" baseline="30000" noProof="0">
                 <a:solidFill>
                   <a:schemeClr val="bg2"/>
                 </a:solidFill>
@@ -9271,7 +9112,7 @@
               <a:t>&amp;</a:t>
             </a:r>
             <a:r>
-              <a:rPr lang="es-MX" sz="12000" spc="600" noProof="0" smtClean="0">
+              <a:rPr lang="es-MX" sz="12000" spc="600" noProof="0">
                 <a:solidFill>
                   <a:schemeClr val="bg2"/>
                 </a:solidFill>
@@ -9280,13 +9121,6 @@
               </a:rPr>
               <a:t>A</a:t>
             </a:r>
-            <a:endParaRPr lang="es-MX" sz="12000" spc="600" noProof="0">
-              <a:solidFill>
-                <a:schemeClr val="bg2"/>
-              </a:solidFill>
-              <a:latin typeface="Arial"/>
-              <a:cs typeface="Arial"/>
-            </a:endParaRPr>
           </a:p>
         </p:txBody>
       </p:sp>
@@ -9320,7 +9154,7 @@
           <a:noFill/>
           <a:extLst>
             <a:ext uri="{909E8E84-426E-40dd-AFC4-6F175D3DCCD1}">
-              <a14:hiddenFill xmlns="" xmlns:a14="http://schemas.microsoft.com/office/drawing/2010/main">
+              <a14:hiddenFill xmlns:a14="http://schemas.microsoft.com/office/drawing/2010/main" xmlns="">
                 <a:solidFill>
                   <a:srgbClr val="FFFFFF"/>
                 </a:solidFill>
@@ -9414,7 +9248,7 @@
               <a:defRPr/>
             </a:pPr>
             <a:r>
-              <a:rPr lang="es-MX" sz="800" noProof="0" smtClean="0">
+              <a:rPr lang="es-MX" sz="800" noProof="0">
                 <a:solidFill>
                   <a:schemeClr val="tx1"/>
                 </a:solidFill>
@@ -9435,13 +9269,6 @@
   <p:clrMapOvr>
     <a:masterClrMapping/>
   </p:clrMapOvr>
-  <p:timing>
-    <p:tnLst>
-      <p:par>
-        <p:cTn id="1" dur="indefinite" restart="never" nodeType="tmRoot"/>
-      </p:par>
-    </p:tnLst>
-  </p:timing>
 </p:sldLayout>
 </file>
 
@@ -9502,7 +9329,7 @@
           <a:p>
             <a:pPr lvl="0"/>
             <a:r>
-              <a:rPr lang="es-MX" noProof="0" smtClean="0"/>
+              <a:rPr lang="es-MX" noProof="0"/>
               <a:t>Click to edit Master title style</a:t>
             </a:r>
           </a:p>
@@ -9564,13 +9391,6 @@
   <p:clrMapOvr>
     <a:masterClrMapping/>
   </p:clrMapOvr>
-  <p:timing>
-    <p:tnLst>
-      <p:par>
-        <p:cTn id="1" dur="indefinite" restart="never" nodeType="tmRoot"/>
-      </p:par>
-    </p:tnLst>
-  </p:timing>
 </p:sldLayout>
 </file>
 
@@ -9610,13 +9430,6 @@
     <p:sldLayoutId id="2147485186" r:id="rId8"/>
     <p:sldLayoutId id="2147485198" r:id="rId9"/>
   </p:sldLayoutIdLst>
-  <p:timing>
-    <p:tnLst>
-      <p:par>
-        <p:cTn id="1" dur="indefinite" restart="never" nodeType="tmRoot"/>
-      </p:par>
-    </p:tnLst>
-  </p:timing>
   <p:hf hdr="0" ftr="0" dt="0"/>
   <p:txStyles>
     <p:titleStyle>
@@ -10053,14 +9866,14 @@
           </a:ln>
           <a:extLst>
             <a:ext uri="{909E8E84-426E-40dd-AFC4-6F175D3DCCD1}">
-              <a14:hiddenFill xmlns="" xmlns:a14="http://schemas.microsoft.com/office/drawing/2010/main">
+              <a14:hiddenFill xmlns:a14="http://schemas.microsoft.com/office/drawing/2010/main" xmlns="">
                 <a:solidFill>
                   <a:srgbClr val="FFFFFF"/>
                 </a:solidFill>
               </a14:hiddenFill>
             </a:ext>
             <a:ext uri="{91240B29-F687-4f45-9708-019B960494DF}">
-              <a14:hiddenLine xmlns="" xmlns:a14="http://schemas.microsoft.com/office/drawing/2010/main" w="9525">
+              <a14:hiddenLine xmlns:a14="http://schemas.microsoft.com/office/drawing/2010/main" xmlns="" w="9525">
                 <a:solidFill>
                   <a:srgbClr val="000000"/>
                 </a:solidFill>
@@ -10081,34 +9894,34 @@
           <a:p>
             <a:pPr lvl="0"/>
             <a:r>
-              <a:rPr lang="es-MX" noProof="0" smtClean="0"/>
+              <a:rPr lang="es-MX" noProof="0"/>
               <a:t>Click to edit Master text styles</a:t>
             </a:r>
           </a:p>
           <a:p>
             <a:pPr lvl="1"/>
             <a:r>
-              <a:rPr lang="es-MX" noProof="0" smtClean="0"/>
+              <a:rPr lang="es-MX" noProof="0"/>
               <a:t>Second level</a:t>
             </a:r>
           </a:p>
           <a:p>
             <a:pPr lvl="2"/>
             <a:r>
-              <a:rPr lang="es-MX" noProof="0" smtClean="0"/>
+              <a:rPr lang="es-MX" noProof="0"/>
               <a:t>Third level</a:t>
             </a:r>
           </a:p>
           <a:p>
             <a:pPr lvl="3"/>
             <a:r>
-              <a:rPr lang="es-MX" noProof="0" smtClean="0"/>
+              <a:rPr lang="es-MX" noProof="0"/>
               <a:t>Fourth level</a:t>
             </a:r>
           </a:p>
           <a:p>
             <a:pPr lvl="2"/>
-            <a:endParaRPr lang="es-MX" noProof="0" smtClean="0"/>
+            <a:endParaRPr lang="es-MX" noProof="0"/>
           </a:p>
         </p:txBody>
       </p:sp>
@@ -10136,14 +9949,14 @@
           </a:ln>
           <a:extLst>
             <a:ext uri="{909E8E84-426E-40dd-AFC4-6F175D3DCCD1}">
-              <a14:hiddenFill xmlns="" xmlns:a14="http://schemas.microsoft.com/office/drawing/2010/main">
+              <a14:hiddenFill xmlns:a14="http://schemas.microsoft.com/office/drawing/2010/main" xmlns="">
                 <a:solidFill>
                   <a:srgbClr val="FFFFFF"/>
                 </a:solidFill>
               </a14:hiddenFill>
             </a:ext>
             <a:ext uri="{91240B29-F687-4f45-9708-019B960494DF}">
-              <a14:hiddenLine xmlns="" xmlns:a14="http://schemas.microsoft.com/office/drawing/2010/main" w="9525">
+              <a14:hiddenLine xmlns:a14="http://schemas.microsoft.com/office/drawing/2010/main" xmlns="" w="9525">
                 <a:solidFill>
                   <a:srgbClr val="000000"/>
                 </a:solidFill>
@@ -10164,7 +9977,7 @@
           <a:p>
             <a:pPr lvl="0"/>
             <a:r>
-              <a:rPr lang="es-MX" noProof="0" smtClean="0"/>
+              <a:rPr lang="es-MX" noProof="0"/>
               <a:t>Click to edit Master title style</a:t>
             </a:r>
           </a:p>
@@ -10202,7 +10015,7 @@
           <a:noFill/>
           <a:extLst>
             <a:ext uri="{909E8E84-426E-40dd-AFC4-6F175D3DCCD1}">
-              <a14:hiddenFill xmlns="" xmlns:a14="http://schemas.microsoft.com/office/drawing/2010/main">
+              <a14:hiddenFill xmlns:a14="http://schemas.microsoft.com/office/drawing/2010/main" xmlns="">
                 <a:solidFill>
                   <a:srgbClr val="FFFFFF"/>
                 </a:solidFill>
@@ -10257,19 +10070,19 @@
               <a:defRPr/>
             </a:pPr>
             <a:r>
-              <a:rPr lang="es-MX" sz="800" noProof="0" smtClean="0">
+              <a:rPr lang="es-MX" sz="800" noProof="0">
                 <a:cs typeface="Arial" charset="0"/>
               </a:rPr>
               <a:t>|</a:t>
             </a:r>
             <a:r>
-              <a:rPr lang="es-MX" sz="800" baseline="0" noProof="0" smtClean="0">
+              <a:rPr lang="es-MX" sz="800" baseline="0" noProof="0">
                 <a:cs typeface="Arial" charset="0"/>
               </a:rPr>
               <a:t>  </a:t>
             </a:r>
             <a:r>
-              <a:rPr lang="es-MX" sz="800" noProof="0" smtClean="0">
+              <a:rPr lang="es-MX" sz="800" noProof="0">
                 <a:cs typeface="Arial" charset="0"/>
               </a:rPr>
               <a:t>Todos los Derechos Reservados © Valores Corporativos Softtek S.A. de C.V. 2015. Interno.</a:t>
@@ -10338,13 +10151,6 @@
     <p:sldLayoutId id="2147485190" r:id="rId9"/>
     <p:sldLayoutId id="2147485191" r:id="rId10"/>
   </p:sldLayoutIdLst>
-  <p:timing>
-    <p:tnLst>
-      <p:par>
-        <p:cTn id="1" dur="indefinite" restart="never" nodeType="tmRoot"/>
-      </p:par>
-    </p:tnLst>
-  </p:timing>
   <p:hf hdr="0" ftr="0" dt="0"/>
   <p:txStyles>
     <p:titleStyle>
@@ -10792,10 +10598,9 @@
           <a:lstStyle/>
           <a:p>
             <a:r>
-              <a:rPr lang="es-MX" dirty="0" smtClean="0"/>
+              <a:rPr lang="es-MX" dirty="0"/>
               <a:t>SQL</a:t>
             </a:r>
-            <a:endParaRPr lang="es-MX" dirty="0"/>
           </a:p>
         </p:txBody>
       </p:sp>
@@ -10815,7 +10620,7 @@
           <a:lstStyle/>
           <a:p>
             <a:r>
-              <a:rPr lang="es-419" dirty="0" err="1" smtClean="0"/>
+              <a:rPr lang="es-419" dirty="0" err="1"/>
               <a:t>Joins</a:t>
             </a:r>
             <a:endParaRPr lang="es-MX" dirty="0"/>
@@ -10832,13 +10637,6 @@
   <p:clrMapOvr>
     <a:masterClrMapping/>
   </p:clrMapOvr>
-  <p:timing>
-    <p:tnLst>
-      <p:par>
-        <p:cTn id="1" dur="indefinite" restart="never" nodeType="tmRoot"/>
-      </p:par>
-    </p:tnLst>
-  </p:timing>
 </p:sld>
 </file>
 
@@ -10869,13 +10667,6 @@
   <p:clrMapOvr>
     <a:masterClrMapping/>
   </p:clrMapOvr>
-  <p:timing>
-    <p:tnLst>
-      <p:par>
-        <p:cTn id="1" dur="indefinite" restart="never" nodeType="tmRoot"/>
-      </p:par>
-    </p:tnLst>
-  </p:timing>
 </p:sld>
 </file>
 
@@ -10918,7 +10709,7 @@
           <a:p>
             <a:pPr algn="l"/>
             <a:r>
-              <a:rPr lang="es-419" sz="2400" dirty="0" err="1" smtClean="0">
+              <a:rPr lang="es-419" sz="2400" dirty="0" err="1">
                 <a:latin typeface="+mj-lt"/>
               </a:rPr>
               <a:t>Exercises</a:t>
@@ -10981,269 +10772,196 @@
           <a:lstStyle/>
           <a:p>
             <a:r>
-              <a:rPr lang="en-US" sz="900" dirty="0" smtClean="0">
+              <a:rPr lang="en-US" sz="900" dirty="0">
                 <a:cs typeface="Courier New" panose="02070309020205020404" pitchFamily="49" charset="0"/>
               </a:rPr>
               <a:t>1. Get the </a:t>
             </a:r>
             <a:r>
-              <a:rPr lang="en-US" sz="900" i="1" dirty="0" smtClean="0">
+              <a:rPr lang="en-US" sz="900" i="1" dirty="0">
                 <a:cs typeface="Courier New" panose="02070309020205020404" pitchFamily="49" charset="0"/>
               </a:rPr>
               <a:t>number of </a:t>
             </a:r>
             <a:r>
-              <a:rPr lang="es-MX" sz="900" i="1" dirty="0" err="1" smtClean="0">
+              <a:rPr lang="es-MX" sz="900" i="1" dirty="0" err="1">
                 <a:cs typeface="Courier New" panose="02070309020205020404" pitchFamily="49" charset="0"/>
               </a:rPr>
               <a:t>carts</a:t>
             </a:r>
             <a:r>
-              <a:rPr lang="es-MX" sz="900" dirty="0" smtClean="0">
+              <a:rPr lang="es-MX" sz="900" dirty="0">
                 <a:cs typeface="Courier New" panose="02070309020205020404" pitchFamily="49" charset="0"/>
               </a:rPr>
               <a:t> </a:t>
             </a:r>
             <a:r>
-              <a:rPr lang="es-MX" sz="900" dirty="0" err="1" smtClean="0">
+              <a:rPr lang="es-MX" sz="900" dirty="0" err="1">
                 <a:cs typeface="Courier New" panose="02070309020205020404" pitchFamily="49" charset="0"/>
               </a:rPr>
               <a:t>by</a:t>
             </a:r>
             <a:r>
-              <a:rPr lang="es-MX" sz="900" dirty="0" smtClean="0">
+              <a:rPr lang="es-MX" sz="900" dirty="0">
                 <a:cs typeface="Courier New" panose="02070309020205020404" pitchFamily="49" charset="0"/>
               </a:rPr>
               <a:t> </a:t>
             </a:r>
             <a:r>
-              <a:rPr lang="es-MX" sz="900" i="1" dirty="0" err="1" smtClean="0">
+              <a:rPr lang="es-MX" sz="900" i="1" dirty="0" err="1">
                 <a:cs typeface="Courier New" panose="02070309020205020404" pitchFamily="49" charset="0"/>
               </a:rPr>
               <a:t>ShipTo</a:t>
             </a:r>
             <a:r>
-              <a:rPr lang="es-MX" sz="900" dirty="0" smtClean="0">
+              <a:rPr lang="es-MX" sz="900" dirty="0">
                 <a:cs typeface="Courier New" panose="02070309020205020404" pitchFamily="49" charset="0"/>
               </a:rPr>
               <a:t> and </a:t>
             </a:r>
             <a:r>
-              <a:rPr lang="es-MX" sz="900" i="1" dirty="0" smtClean="0">
+              <a:rPr lang="es-MX" sz="900" i="1" dirty="0">
                 <a:cs typeface="Courier New" panose="02070309020205020404" pitchFamily="49" charset="0"/>
               </a:rPr>
               <a:t>Status</a:t>
             </a:r>
             <a:r>
-              <a:rPr lang="es-MX" sz="900" dirty="0" smtClean="0">
+              <a:rPr lang="es-MX" sz="900" dirty="0">
                 <a:cs typeface="Courier New" panose="02070309020205020404" pitchFamily="49" charset="0"/>
               </a:rPr>
               <a:t>, </a:t>
             </a:r>
             <a:r>
-              <a:rPr lang="es-MX" sz="900" dirty="0" err="1" smtClean="0">
+              <a:rPr lang="es-MX" sz="900" dirty="0" err="1">
                 <a:cs typeface="Courier New" panose="02070309020205020404" pitchFamily="49" charset="0"/>
               </a:rPr>
               <a:t>from</a:t>
             </a:r>
             <a:r>
-              <a:rPr lang="es-MX" sz="900" dirty="0" smtClean="0">
+              <a:rPr lang="es-MX" sz="900" dirty="0">
                 <a:cs typeface="Courier New" panose="02070309020205020404" pitchFamily="49" charset="0"/>
               </a:rPr>
               <a:t> </a:t>
             </a:r>
             <a:r>
-              <a:rPr lang="es-MX" sz="900" i="1" dirty="0" err="1" smtClean="0">
+              <a:rPr lang="es-MX" sz="900" i="1" dirty="0" err="1">
                 <a:cs typeface="Courier New" panose="02070309020205020404" pitchFamily="49" charset="0"/>
               </a:rPr>
               <a:t>Carts</a:t>
             </a:r>
             <a:r>
-              <a:rPr lang="es-MX" sz="900" dirty="0" smtClean="0">
+              <a:rPr lang="es-MX" sz="900" dirty="0">
                 <a:cs typeface="Courier New" panose="02070309020205020404" pitchFamily="49" charset="0"/>
               </a:rPr>
               <a:t> “CREATED” and “DELIVERED” and </a:t>
             </a:r>
             <a:r>
-              <a:rPr lang="es-MX" sz="900" dirty="0" err="1" smtClean="0">
+              <a:rPr lang="es-MX" sz="900" dirty="0" err="1">
                 <a:cs typeface="Courier New" panose="02070309020205020404" pitchFamily="49" charset="0"/>
               </a:rPr>
               <a:t>which</a:t>
             </a:r>
             <a:r>
-              <a:rPr lang="es-MX" sz="900" dirty="0" smtClean="0">
+              <a:rPr lang="es-MX" sz="900" dirty="0">
                 <a:cs typeface="Courier New" panose="02070309020205020404" pitchFamily="49" charset="0"/>
               </a:rPr>
               <a:t> </a:t>
             </a:r>
             <a:r>
-              <a:rPr lang="es-MX" sz="900" dirty="0" err="1" smtClean="0">
+              <a:rPr lang="es-MX" sz="900" dirty="0" err="1">
                 <a:cs typeface="Courier New" panose="02070309020205020404" pitchFamily="49" charset="0"/>
               </a:rPr>
               <a:t>the</a:t>
             </a:r>
             <a:r>
-              <a:rPr lang="es-MX" sz="900" dirty="0" smtClean="0">
+              <a:rPr lang="es-MX" sz="900" dirty="0">
                 <a:cs typeface="Courier New" panose="02070309020205020404" pitchFamily="49" charset="0"/>
               </a:rPr>
               <a:t> </a:t>
             </a:r>
             <a:r>
-              <a:rPr lang="es-MX" sz="900" dirty="0" err="1" smtClean="0">
+              <a:rPr lang="es-MX" sz="900" dirty="0" err="1">
                 <a:cs typeface="Courier New" panose="02070309020205020404" pitchFamily="49" charset="0"/>
               </a:rPr>
               <a:t>average</a:t>
             </a:r>
             <a:r>
-              <a:rPr lang="es-MX" sz="900" dirty="0" smtClean="0">
+              <a:rPr lang="es-MX" sz="900" dirty="0">
                 <a:cs typeface="Courier New" panose="02070309020205020404" pitchFamily="49" charset="0"/>
               </a:rPr>
               <a:t> of </a:t>
             </a:r>
             <a:r>
-              <a:rPr lang="es-MX" sz="900" dirty="0" err="1" smtClean="0">
+              <a:rPr lang="es-MX" sz="900" dirty="0" err="1">
                 <a:cs typeface="Courier New" panose="02070309020205020404" pitchFamily="49" charset="0"/>
               </a:rPr>
               <a:t>cart_amount</a:t>
             </a:r>
             <a:r>
-              <a:rPr lang="es-MX" sz="900" dirty="0" smtClean="0">
+              <a:rPr lang="es-MX" sz="900" dirty="0">
                 <a:cs typeface="Courier New" panose="02070309020205020404" pitchFamily="49" charset="0"/>
               </a:rPr>
               <a:t> </a:t>
             </a:r>
             <a:r>
-              <a:rPr lang="es-MX" sz="900" dirty="0" err="1" smtClean="0">
+              <a:rPr lang="es-MX" sz="900" dirty="0" err="1">
                 <a:cs typeface="Courier New" panose="02070309020205020404" pitchFamily="49" charset="0"/>
               </a:rPr>
               <a:t>on</a:t>
             </a:r>
             <a:r>
-              <a:rPr lang="es-MX" sz="900" dirty="0" smtClean="0">
+              <a:rPr lang="es-MX" sz="900" dirty="0">
                 <a:cs typeface="Courier New" panose="02070309020205020404" pitchFamily="49" charset="0"/>
               </a:rPr>
               <a:t> </a:t>
             </a:r>
             <a:r>
-              <a:rPr lang="es-MX" sz="900" dirty="0" err="1" smtClean="0">
+              <a:rPr lang="es-MX" sz="900" dirty="0" err="1">
                 <a:cs typeface="Courier New" panose="02070309020205020404" pitchFamily="49" charset="0"/>
               </a:rPr>
               <a:t>each</a:t>
             </a:r>
             <a:r>
-              <a:rPr lang="es-MX" sz="900" dirty="0" smtClean="0">
+              <a:rPr lang="es-MX" sz="900" dirty="0">
                 <a:cs typeface="Courier New" panose="02070309020205020404" pitchFamily="49" charset="0"/>
               </a:rPr>
               <a:t> </a:t>
             </a:r>
             <a:r>
-              <a:rPr lang="es-MX" sz="900" dirty="0" err="1" smtClean="0">
+              <a:rPr lang="es-MX" sz="900" dirty="0" err="1">
                 <a:cs typeface="Courier New" panose="02070309020205020404" pitchFamily="49" charset="0"/>
               </a:rPr>
               <a:t>group</a:t>
             </a:r>
             <a:r>
-              <a:rPr lang="es-MX" sz="900" dirty="0" smtClean="0">
+              <a:rPr lang="es-MX" sz="900" dirty="0">
                 <a:cs typeface="Courier New" panose="02070309020205020404" pitchFamily="49" charset="0"/>
               </a:rPr>
               <a:t> </a:t>
             </a:r>
             <a:r>
-              <a:rPr lang="es-MX" sz="900" dirty="0" err="1" smtClean="0">
+              <a:rPr lang="es-MX" sz="900" dirty="0" err="1">
                 <a:cs typeface="Courier New" panose="02070309020205020404" pitchFamily="49" charset="0"/>
               </a:rPr>
               <a:t>is</a:t>
             </a:r>
             <a:r>
-              <a:rPr lang="es-MX" sz="900" dirty="0" smtClean="0">
+              <a:rPr lang="es-MX" sz="900" dirty="0">
                 <a:cs typeface="Courier New" panose="02070309020205020404" pitchFamily="49" charset="0"/>
               </a:rPr>
               <a:t> </a:t>
             </a:r>
             <a:r>
-              <a:rPr lang="es-MX" sz="900" dirty="0" err="1" smtClean="0">
+              <a:rPr lang="es-MX" sz="900" dirty="0" err="1">
                 <a:cs typeface="Courier New" panose="02070309020205020404" pitchFamily="49" charset="0"/>
               </a:rPr>
               <a:t>between</a:t>
             </a:r>
             <a:r>
-              <a:rPr lang="es-MX" sz="900" dirty="0" smtClean="0">
+              <a:rPr lang="es-MX" sz="900" dirty="0">
                 <a:cs typeface="Courier New" panose="02070309020205020404" pitchFamily="49" charset="0"/>
               </a:rPr>
               <a:t> $ 3,000 and $ 15,000.</a:t>
-            </a:r>
-          </a:p>
-          <a:p>
-            <a:endParaRPr lang="es-419" sz="900" dirty="0" smtClean="0">
-              <a:cs typeface="Courier New" panose="02070309020205020404" pitchFamily="49" charset="0"/>
-            </a:endParaRPr>
-          </a:p>
-          <a:p>
-            <a:r>
-              <a:rPr lang="es-419" sz="900" dirty="0" err="1" smtClean="0">
-                <a:cs typeface="Courier New" panose="02070309020205020404" pitchFamily="49" charset="0"/>
-              </a:rPr>
-              <a:t>Include</a:t>
-            </a:r>
-            <a:r>
-              <a:rPr lang="es-419" sz="900" dirty="0" smtClean="0">
-                <a:cs typeface="Courier New" panose="02070309020205020404" pitchFamily="49" charset="0"/>
-              </a:rPr>
-              <a:t> </a:t>
-            </a:r>
-            <a:r>
-              <a:rPr lang="es-419" sz="900" dirty="0" err="1" smtClean="0">
-                <a:cs typeface="Courier New" panose="02070309020205020404" pitchFamily="49" charset="0"/>
-              </a:rPr>
-              <a:t>the</a:t>
-            </a:r>
-            <a:r>
-              <a:rPr lang="es-419" sz="900" dirty="0" smtClean="0">
-                <a:cs typeface="Courier New" panose="02070309020205020404" pitchFamily="49" charset="0"/>
-              </a:rPr>
-              <a:t> </a:t>
-            </a:r>
-            <a:r>
-              <a:rPr lang="es-419" sz="900" dirty="0" err="1" smtClean="0">
-                <a:cs typeface="Courier New" panose="02070309020205020404" pitchFamily="49" charset="0"/>
-              </a:rPr>
-              <a:t>relevant</a:t>
-            </a:r>
-            <a:r>
-              <a:rPr lang="es-419" sz="900" dirty="0" smtClean="0">
-                <a:cs typeface="Courier New" panose="02070309020205020404" pitchFamily="49" charset="0"/>
-              </a:rPr>
-              <a:t> </a:t>
-            </a:r>
-            <a:r>
-              <a:rPr lang="es-419" sz="900" dirty="0" err="1" smtClean="0">
-                <a:cs typeface="Courier New" panose="02070309020205020404" pitchFamily="49" charset="0"/>
-              </a:rPr>
-              <a:t>description</a:t>
-            </a:r>
-            <a:r>
-              <a:rPr lang="es-419" sz="900" dirty="0" smtClean="0">
-                <a:cs typeface="Courier New" panose="02070309020205020404" pitchFamily="49" charset="0"/>
-              </a:rPr>
-              <a:t> for </a:t>
-            </a:r>
-            <a:r>
-              <a:rPr lang="es-419" sz="900" dirty="0" err="1" smtClean="0">
-                <a:cs typeface="Courier New" panose="02070309020205020404" pitchFamily="49" charset="0"/>
-              </a:rPr>
-              <a:t>ShipTo</a:t>
-            </a:r>
-            <a:r>
-              <a:rPr lang="es-419" sz="900" dirty="0" smtClean="0">
-                <a:cs typeface="Courier New" panose="02070309020205020404" pitchFamily="49" charset="0"/>
-              </a:rPr>
-              <a:t> and Status</a:t>
-            </a:r>
-            <a:r>
-              <a:rPr lang="es-419" sz="900" dirty="0" smtClean="0">
-                <a:cs typeface="Courier New" panose="02070309020205020404" pitchFamily="49" charset="0"/>
-              </a:rPr>
-              <a:t>.</a:t>
             </a:r>
           </a:p>
           <a:p>
@@ -11252,9 +10970,66 @@
             </a:endParaRPr>
           </a:p>
           <a:p>
-            <a:endParaRPr lang="es-419" sz="900" dirty="0" smtClean="0">
-              <a:cs typeface="Courier New" panose="02070309020205020404" pitchFamily="49" charset="0"/>
-            </a:endParaRPr>
+            <a:r>
+              <a:rPr lang="es-419" sz="900" dirty="0" err="1">
+                <a:cs typeface="Courier New" panose="02070309020205020404" pitchFamily="49" charset="0"/>
+              </a:rPr>
+              <a:t>Include</a:t>
+            </a:r>
+            <a:r>
+              <a:rPr lang="es-419" sz="900" dirty="0">
+                <a:cs typeface="Courier New" panose="02070309020205020404" pitchFamily="49" charset="0"/>
+              </a:rPr>
+              <a:t> </a:t>
+            </a:r>
+            <a:r>
+              <a:rPr lang="es-419" sz="900" dirty="0" err="1">
+                <a:cs typeface="Courier New" panose="02070309020205020404" pitchFamily="49" charset="0"/>
+              </a:rPr>
+              <a:t>the</a:t>
+            </a:r>
+            <a:r>
+              <a:rPr lang="es-419" sz="900" dirty="0">
+                <a:cs typeface="Courier New" panose="02070309020205020404" pitchFamily="49" charset="0"/>
+              </a:rPr>
+              <a:t> </a:t>
+            </a:r>
+            <a:r>
+              <a:rPr lang="es-419" sz="900" dirty="0" err="1">
+                <a:cs typeface="Courier New" panose="02070309020205020404" pitchFamily="49" charset="0"/>
+              </a:rPr>
+              <a:t>relevant</a:t>
+            </a:r>
+            <a:r>
+              <a:rPr lang="es-419" sz="900" dirty="0">
+                <a:cs typeface="Courier New" panose="02070309020205020404" pitchFamily="49" charset="0"/>
+              </a:rPr>
+              <a:t> </a:t>
+            </a:r>
+            <a:r>
+              <a:rPr lang="es-419" sz="900" dirty="0" err="1">
+                <a:cs typeface="Courier New" panose="02070309020205020404" pitchFamily="49" charset="0"/>
+              </a:rPr>
+              <a:t>description</a:t>
+            </a:r>
+            <a:r>
+              <a:rPr lang="es-419" sz="900" dirty="0">
+                <a:cs typeface="Courier New" panose="02070309020205020404" pitchFamily="49" charset="0"/>
+              </a:rPr>
+              <a:t> for </a:t>
+            </a:r>
+            <a:r>
+              <a:rPr lang="es-419" sz="900" dirty="0" err="1">
+                <a:cs typeface="Courier New" panose="02070309020205020404" pitchFamily="49" charset="0"/>
+              </a:rPr>
+              <a:t>ShipTo</a:t>
+            </a:r>
+            <a:r>
+              <a:rPr lang="es-419" sz="900" dirty="0">
+                <a:cs typeface="Courier New" panose="02070309020205020404" pitchFamily="49" charset="0"/>
+              </a:rPr>
+              <a:t> and Status.</a:t>
+            </a:r>
           </a:p>
           <a:p>
             <a:endParaRPr lang="es-419" sz="900" dirty="0">
@@ -11262,57 +11037,61 @@
             </a:endParaRPr>
           </a:p>
           <a:p>
-            <a:endParaRPr lang="es-419" sz="900" dirty="0" smtClean="0">
-              <a:cs typeface="Courier New" panose="02070309020205020404" pitchFamily="49" charset="0"/>
-            </a:endParaRPr>
-          </a:p>
-          <a:p>
             <a:endParaRPr lang="es-419" sz="900" dirty="0">
               <a:cs typeface="Courier New" panose="02070309020205020404" pitchFamily="49" charset="0"/>
             </a:endParaRPr>
           </a:p>
           <a:p>
-            <a:endParaRPr lang="es-419" sz="900" dirty="0" smtClean="0">
-              <a:cs typeface="Courier New" panose="02070309020205020404" pitchFamily="49" charset="0"/>
-            </a:endParaRPr>
-          </a:p>
-          <a:p>
             <a:endParaRPr lang="es-419" sz="900" dirty="0">
               <a:cs typeface="Courier New" panose="02070309020205020404" pitchFamily="49" charset="0"/>
             </a:endParaRPr>
           </a:p>
           <a:p>
-            <a:endParaRPr lang="es-419" sz="900" dirty="0" smtClean="0">
-              <a:cs typeface="Courier New" panose="02070309020205020404" pitchFamily="49" charset="0"/>
-            </a:endParaRPr>
-          </a:p>
-          <a:p>
             <a:endParaRPr lang="es-419" sz="900" dirty="0">
               <a:cs typeface="Courier New" panose="02070309020205020404" pitchFamily="49" charset="0"/>
             </a:endParaRPr>
           </a:p>
           <a:p>
-            <a:endParaRPr lang="en-US" sz="900" dirty="0" smtClean="0">
+            <a:endParaRPr lang="es-419" sz="900" dirty="0">
               <a:cs typeface="Courier New" panose="02070309020205020404" pitchFamily="49" charset="0"/>
             </a:endParaRPr>
           </a:p>
           <a:p>
-            <a:endParaRPr lang="en-US" sz="900" dirty="0" smtClean="0">
+            <a:endParaRPr lang="es-419" sz="900" dirty="0">
               <a:cs typeface="Courier New" panose="02070309020205020404" pitchFamily="49" charset="0"/>
             </a:endParaRPr>
           </a:p>
           <a:p>
-            <a:r>
-              <a:rPr lang="en-US" sz="900" dirty="0" smtClean="0">
-                <a:cs typeface="Courier New" panose="02070309020205020404" pitchFamily="49" charset="0"/>
-              </a:rPr>
-              <a:t>2</a:t>
-            </a:r>
+            <a:endParaRPr lang="es-419" sz="900" dirty="0">
+              <a:cs typeface="Courier New" panose="02070309020205020404" pitchFamily="49" charset="0"/>
+            </a:endParaRPr>
+          </a:p>
+          <a:p>
+            <a:endParaRPr lang="es-419" sz="900" dirty="0">
+              <a:cs typeface="Courier New" panose="02070309020205020404" pitchFamily="49" charset="0"/>
+            </a:endParaRPr>
+          </a:p>
+          <a:p>
+            <a:endParaRPr lang="es-419" sz="900" dirty="0">
+              <a:cs typeface="Courier New" panose="02070309020205020404" pitchFamily="49" charset="0"/>
+            </a:endParaRPr>
+          </a:p>
+          <a:p>
+            <a:endParaRPr lang="en-US" sz="900" dirty="0">
+              <a:cs typeface="Courier New" panose="02070309020205020404" pitchFamily="49" charset="0"/>
+            </a:endParaRPr>
+          </a:p>
+          <a:p>
+            <a:endParaRPr lang="en-US" sz="900" dirty="0">
+              <a:cs typeface="Courier New" panose="02070309020205020404" pitchFamily="49" charset="0"/>
+            </a:endParaRPr>
+          </a:p>
+          <a:p>
             <a:r>
               <a:rPr lang="en-US" sz="900" dirty="0">
                 <a:cs typeface="Courier New" panose="02070309020205020404" pitchFamily="49" charset="0"/>
               </a:rPr>
-              <a:t>. Get the </a:t>
+              <a:t>2. Get the </a:t>
             </a:r>
             <a:r>
               <a:rPr lang="en-US" sz="900" i="1" dirty="0">
@@ -11484,7 +11263,7 @@
       </p:sp>
       <p:pic>
         <p:nvPicPr>
-          <p:cNvPr id="30" name="Picture 29"/>
+          <p:cNvPr id="31" name="Picture 30"/>
           <p:cNvPicPr>
             <a:picLocks noChangeAspect="1"/>
           </p:cNvPicPr>
@@ -11498,8 +11277,8 @@
         </p:blipFill>
         <p:spPr>
           <a:xfrm>
-            <a:off x="971600" y="1772816"/>
-            <a:ext cx="5760640" cy="898077"/>
+            <a:off x="3623422" y="3501007"/>
+            <a:ext cx="2172714" cy="2995713"/>
           </a:xfrm>
           <a:prstGeom prst="rect">
             <a:avLst/>
@@ -11513,7 +11292,7 @@
       </p:pic>
       <p:pic>
         <p:nvPicPr>
-          <p:cNvPr id="31" name="Picture 30"/>
+          <p:cNvPr id="7" name="Picture 6"/>
           <p:cNvPicPr>
             <a:picLocks noChangeAspect="1"/>
           </p:cNvPicPr>
@@ -11527,15 +11306,15 @@
         </p:blipFill>
         <p:spPr>
           <a:xfrm>
-            <a:off x="3623422" y="3501007"/>
-            <a:ext cx="2172714" cy="2995713"/>
+            <a:off x="964098" y="1700808"/>
+            <a:ext cx="6349162" cy="1047380"/>
           </a:xfrm>
           <a:prstGeom prst="rect">
             <a:avLst/>
           </a:prstGeom>
           <a:ln>
             <a:solidFill>
-              <a:srgbClr val="276B9B"/>
+              <a:srgbClr val="3F358B"/>
             </a:solidFill>
           </a:ln>
         </p:spPr>
@@ -11550,13 +11329,6 @@
   <p:clrMapOvr>
     <a:masterClrMapping/>
   </p:clrMapOvr>
-  <p:timing>
-    <p:tnLst>
-      <p:par>
-        <p:cTn id="1" dur="indefinite" restart="never" nodeType="tmRoot"/>
-      </p:par>
-    </p:tnLst>
-  </p:timing>
 </p:sld>
 </file>
 
@@ -11689,13 +11461,6 @@
   <p:clrMapOvr>
     <a:masterClrMapping/>
   </p:clrMapOvr>
-  <p:timing>
-    <p:tnLst>
-      <p:par>
-        <p:cTn id="1" dur="indefinite" restart="never" nodeType="tmRoot"/>
-      </p:par>
-    </p:tnLst>
-  </p:timing>
 </p:sld>
 </file>
 
@@ -11768,7 +11533,7 @@
         </p:blipFill>
         <p:spPr bwMode="auto">
           <a:xfrm>
-            <a:off x="1259632" y="188640"/>
+            <a:off x="1259632" y="260648"/>
             <a:ext cx="6239743" cy="6239744"/>
           </a:xfrm>
           <a:prstGeom prst="rect">
@@ -11786,25 +11551,6 @@
           </a:extLst>
         </p:spPr>
       </p:pic>
-      <p:sp>
-        <p:nvSpPr>
-          <p:cNvPr id="2" name="Title 1"/>
-          <p:cNvSpPr>
-            <a:spLocks noGrp="1"/>
-          </p:cNvSpPr>
-          <p:nvPr>
-            <p:ph type="title"/>
-          </p:nvPr>
-        </p:nvSpPr>
-        <p:spPr/>
-        <p:txBody>
-          <a:bodyPr/>
-          <a:lstStyle/>
-          <a:p>
-            <a:endParaRPr lang="en-US"/>
-          </a:p>
-        </p:txBody>
-      </p:sp>
     </p:spTree>
     <p:extLst>
       <p:ext uri="{BB962C8B-B14F-4D97-AF65-F5344CB8AC3E}">
@@ -11815,13 +11561,6 @@
   <p:clrMapOvr>
     <a:masterClrMapping/>
   </p:clrMapOvr>
-  <p:timing>
-    <p:tnLst>
-      <p:par>
-        <p:cTn id="1" dur="indefinite" restart="never" nodeType="tmRoot"/>
-      </p:par>
-    </p:tnLst>
-  </p:timing>
 </p:sld>
 </file>
 
@@ -11863,7 +11602,7 @@
           <a:lstStyle/>
           <a:p>
             <a:r>
-              <a:rPr lang="es-419" sz="2400" dirty="0" smtClean="0">
+              <a:rPr lang="es-419" sz="2400" dirty="0">
                 <a:hlinkClick r:id="rId2"/>
               </a:rPr>
               <a:t>INNER JOIN</a:t>
@@ -11928,7 +11667,7 @@
           </a:bodyPr>
           <a:lstStyle/>
           <a:p>
-            <a:endParaRPr lang="en-US" sz="1100" dirty="0" smtClean="0">
+            <a:endParaRPr lang="en-US" sz="1100" dirty="0">
               <a:latin typeface="Courier New" panose="02070309020205020404" pitchFamily="49" charset="0"/>
               <a:cs typeface="Courier New" panose="02070309020205020404" pitchFamily="49" charset="0"/>
             </a:endParaRPr>
@@ -12033,7 +11772,7 @@
               <a:t> = </a:t>
             </a:r>
             <a:r>
-              <a:rPr lang="en-US" sz="1100" i="1" dirty="0" err="1" smtClean="0">
+              <a:rPr lang="en-US" sz="1100" i="1" dirty="0" err="1">
                 <a:solidFill>
                   <a:srgbClr val="00B050"/>
                 </a:solidFill>
@@ -12043,7 +11782,7 @@
               <a:t>e.dep_id</a:t>
             </a:r>
             <a:r>
-              <a:rPr lang="en-US" sz="1100" b="1" dirty="0" smtClean="0">
+              <a:rPr lang="en-US" sz="1100" b="1" dirty="0">
                 <a:latin typeface="Courier New" panose="02070309020205020404" pitchFamily="49" charset="0"/>
                 <a:cs typeface="Courier New" panose="02070309020205020404" pitchFamily="49" charset="0"/>
               </a:rPr>
@@ -12061,7 +11800,7 @@
         <p:spPr>
           <a:xfrm>
             <a:off x="179512" y="3573016"/>
-            <a:ext cx="2376264" cy="2446824"/>
+            <a:ext cx="2376264" cy="2308324"/>
           </a:xfrm>
           <a:prstGeom prst="rect">
             <a:avLst/>
@@ -12075,77 +11814,77 @@
           <a:lstStyle/>
           <a:p>
             <a:r>
-              <a:rPr lang="en-US" sz="900" dirty="0" smtClean="0">
+              <a:rPr lang="en-US" sz="900" dirty="0">
                 <a:latin typeface="+mn-lt"/>
                 <a:cs typeface="Courier New" panose="02070309020205020404" pitchFamily="49" charset="0"/>
               </a:rPr>
               <a:t>1. Get all</a:t>
             </a:r>
             <a:r>
-              <a:rPr lang="es-419" sz="900" dirty="0" smtClean="0">
+              <a:rPr lang="es-419" sz="900" dirty="0">
                 <a:latin typeface="+mn-lt"/>
                 <a:cs typeface="Courier New" panose="02070309020205020404" pitchFamily="49" charset="0"/>
               </a:rPr>
               <a:t> </a:t>
             </a:r>
             <a:r>
-              <a:rPr lang="es-419" sz="900" dirty="0" err="1" smtClean="0">
+              <a:rPr lang="es-419" sz="900" dirty="0" err="1">
                 <a:latin typeface="+mn-lt"/>
                 <a:cs typeface="Courier New" panose="02070309020205020404" pitchFamily="49" charset="0"/>
               </a:rPr>
               <a:t>relevant</a:t>
             </a:r>
             <a:r>
-              <a:rPr lang="en-US" sz="900" dirty="0" smtClean="0">
+              <a:rPr lang="en-US" sz="900" dirty="0">
                 <a:latin typeface="+mn-lt"/>
                 <a:cs typeface="Courier New" panose="02070309020205020404" pitchFamily="49" charset="0"/>
               </a:rPr>
               <a:t> </a:t>
             </a:r>
             <a:r>
-              <a:rPr lang="es-419" sz="900" i="1" dirty="0" err="1" smtClean="0">
+              <a:rPr lang="es-419" sz="900" i="1" dirty="0" err="1">
                 <a:latin typeface="+mn-lt"/>
                 <a:cs typeface="Courier New" panose="02070309020205020404" pitchFamily="49" charset="0"/>
               </a:rPr>
               <a:t>Users</a:t>
             </a:r>
             <a:r>
-              <a:rPr lang="es-419" sz="900" dirty="0" smtClean="0">
+              <a:rPr lang="es-419" sz="900" dirty="0">
                 <a:latin typeface="+mn-lt"/>
                 <a:cs typeface="Courier New" panose="02070309020205020404" pitchFamily="49" charset="0"/>
               </a:rPr>
               <a:t> data and </a:t>
             </a:r>
             <a:r>
-              <a:rPr lang="es-419" sz="900" dirty="0" err="1" smtClean="0">
+              <a:rPr lang="es-419" sz="900" dirty="0" err="1">
                 <a:latin typeface="+mn-lt"/>
                 <a:cs typeface="Courier New" panose="02070309020205020404" pitchFamily="49" charset="0"/>
               </a:rPr>
               <a:t>their</a:t>
             </a:r>
             <a:r>
-              <a:rPr lang="es-419" sz="900" dirty="0" smtClean="0">
+              <a:rPr lang="es-419" sz="900" dirty="0">
                 <a:latin typeface="+mn-lt"/>
                 <a:cs typeface="Courier New" panose="02070309020205020404" pitchFamily="49" charset="0"/>
               </a:rPr>
               <a:t> </a:t>
             </a:r>
             <a:r>
-              <a:rPr lang="en-US" sz="900" i="1" dirty="0" smtClean="0">
+              <a:rPr lang="en-US" sz="900" i="1" dirty="0">
                 <a:latin typeface="+mn-lt"/>
                 <a:cs typeface="Courier New" panose="02070309020205020404" pitchFamily="49" charset="0"/>
               </a:rPr>
               <a:t>Ship</a:t>
             </a:r>
             <a:r>
-              <a:rPr lang="es-419" sz="900" i="1" dirty="0" smtClean="0">
+              <a:rPr lang="es-419" sz="900" i="1" dirty="0">
                 <a:latin typeface="+mn-lt"/>
                 <a:cs typeface="Courier New" panose="02070309020205020404" pitchFamily="49" charset="0"/>
               </a:rPr>
               <a:t>To</a:t>
             </a:r>
             <a:r>
-              <a:rPr lang="en-US" sz="900" i="1" dirty="0" smtClean="0">
+              <a:rPr lang="en-US" sz="900" i="1" dirty="0">
                 <a:latin typeface="+mn-lt"/>
                 <a:cs typeface="Courier New" panose="02070309020205020404" pitchFamily="49" charset="0"/>
               </a:rPr>
@@ -12153,26 +11892,6 @@
             </a:r>
           </a:p>
           <a:p>
-            <a:endParaRPr lang="en-US" sz="900" dirty="0" smtClean="0">
-              <a:latin typeface="Courier New" panose="02070309020205020404" pitchFamily="49" charset="0"/>
-              <a:cs typeface="Courier New" panose="02070309020205020404" pitchFamily="49" charset="0"/>
-            </a:endParaRPr>
-          </a:p>
-          <a:p>
-            <a:r>
-              <a:rPr lang="en-US" sz="900" dirty="0">
-                <a:latin typeface="Courier New" panose="02070309020205020404" pitchFamily="49" charset="0"/>
-                <a:cs typeface="Courier New" panose="02070309020205020404" pitchFamily="49" charset="0"/>
-              </a:rPr>
-              <a:t>SELECT </a:t>
-            </a:r>
-            <a:r>
-              <a:rPr lang="en-US" sz="900" dirty="0" err="1">
-                <a:latin typeface="Courier New" panose="02070309020205020404" pitchFamily="49" charset="0"/>
-                <a:cs typeface="Courier New" panose="02070309020205020404" pitchFamily="49" charset="0"/>
-              </a:rPr>
-              <a:t>u.user_id</a:t>
-            </a:r>
             <a:endParaRPr lang="en-US" sz="900" dirty="0">
               <a:latin typeface="Courier New" panose="02070309020205020404" pitchFamily="49" charset="0"/>
               <a:cs typeface="Courier New" panose="02070309020205020404" pitchFamily="49" charset="0"/>
@@ -12184,14 +11903,14 @@
                 <a:latin typeface="Courier New" panose="02070309020205020404" pitchFamily="49" charset="0"/>
                 <a:cs typeface="Courier New" panose="02070309020205020404" pitchFamily="49" charset="0"/>
               </a:rPr>
-              <a:t>     , u.name </a:t>
+              <a:t>SELECT </a:t>
             </a:r>
             <a:r>
               <a:rPr lang="en-US" sz="900" dirty="0" err="1">
                 <a:latin typeface="Courier New" panose="02070309020205020404" pitchFamily="49" charset="0"/>
                 <a:cs typeface="Courier New" panose="02070309020205020404" pitchFamily="49" charset="0"/>
               </a:rPr>
-              <a:t>user_name</a:t>
+              <a:t>u.username</a:t>
             </a:r>
             <a:endParaRPr lang="en-US" sz="900" dirty="0">
               <a:latin typeface="Courier New" panose="02070309020205020404" pitchFamily="49" charset="0"/>
@@ -12204,6 +11923,15 @@
                 <a:latin typeface="Courier New" panose="02070309020205020404" pitchFamily="49" charset="0"/>
                 <a:cs typeface="Courier New" panose="02070309020205020404" pitchFamily="49" charset="0"/>
               </a:rPr>
+              <a:t>     , u.name user</a:t>
+            </a:r>
+          </a:p>
+          <a:p>
+            <a:r>
+              <a:rPr lang="en-US" sz="900" dirty="0">
+                <a:latin typeface="Courier New" panose="02070309020205020404" pitchFamily="49" charset="0"/>
+                <a:cs typeface="Courier New" panose="02070309020205020404" pitchFamily="49" charset="0"/>
+              </a:rPr>
               <a:t>     , </a:t>
             </a:r>
             <a:r>
@@ -12285,7 +12013,7 @@
                 <a:latin typeface="Courier New" panose="02070309020205020404" pitchFamily="49" charset="0"/>
                 <a:cs typeface="Courier New" panose="02070309020205020404" pitchFamily="49" charset="0"/>
               </a:rPr>
-              <a:t>ship_to_name</a:t>
+              <a:t>ship_to</a:t>
             </a:r>
             <a:endParaRPr lang="en-US" sz="900" dirty="0">
               <a:latin typeface="Courier New" panose="02070309020205020404" pitchFamily="49" charset="0"/>
@@ -12338,14 +12066,37 @@
                 <a:latin typeface="Courier New" panose="02070309020205020404" pitchFamily="49" charset="0"/>
                 <a:cs typeface="Courier New" panose="02070309020205020404" pitchFamily="49" charset="0"/>
               </a:rPr>
-              <a:t>     , </a:t>
+              <a:t>  FROM user u</a:t>
+            </a:r>
+          </a:p>
+          <a:p>
+            <a:r>
+              <a:rPr lang="en-US" sz="900" dirty="0">
+                <a:latin typeface="Courier New" panose="02070309020205020404" pitchFamily="49" charset="0"/>
+                <a:cs typeface="Courier New" panose="02070309020205020404" pitchFamily="49" charset="0"/>
+              </a:rPr>
+              <a:t> INNER JOIN </a:t>
             </a:r>
             <a:r>
               <a:rPr lang="en-US" sz="900" dirty="0" err="1">
                 <a:latin typeface="Courier New" panose="02070309020205020404" pitchFamily="49" charset="0"/>
                 <a:cs typeface="Courier New" panose="02070309020205020404" pitchFamily="49" charset="0"/>
               </a:rPr>
-              <a:t>st.active</a:t>
+              <a:t>user_role</a:t>
+            </a:r>
+            <a:r>
+              <a:rPr lang="en-US" sz="900" dirty="0">
+                <a:latin typeface="Courier New" panose="02070309020205020404" pitchFamily="49" charset="0"/>
+                <a:cs typeface="Courier New" panose="02070309020205020404" pitchFamily="49" charset="0"/>
+              </a:rPr>
+              <a:t> </a:t>
+            </a:r>
+            <a:r>
+              <a:rPr lang="en-US" sz="900" dirty="0" err="1">
+                <a:latin typeface="Courier New" panose="02070309020205020404" pitchFamily="49" charset="0"/>
+                <a:cs typeface="Courier New" panose="02070309020205020404" pitchFamily="49" charset="0"/>
+              </a:rPr>
+              <a:t>ur</a:t>
             </a:r>
             <a:endParaRPr lang="en-US" sz="900" dirty="0">
               <a:latin typeface="Courier New" panose="02070309020205020404" pitchFamily="49" charset="0"/>
@@ -12358,37 +12109,28 @@
                 <a:latin typeface="Courier New" panose="02070309020205020404" pitchFamily="49" charset="0"/>
                 <a:cs typeface="Courier New" panose="02070309020205020404" pitchFamily="49" charset="0"/>
               </a:rPr>
-              <a:t>  FROM user u</a:t>
-            </a:r>
-          </a:p>
-          <a:p>
+              <a:t>    ON </a:t>
+            </a:r>
+            <a:r>
+              <a:rPr lang="en-US" sz="900" dirty="0" err="1">
+                <a:latin typeface="Courier New" panose="02070309020205020404" pitchFamily="49" charset="0"/>
+                <a:cs typeface="Courier New" panose="02070309020205020404" pitchFamily="49" charset="0"/>
+              </a:rPr>
+              <a:t>u.user_role_id</a:t>
+            </a:r>
             <a:r>
               <a:rPr lang="en-US" sz="900" dirty="0">
                 <a:latin typeface="Courier New" panose="02070309020205020404" pitchFamily="49" charset="0"/>
                 <a:cs typeface="Courier New" panose="02070309020205020404" pitchFamily="49" charset="0"/>
               </a:rPr>
-              <a:t> INNER JOIN </a:t>
+              <a:t> = </a:t>
             </a:r>
             <a:r>
               <a:rPr lang="en-US" sz="900" dirty="0" err="1">
                 <a:latin typeface="Courier New" panose="02070309020205020404" pitchFamily="49" charset="0"/>
                 <a:cs typeface="Courier New" panose="02070309020205020404" pitchFamily="49" charset="0"/>
               </a:rPr>
-              <a:t>user_role</a:t>
-            </a:r>
-            <a:r>
-              <a:rPr lang="en-US" sz="900" dirty="0">
-                <a:latin typeface="Courier New" panose="02070309020205020404" pitchFamily="49" charset="0"/>
-                <a:cs typeface="Courier New" panose="02070309020205020404" pitchFamily="49" charset="0"/>
-              </a:rPr>
-              <a:t> </a:t>
-            </a:r>
-            <a:r>
-              <a:rPr lang="en-US" sz="900" dirty="0" err="1">
-                <a:latin typeface="Courier New" panose="02070309020205020404" pitchFamily="49" charset="0"/>
-                <a:cs typeface="Courier New" panose="02070309020205020404" pitchFamily="49" charset="0"/>
-              </a:rPr>
-              <a:t>ur</a:t>
+              <a:t>ur.user_role_id</a:t>
             </a:r>
             <a:endParaRPr lang="en-US" sz="900" dirty="0">
               <a:latin typeface="Courier New" panose="02070309020205020404" pitchFamily="49" charset="0"/>
@@ -12401,28 +12143,28 @@
                 <a:latin typeface="Courier New" panose="02070309020205020404" pitchFamily="49" charset="0"/>
                 <a:cs typeface="Courier New" panose="02070309020205020404" pitchFamily="49" charset="0"/>
               </a:rPr>
-              <a:t>    ON </a:t>
+              <a:t> INNER JOIN </a:t>
             </a:r>
             <a:r>
               <a:rPr lang="en-US" sz="900" dirty="0" err="1">
                 <a:latin typeface="Courier New" panose="02070309020205020404" pitchFamily="49" charset="0"/>
                 <a:cs typeface="Courier New" panose="02070309020205020404" pitchFamily="49" charset="0"/>
               </a:rPr>
-              <a:t>u.user_role_id</a:t>
+              <a:t>ship_to</a:t>
             </a:r>
             <a:r>
               <a:rPr lang="en-US" sz="900" dirty="0">
                 <a:latin typeface="Courier New" panose="02070309020205020404" pitchFamily="49" charset="0"/>
                 <a:cs typeface="Courier New" panose="02070309020205020404" pitchFamily="49" charset="0"/>
               </a:rPr>
-              <a:t> = </a:t>
+              <a:t> </a:t>
             </a:r>
             <a:r>
               <a:rPr lang="en-US" sz="900" dirty="0" err="1">
                 <a:latin typeface="Courier New" panose="02070309020205020404" pitchFamily="49" charset="0"/>
                 <a:cs typeface="Courier New" panose="02070309020205020404" pitchFamily="49" charset="0"/>
               </a:rPr>
-              <a:t>ur.user_role_id</a:t>
+              <a:t>st</a:t>
             </a:r>
             <a:endParaRPr lang="en-US" sz="900" dirty="0">
               <a:latin typeface="Courier New" panose="02070309020205020404" pitchFamily="49" charset="0"/>
@@ -12435,65 +12177,31 @@
                 <a:latin typeface="Courier New" panose="02070309020205020404" pitchFamily="49" charset="0"/>
                 <a:cs typeface="Courier New" panose="02070309020205020404" pitchFamily="49" charset="0"/>
               </a:rPr>
-              <a:t> INNER JOIN </a:t>
+              <a:t>    ON </a:t>
             </a:r>
             <a:r>
               <a:rPr lang="en-US" sz="900" dirty="0" err="1">
                 <a:latin typeface="Courier New" panose="02070309020205020404" pitchFamily="49" charset="0"/>
                 <a:cs typeface="Courier New" panose="02070309020205020404" pitchFamily="49" charset="0"/>
               </a:rPr>
-              <a:t>ship_to</a:t>
+              <a:t>u.username</a:t>
             </a:r>
             <a:r>
               <a:rPr lang="en-US" sz="900" dirty="0">
                 <a:latin typeface="Courier New" panose="02070309020205020404" pitchFamily="49" charset="0"/>
                 <a:cs typeface="Courier New" panose="02070309020205020404" pitchFamily="49" charset="0"/>
               </a:rPr>
-              <a:t> </a:t>
+              <a:t> = </a:t>
             </a:r>
             <a:r>
               <a:rPr lang="en-US" sz="900" dirty="0" err="1">
                 <a:latin typeface="Courier New" panose="02070309020205020404" pitchFamily="49" charset="0"/>
                 <a:cs typeface="Courier New" panose="02070309020205020404" pitchFamily="49" charset="0"/>
               </a:rPr>
-              <a:t>st</a:t>
-            </a:r>
-            <a:endParaRPr lang="en-US" sz="900" dirty="0">
-              <a:latin typeface="Courier New" panose="02070309020205020404" pitchFamily="49" charset="0"/>
-              <a:cs typeface="Courier New" panose="02070309020205020404" pitchFamily="49" charset="0"/>
-            </a:endParaRPr>
-          </a:p>
-          <a:p>
+              <a:t>st.user</a:t>
+            </a:r>
             <a:r>
               <a:rPr lang="en-US" sz="900" dirty="0">
-                <a:latin typeface="Courier New" panose="02070309020205020404" pitchFamily="49" charset="0"/>
-                <a:cs typeface="Courier New" panose="02070309020205020404" pitchFamily="49" charset="0"/>
-              </a:rPr>
-              <a:t>    ON </a:t>
-            </a:r>
-            <a:r>
-              <a:rPr lang="en-US" sz="900" dirty="0" err="1">
-                <a:latin typeface="Courier New" panose="02070309020205020404" pitchFamily="49" charset="0"/>
-                <a:cs typeface="Courier New" panose="02070309020205020404" pitchFamily="49" charset="0"/>
-              </a:rPr>
-              <a:t>u.user_id</a:t>
-            </a:r>
-            <a:r>
-              <a:rPr lang="en-US" sz="900" dirty="0">
-                <a:latin typeface="Courier New" panose="02070309020205020404" pitchFamily="49" charset="0"/>
-                <a:cs typeface="Courier New" panose="02070309020205020404" pitchFamily="49" charset="0"/>
-              </a:rPr>
-              <a:t> = </a:t>
-            </a:r>
-            <a:r>
-              <a:rPr lang="en-US" sz="900" dirty="0" err="1">
-                <a:latin typeface="Courier New" panose="02070309020205020404" pitchFamily="49" charset="0"/>
-                <a:cs typeface="Courier New" panose="02070309020205020404" pitchFamily="49" charset="0"/>
-              </a:rPr>
-              <a:t>st.user_id</a:t>
-            </a:r>
-            <a:r>
-              <a:rPr lang="en-US" sz="900" dirty="0" smtClean="0">
                 <a:latin typeface="Courier New" panose="02070309020205020404" pitchFamily="49" charset="0"/>
                 <a:cs typeface="Courier New" panose="02070309020205020404" pitchFamily="49" charset="0"/>
               </a:rPr>
@@ -12502,35 +12210,6 @@
           </a:p>
         </p:txBody>
       </p:sp>
-      <p:pic>
-        <p:nvPicPr>
-          <p:cNvPr id="2" name="Picture 1"/>
-          <p:cNvPicPr>
-            <a:picLocks noChangeAspect="1"/>
-          </p:cNvPicPr>
-          <p:nvPr/>
-        </p:nvPicPr>
-        <p:blipFill>
-          <a:blip r:embed="rId3"/>
-          <a:stretch>
-            <a:fillRect/>
-          </a:stretch>
-        </p:blipFill>
-        <p:spPr>
-          <a:xfrm>
-            <a:off x="2707372" y="4673754"/>
-            <a:ext cx="5897076" cy="720080"/>
-          </a:xfrm>
-          <a:prstGeom prst="rect">
-            <a:avLst/>
-          </a:prstGeom>
-          <a:ln>
-            <a:solidFill>
-              <a:srgbClr val="3F358B"/>
-            </a:solidFill>
-          </a:ln>
-        </p:spPr>
-      </p:pic>
       <p:grpSp>
         <p:nvGrpSpPr>
           <p:cNvPr id="38" name="Group 37"/>
@@ -12590,7 +12269,7 @@
             <p:nvPr/>
           </p:nvPicPr>
           <p:blipFill>
-            <a:blip r:embed="rId4"/>
+            <a:blip r:embed="rId3"/>
             <a:stretch>
               <a:fillRect/>
             </a:stretch>
@@ -12619,7 +12298,7 @@
             <p:nvPr/>
           </p:nvPicPr>
           <p:blipFill>
-            <a:blip r:embed="rId5"/>
+            <a:blip r:embed="rId4"/>
             <a:stretch>
               <a:fillRect/>
             </a:stretch>
@@ -12684,7 +12363,7 @@
             <p:nvPr/>
           </p:nvPicPr>
           <p:blipFill>
-            <a:blip r:embed="rId6"/>
+            <a:blip r:embed="rId5"/>
             <a:stretch>
               <a:fillRect/>
             </a:stretch>
@@ -12705,14 +12384,14 @@
             </a:ln>
             <a:extLst>
               <a:ext uri="{909E8E84-426E-40dd-AFC4-6F175D3DCCD1}">
-                <a14:hiddenFill xmlns="" xmlns:a14="http://schemas.microsoft.com/office/drawing/2010/main">
+                <a14:hiddenFill xmlns:a14="http://schemas.microsoft.com/office/drawing/2010/main" xmlns="">
                   <a:solidFill>
                     <a:srgbClr val="FFFFFF"/>
                   </a:solidFill>
                 </a14:hiddenFill>
               </a:ext>
               <a:ext uri="{91240B29-F687-4f45-9708-019B960494DF}">
-                <a14:hiddenLine xmlns="" xmlns:a14="http://schemas.microsoft.com/office/drawing/2010/main" w="9525">
+                <a14:hiddenLine xmlns:a14="http://schemas.microsoft.com/office/drawing/2010/main" xmlns="" w="9525">
                   <a:solidFill>
                     <a:srgbClr val="000000"/>
                   </a:solidFill>
@@ -12734,7 +12413,7 @@
           <p:nvPr/>
         </p:nvPicPr>
         <p:blipFill>
-          <a:blip r:embed="rId7">
+          <a:blip r:embed="rId6">
             <a:extLst>
               <a:ext uri="{28A0092B-C50C-407E-A947-70E740481C1C}">
                 <a14:useLocalDpi xmlns:a14="http://schemas.microsoft.com/office/drawing/2010/main" val="0"/>
@@ -12766,6 +12445,35 @@
           </a:extLst>
         </p:spPr>
       </p:pic>
+      <p:pic>
+        <p:nvPicPr>
+          <p:cNvPr id="6" name="Picture 5"/>
+          <p:cNvPicPr>
+            <a:picLocks noChangeAspect="1"/>
+          </p:cNvPicPr>
+          <p:nvPr/>
+        </p:nvPicPr>
+        <p:blipFill>
+          <a:blip r:embed="rId7"/>
+          <a:stretch>
+            <a:fillRect/>
+          </a:stretch>
+        </p:blipFill>
+        <p:spPr>
+          <a:xfrm>
+            <a:off x="2689810" y="4581128"/>
+            <a:ext cx="5914638" cy="726094"/>
+          </a:xfrm>
+          <a:prstGeom prst="rect">
+            <a:avLst/>
+          </a:prstGeom>
+          <a:ln>
+            <a:solidFill>
+              <a:srgbClr val="3F358B"/>
+            </a:solidFill>
+          </a:ln>
+        </p:spPr>
+      </p:pic>
     </p:spTree>
     <p:extLst>
       <p:ext uri="{BB962C8B-B14F-4D97-AF65-F5344CB8AC3E}">
@@ -12776,13 +12484,6 @@
   <p:clrMapOvr>
     <a:masterClrMapping/>
   </p:clrMapOvr>
-  <p:timing>
-    <p:tnLst>
-      <p:par>
-        <p:cTn id="1" dur="indefinite" restart="never" nodeType="tmRoot"/>
-      </p:par>
-    </p:tnLst>
-  </p:timing>
 </p:sld>
 </file>
 
@@ -12824,7 +12525,7 @@
           <a:lstStyle/>
           <a:p>
             <a:r>
-              <a:rPr lang="es-419" sz="2400" dirty="0" smtClean="0">
+              <a:rPr lang="es-419" sz="2400" dirty="0">
                 <a:hlinkClick r:id="rId2"/>
               </a:rPr>
               <a:t>INNER JOIN</a:t>
@@ -12885,217 +12586,210 @@
           <a:lstStyle/>
           <a:p>
             <a:r>
-              <a:rPr lang="es-419" sz="900" dirty="0" smtClean="0">
-                <a:latin typeface="+mn-lt"/>
-                <a:cs typeface="Courier New" panose="02070309020205020404" pitchFamily="49" charset="0"/>
-              </a:rPr>
-              <a:t>2. </a:t>
-            </a:r>
-            <a:r>
-              <a:rPr lang="en-US" sz="900" dirty="0" smtClean="0">
-                <a:latin typeface="+mn-lt"/>
-                <a:cs typeface="Courier New" panose="02070309020205020404" pitchFamily="49" charset="0"/>
-              </a:rPr>
-              <a:t>Get all</a:t>
-            </a:r>
-            <a:r>
-              <a:rPr lang="es-419" sz="900" dirty="0" smtClean="0">
-                <a:latin typeface="+mn-lt"/>
-                <a:cs typeface="Courier New" panose="02070309020205020404" pitchFamily="49" charset="0"/>
-              </a:rPr>
-              <a:t> </a:t>
-            </a:r>
-            <a:r>
-              <a:rPr lang="es-419" sz="900" dirty="0" err="1" smtClean="0">
-                <a:latin typeface="+mn-lt"/>
-                <a:cs typeface="Courier New" panose="02070309020205020404" pitchFamily="49" charset="0"/>
-              </a:rPr>
-              <a:t>relevant</a:t>
-            </a:r>
-            <a:r>
-              <a:rPr lang="en-US" sz="900" dirty="0" smtClean="0">
-                <a:latin typeface="+mn-lt"/>
-                <a:cs typeface="Courier New" panose="02070309020205020404" pitchFamily="49" charset="0"/>
-              </a:rPr>
-              <a:t> </a:t>
-            </a:r>
-            <a:r>
               <a:rPr lang="es-419" sz="900" dirty="0">
                 <a:latin typeface="+mn-lt"/>
                 <a:cs typeface="Courier New" panose="02070309020205020404" pitchFamily="49" charset="0"/>
               </a:rPr>
-              <a:t>data </a:t>
-            </a:r>
-            <a:r>
-              <a:rPr lang="es-419" sz="900" dirty="0" err="1" smtClean="0">
+              <a:t>2. </a:t>
+            </a:r>
+            <a:r>
+              <a:rPr lang="en-US" sz="900" dirty="0">
                 <a:latin typeface="+mn-lt"/>
                 <a:cs typeface="Courier New" panose="02070309020205020404" pitchFamily="49" charset="0"/>
               </a:rPr>
-              <a:t>from</a:t>
-            </a:r>
-            <a:r>
-              <a:rPr lang="es-419" sz="900" dirty="0" smtClean="0">
-                <a:latin typeface="+mn-lt"/>
-                <a:cs typeface="Courier New" panose="02070309020205020404" pitchFamily="49" charset="0"/>
-              </a:rPr>
-              <a:t> </a:t>
-            </a:r>
-            <a:r>
-              <a:rPr lang="es-419" sz="900" i="1" dirty="0" err="1" smtClean="0">
-                <a:latin typeface="+mn-lt"/>
-                <a:cs typeface="Courier New" panose="02070309020205020404" pitchFamily="49" charset="0"/>
-              </a:rPr>
-              <a:t>Cities</a:t>
-            </a:r>
-            <a:r>
-              <a:rPr lang="es-419" sz="900" dirty="0" smtClean="0">
-                <a:latin typeface="+mn-lt"/>
-                <a:cs typeface="Courier New" panose="02070309020205020404" pitchFamily="49" charset="0"/>
-              </a:rPr>
-              <a:t> </a:t>
-            </a:r>
-            <a:r>
-              <a:rPr lang="es-419" sz="900" dirty="0" err="1" smtClean="0">
-                <a:latin typeface="+mn-lt"/>
-                <a:cs typeface="Courier New" panose="02070309020205020404" pitchFamily="49" charset="0"/>
-              </a:rPr>
-              <a:t>containing</a:t>
-            </a:r>
-            <a:r>
-              <a:rPr lang="es-419" sz="900" dirty="0" smtClean="0">
-                <a:latin typeface="+mn-lt"/>
-                <a:cs typeface="Courier New" panose="02070309020205020404" pitchFamily="49" charset="0"/>
-              </a:rPr>
-              <a:t> “</a:t>
-            </a:r>
-            <a:r>
-              <a:rPr lang="es-419" sz="900" dirty="0" err="1" smtClean="0">
-                <a:latin typeface="+mn-lt"/>
-                <a:cs typeface="Courier New" panose="02070309020205020404" pitchFamily="49" charset="0"/>
-              </a:rPr>
-              <a:t>ca</a:t>
-            </a:r>
-            <a:r>
-              <a:rPr lang="es-419" sz="900" dirty="0" smtClean="0">
-                <a:latin typeface="+mn-lt"/>
-                <a:cs typeface="Courier New" panose="02070309020205020404" pitchFamily="49" charset="0"/>
-              </a:rPr>
-              <a:t>” </a:t>
+              <a:t>Get all</a:t>
             </a:r>
             <a:r>
               <a:rPr lang="es-419" sz="900" dirty="0">
                 <a:latin typeface="+mn-lt"/>
                 <a:cs typeface="Courier New" panose="02070309020205020404" pitchFamily="49" charset="0"/>
               </a:rPr>
-              <a:t>as </a:t>
-            </a:r>
-            <a:r>
-              <a:rPr lang="es-419" sz="900" i="1" dirty="0" err="1" smtClean="0">
+              <a:t> </a:t>
+            </a:r>
+            <a:r>
+              <a:rPr lang="es-419" sz="900" dirty="0" err="1">
                 <a:latin typeface="+mn-lt"/>
                 <a:cs typeface="Courier New" panose="02070309020205020404" pitchFamily="49" charset="0"/>
               </a:rPr>
+              <a:t>relevant</a:t>
+            </a:r>
+            <a:r>
+              <a:rPr lang="en-US" sz="900" dirty="0">
+                <a:latin typeface="+mn-lt"/>
+                <a:cs typeface="Courier New" panose="02070309020205020404" pitchFamily="49" charset="0"/>
+              </a:rPr>
+              <a:t> </a:t>
+            </a:r>
+            <a:r>
+              <a:rPr lang="es-419" sz="900" dirty="0">
+                <a:latin typeface="+mn-lt"/>
+                <a:cs typeface="Courier New" panose="02070309020205020404" pitchFamily="49" charset="0"/>
+              </a:rPr>
+              <a:t>data </a:t>
+            </a:r>
+            <a:r>
+              <a:rPr lang="es-419" sz="900" dirty="0" err="1">
+                <a:latin typeface="+mn-lt"/>
+                <a:cs typeface="Courier New" panose="02070309020205020404" pitchFamily="49" charset="0"/>
+              </a:rPr>
+              <a:t>from</a:t>
+            </a:r>
+            <a:r>
+              <a:rPr lang="es-419" sz="900" dirty="0">
+                <a:latin typeface="+mn-lt"/>
+                <a:cs typeface="Courier New" panose="02070309020205020404" pitchFamily="49" charset="0"/>
+              </a:rPr>
+              <a:t> </a:t>
+            </a:r>
+            <a:r>
+              <a:rPr lang="es-419" sz="900" i="1" dirty="0" err="1">
+                <a:latin typeface="+mn-lt"/>
+                <a:cs typeface="Courier New" panose="02070309020205020404" pitchFamily="49" charset="0"/>
+              </a:rPr>
+              <a:t>Cities</a:t>
+            </a:r>
+            <a:r>
+              <a:rPr lang="es-419" sz="900" dirty="0">
+                <a:latin typeface="+mn-lt"/>
+                <a:cs typeface="Courier New" panose="02070309020205020404" pitchFamily="49" charset="0"/>
+              </a:rPr>
+              <a:t> </a:t>
+            </a:r>
+            <a:r>
+              <a:rPr lang="es-419" sz="900" dirty="0" err="1">
+                <a:latin typeface="+mn-lt"/>
+                <a:cs typeface="Courier New" panose="02070309020205020404" pitchFamily="49" charset="0"/>
+              </a:rPr>
+              <a:t>containing</a:t>
+            </a:r>
+            <a:r>
+              <a:rPr lang="es-419" sz="900" dirty="0">
+                <a:latin typeface="+mn-lt"/>
+                <a:cs typeface="Courier New" panose="02070309020205020404" pitchFamily="49" charset="0"/>
+              </a:rPr>
+              <a:t> “</a:t>
+            </a:r>
+            <a:r>
+              <a:rPr lang="es-419" sz="900" dirty="0" err="1">
+                <a:latin typeface="+mn-lt"/>
+                <a:cs typeface="Courier New" panose="02070309020205020404" pitchFamily="49" charset="0"/>
+              </a:rPr>
+              <a:t>ca</a:t>
+            </a:r>
+            <a:r>
+              <a:rPr lang="es-419" sz="900" dirty="0">
+                <a:latin typeface="+mn-lt"/>
+                <a:cs typeface="Courier New" panose="02070309020205020404" pitchFamily="49" charset="0"/>
+              </a:rPr>
+              <a:t>” as </a:t>
+            </a:r>
+            <a:r>
+              <a:rPr lang="es-419" sz="900" i="1" dirty="0" err="1">
+                <a:latin typeface="+mn-lt"/>
+                <a:cs typeface="Courier New" panose="02070309020205020404" pitchFamily="49" charset="0"/>
+              </a:rPr>
               <a:t>description</a:t>
             </a:r>
             <a:r>
-              <a:rPr lang="es-419" sz="900" dirty="0" smtClean="0">
+              <a:rPr lang="es-419" sz="900" dirty="0">
                 <a:latin typeface="+mn-lt"/>
                 <a:cs typeface="Courier New" panose="02070309020205020404" pitchFamily="49" charset="0"/>
               </a:rPr>
               <a:t> and </a:t>
             </a:r>
             <a:r>
-              <a:rPr lang="es-419" sz="900" dirty="0" err="1" smtClean="0">
+              <a:rPr lang="es-419" sz="900" dirty="0" err="1">
                 <a:latin typeface="+mn-lt"/>
                 <a:cs typeface="Courier New" panose="02070309020205020404" pitchFamily="49" charset="0"/>
               </a:rPr>
               <a:t>and</a:t>
             </a:r>
             <a:r>
-              <a:rPr lang="es-419" sz="900" dirty="0" smtClean="0">
+              <a:rPr lang="es-419" sz="900" dirty="0">
                 <a:latin typeface="+mn-lt"/>
                 <a:cs typeface="Courier New" panose="02070309020205020404" pitchFamily="49" charset="0"/>
               </a:rPr>
               <a:t> </a:t>
             </a:r>
             <a:r>
-              <a:rPr lang="es-419" sz="900" dirty="0" err="1" smtClean="0">
+              <a:rPr lang="es-419" sz="900" dirty="0" err="1">
                 <a:latin typeface="+mn-lt"/>
                 <a:cs typeface="Courier New" panose="02070309020205020404" pitchFamily="49" charset="0"/>
               </a:rPr>
               <a:t>whose</a:t>
             </a:r>
             <a:r>
-              <a:rPr lang="es-419" sz="900" dirty="0" smtClean="0">
+              <a:rPr lang="es-419" sz="900" dirty="0">
                 <a:latin typeface="+mn-lt"/>
                 <a:cs typeface="Courier New" panose="02070309020205020404" pitchFamily="49" charset="0"/>
               </a:rPr>
               <a:t> </a:t>
             </a:r>
             <a:r>
-              <a:rPr lang="es-419" sz="900" i="1" dirty="0" err="1" smtClean="0">
+              <a:rPr lang="es-419" sz="900" i="1" dirty="0" err="1">
                 <a:latin typeface="+mn-lt"/>
                 <a:cs typeface="Courier New" panose="02070309020205020404" pitchFamily="49" charset="0"/>
               </a:rPr>
               <a:t>ShippingZone</a:t>
             </a:r>
             <a:r>
-              <a:rPr lang="es-419" sz="900" dirty="0" smtClean="0">
+              <a:rPr lang="es-419" sz="900" dirty="0">
                 <a:latin typeface="+mn-lt"/>
                 <a:cs typeface="Courier New" panose="02070309020205020404" pitchFamily="49" charset="0"/>
               </a:rPr>
               <a:t> </a:t>
             </a:r>
             <a:r>
-              <a:rPr lang="es-419" sz="900" dirty="0" err="1" smtClean="0">
+              <a:rPr lang="es-419" sz="900" dirty="0" err="1">
                 <a:latin typeface="+mn-lt"/>
                 <a:cs typeface="Courier New" panose="02070309020205020404" pitchFamily="49" charset="0"/>
               </a:rPr>
-              <a:t>price</a:t>
-            </a:r>
-            <a:r>
-              <a:rPr lang="es-419" sz="900" dirty="0" smtClean="0">
+              <a:t>cost</a:t>
+            </a:r>
+            <a:r>
+              <a:rPr lang="es-419" sz="900" dirty="0">
                 <a:latin typeface="+mn-lt"/>
                 <a:cs typeface="Courier New" panose="02070309020205020404" pitchFamily="49" charset="0"/>
               </a:rPr>
               <a:t> </a:t>
             </a:r>
             <a:r>
-              <a:rPr lang="es-419" sz="900" dirty="0" err="1" smtClean="0">
+              <a:rPr lang="es-419" sz="900" dirty="0" err="1">
                 <a:latin typeface="+mn-lt"/>
                 <a:cs typeface="Courier New" panose="02070309020205020404" pitchFamily="49" charset="0"/>
               </a:rPr>
               <a:t>is</a:t>
             </a:r>
             <a:r>
-              <a:rPr lang="es-419" sz="900" dirty="0" smtClean="0">
+              <a:rPr lang="es-419" sz="900" dirty="0">
                 <a:latin typeface="+mn-lt"/>
                 <a:cs typeface="Courier New" panose="02070309020205020404" pitchFamily="49" charset="0"/>
               </a:rPr>
               <a:t> </a:t>
             </a:r>
             <a:r>
-              <a:rPr lang="es-419" sz="900" dirty="0" err="1" smtClean="0">
+              <a:rPr lang="es-419" sz="900" dirty="0" err="1">
                 <a:latin typeface="+mn-lt"/>
                 <a:cs typeface="Courier New" panose="02070309020205020404" pitchFamily="49" charset="0"/>
               </a:rPr>
               <a:t>greater</a:t>
             </a:r>
             <a:r>
-              <a:rPr lang="es-419" sz="900" dirty="0" smtClean="0">
+              <a:rPr lang="es-419" sz="900" dirty="0">
                 <a:latin typeface="+mn-lt"/>
                 <a:cs typeface="Courier New" panose="02070309020205020404" pitchFamily="49" charset="0"/>
               </a:rPr>
               <a:t> </a:t>
             </a:r>
             <a:r>
-              <a:rPr lang="es-419" sz="900" dirty="0" err="1" smtClean="0">
+              <a:rPr lang="es-419" sz="900" dirty="0" err="1">
                 <a:latin typeface="+mn-lt"/>
                 <a:cs typeface="Courier New" panose="02070309020205020404" pitchFamily="49" charset="0"/>
               </a:rPr>
               <a:t>than</a:t>
             </a:r>
             <a:r>
-              <a:rPr lang="es-419" sz="900" dirty="0" smtClean="0">
+              <a:rPr lang="es-419" sz="900" dirty="0">
                 <a:latin typeface="+mn-lt"/>
                 <a:cs typeface="Courier New" panose="02070309020205020404" pitchFamily="49" charset="0"/>
               </a:rPr>
@@ -13103,32 +12797,12 @@
             </a:r>
           </a:p>
           <a:p>
-            <a:endParaRPr lang="en-US" sz="900" dirty="0" smtClean="0">
+            <a:endParaRPr lang="en-US" sz="900" dirty="0">
               <a:latin typeface="+mn-lt"/>
               <a:cs typeface="Courier New" panose="02070309020205020404" pitchFamily="49" charset="0"/>
             </a:endParaRPr>
           </a:p>
           <a:p>
-            <a:endParaRPr lang="en-US" sz="900" dirty="0" smtClean="0">
-              <a:latin typeface="Courier New" panose="02070309020205020404" pitchFamily="49" charset="0"/>
-              <a:cs typeface="Courier New" panose="02070309020205020404" pitchFamily="49" charset="0"/>
-            </a:endParaRPr>
-          </a:p>
-          <a:p>
-            <a:r>
-              <a:rPr lang="en-US" sz="900" dirty="0">
-                <a:latin typeface="Courier New" panose="02070309020205020404" pitchFamily="49" charset="0"/>
-                <a:cs typeface="Courier New" panose="02070309020205020404" pitchFamily="49" charset="0"/>
-              </a:rPr>
-              <a:t>SELECT </a:t>
-            </a:r>
-            <a:r>
-              <a:rPr lang="en-US" sz="900" dirty="0" err="1">
-                <a:latin typeface="Courier New" panose="02070309020205020404" pitchFamily="49" charset="0"/>
-                <a:cs typeface="Courier New" panose="02070309020205020404" pitchFamily="49" charset="0"/>
-              </a:rPr>
-              <a:t>c.city_id</a:t>
-            </a:r>
             <a:endParaRPr lang="en-US" sz="900" dirty="0">
               <a:latin typeface="Courier New" panose="02070309020205020404" pitchFamily="49" charset="0"/>
               <a:cs typeface="Courier New" panose="02070309020205020404" pitchFamily="49" charset="0"/>
@@ -13140,37 +12814,14 @@
                 <a:latin typeface="Courier New" panose="02070309020205020404" pitchFamily="49" charset="0"/>
                 <a:cs typeface="Courier New" panose="02070309020205020404" pitchFamily="49" charset="0"/>
               </a:rPr>
-              <a:t>     , </a:t>
+              <a:t>SELECT </a:t>
             </a:r>
             <a:r>
               <a:rPr lang="en-US" sz="900" dirty="0" err="1">
                 <a:latin typeface="Courier New" panose="02070309020205020404" pitchFamily="49" charset="0"/>
                 <a:cs typeface="Courier New" panose="02070309020205020404" pitchFamily="49" charset="0"/>
               </a:rPr>
-              <a:t>c.description</a:t>
-            </a:r>
-            <a:r>
-              <a:rPr lang="en-US" sz="900" dirty="0">
-                <a:latin typeface="Courier New" panose="02070309020205020404" pitchFamily="49" charset="0"/>
-                <a:cs typeface="Courier New" panose="02070309020205020404" pitchFamily="49" charset="0"/>
-              </a:rPr>
-              <a:t> city</a:t>
-            </a:r>
-          </a:p>
-          <a:p>
-            <a:r>
-              <a:rPr lang="en-US" sz="900" dirty="0">
-                <a:latin typeface="Courier New" panose="02070309020205020404" pitchFamily="49" charset="0"/>
-                <a:cs typeface="Courier New" panose="02070309020205020404" pitchFamily="49" charset="0"/>
-              </a:rPr>
-              <a:t>     , </a:t>
-            </a:r>
-            <a:r>
-              <a:rPr lang="en-US" sz="900" dirty="0" err="1">
-                <a:latin typeface="Courier New" panose="02070309020205020404" pitchFamily="49" charset="0"/>
-                <a:cs typeface="Courier New" panose="02070309020205020404" pitchFamily="49" charset="0"/>
-              </a:rPr>
-              <a:t>s.description</a:t>
+              <a:t>c.city_id</a:t>
             </a:r>
             <a:endParaRPr lang="en-US" sz="900" dirty="0">
               <a:latin typeface="Courier New" panose="02070309020205020404" pitchFamily="49" charset="0"/>
@@ -13183,16 +12834,21 @@
                 <a:latin typeface="Courier New" panose="02070309020205020404" pitchFamily="49" charset="0"/>
                 <a:cs typeface="Courier New" panose="02070309020205020404" pitchFamily="49" charset="0"/>
               </a:rPr>
-              <a:t>     , sz.*</a:t>
-            </a:r>
-          </a:p>
-          <a:p>
+              <a:t>     , </a:t>
+            </a:r>
+            <a:r>
+              <a:rPr lang="en-US" sz="900" dirty="0" err="1">
+                <a:latin typeface="Courier New" panose="02070309020205020404" pitchFamily="49" charset="0"/>
+                <a:cs typeface="Courier New" panose="02070309020205020404" pitchFamily="49" charset="0"/>
+              </a:rPr>
+              <a:t>c.description</a:t>
+            </a:r>
             <a:r>
               <a:rPr lang="en-US" sz="900" dirty="0">
                 <a:latin typeface="Courier New" panose="02070309020205020404" pitchFamily="49" charset="0"/>
                 <a:cs typeface="Courier New" panose="02070309020205020404" pitchFamily="49" charset="0"/>
               </a:rPr>
-              <a:t>  FROM city c</a:t>
+              <a:t> city</a:t>
             </a:r>
           </a:p>
           <a:p>
@@ -13201,37 +12857,14 @@
                 <a:latin typeface="Courier New" panose="02070309020205020404" pitchFamily="49" charset="0"/>
                 <a:cs typeface="Courier New" panose="02070309020205020404" pitchFamily="49" charset="0"/>
               </a:rPr>
-              <a:t> INNER JOIN state s</a:t>
-            </a:r>
-          </a:p>
-          <a:p>
-            <a:r>
-              <a:rPr lang="en-US" sz="900" dirty="0">
-                <a:latin typeface="Courier New" panose="02070309020205020404" pitchFamily="49" charset="0"/>
-                <a:cs typeface="Courier New" panose="02070309020205020404" pitchFamily="49" charset="0"/>
-              </a:rPr>
-              <a:t>    ON </a:t>
+              <a:t>     , </a:t>
             </a:r>
             <a:r>
               <a:rPr lang="en-US" sz="900" dirty="0" err="1">
                 <a:latin typeface="Courier New" panose="02070309020205020404" pitchFamily="49" charset="0"/>
                 <a:cs typeface="Courier New" panose="02070309020205020404" pitchFamily="49" charset="0"/>
               </a:rPr>
-              <a:t>c.state_id</a:t>
-            </a:r>
-            <a:r>
-              <a:rPr lang="en-US" sz="900" dirty="0">
-                <a:latin typeface="Courier New" panose="02070309020205020404" pitchFamily="49" charset="0"/>
-                <a:cs typeface="Courier New" panose="02070309020205020404" pitchFamily="49" charset="0"/>
-              </a:rPr>
-              <a:t> = </a:t>
-            </a:r>
-            <a:r>
-              <a:rPr lang="en-US" sz="900" dirty="0" err="1">
-                <a:latin typeface="Courier New" panose="02070309020205020404" pitchFamily="49" charset="0"/>
-                <a:cs typeface="Courier New" panose="02070309020205020404" pitchFamily="49" charset="0"/>
-              </a:rPr>
-              <a:t>s.state_id</a:t>
+              <a:t>s.description</a:t>
             </a:r>
             <a:endParaRPr lang="en-US" sz="900" dirty="0">
               <a:latin typeface="Courier New" panose="02070309020205020404" pitchFamily="49" charset="0"/>
@@ -13244,28 +12877,55 @@
                 <a:latin typeface="Courier New" panose="02070309020205020404" pitchFamily="49" charset="0"/>
                 <a:cs typeface="Courier New" panose="02070309020205020404" pitchFamily="49" charset="0"/>
               </a:rPr>
-              <a:t> INNER JOIN </a:t>
+              <a:t>     , sz.*</a:t>
+            </a:r>
+          </a:p>
+          <a:p>
+            <a:r>
+              <a:rPr lang="en-US" sz="900" dirty="0">
+                <a:latin typeface="Courier New" panose="02070309020205020404" pitchFamily="49" charset="0"/>
+                <a:cs typeface="Courier New" panose="02070309020205020404" pitchFamily="49" charset="0"/>
+              </a:rPr>
+              <a:t>  FROM city c</a:t>
+            </a:r>
+          </a:p>
+          <a:p>
+            <a:r>
+              <a:rPr lang="en-US" sz="900" dirty="0">
+                <a:latin typeface="Courier New" panose="02070309020205020404" pitchFamily="49" charset="0"/>
+                <a:cs typeface="Courier New" panose="02070309020205020404" pitchFamily="49" charset="0"/>
+              </a:rPr>
+              <a:t> INNER JOIN state s</a:t>
+            </a:r>
+          </a:p>
+          <a:p>
+            <a:r>
+              <a:rPr lang="en-US" sz="900" dirty="0">
+                <a:latin typeface="Courier New" panose="02070309020205020404" pitchFamily="49" charset="0"/>
+                <a:cs typeface="Courier New" panose="02070309020205020404" pitchFamily="49" charset="0"/>
+              </a:rPr>
+              <a:t>    ON </a:t>
             </a:r>
             <a:r>
               <a:rPr lang="en-US" sz="900" dirty="0" err="1">
                 <a:latin typeface="Courier New" panose="02070309020205020404" pitchFamily="49" charset="0"/>
                 <a:cs typeface="Courier New" panose="02070309020205020404" pitchFamily="49" charset="0"/>
               </a:rPr>
-              <a:t>shipping_zone</a:t>
+              <a:t>c.state_id</a:t>
             </a:r>
             <a:r>
               <a:rPr lang="en-US" sz="900" dirty="0">
                 <a:latin typeface="Courier New" panose="02070309020205020404" pitchFamily="49" charset="0"/>
                 <a:cs typeface="Courier New" panose="02070309020205020404" pitchFamily="49" charset="0"/>
               </a:rPr>
-              <a:t> </a:t>
+              <a:t> = </a:t>
             </a:r>
             <a:r>
               <a:rPr lang="en-US" sz="900" dirty="0" err="1">
                 <a:latin typeface="Courier New" panose="02070309020205020404" pitchFamily="49" charset="0"/>
                 <a:cs typeface="Courier New" panose="02070309020205020404" pitchFamily="49" charset="0"/>
               </a:rPr>
-              <a:t>sz</a:t>
+              <a:t>s.state_id</a:t>
             </a:r>
             <a:endParaRPr lang="en-US" sz="900" dirty="0">
               <a:latin typeface="Courier New" panose="02070309020205020404" pitchFamily="49" charset="0"/>
@@ -13278,28 +12938,28 @@
                 <a:latin typeface="Courier New" panose="02070309020205020404" pitchFamily="49" charset="0"/>
                 <a:cs typeface="Courier New" panose="02070309020205020404" pitchFamily="49" charset="0"/>
               </a:rPr>
-              <a:t>    ON </a:t>
+              <a:t> INNER JOIN </a:t>
             </a:r>
             <a:r>
               <a:rPr lang="en-US" sz="900" dirty="0" err="1">
                 <a:latin typeface="Courier New" panose="02070309020205020404" pitchFamily="49" charset="0"/>
                 <a:cs typeface="Courier New" panose="02070309020205020404" pitchFamily="49" charset="0"/>
               </a:rPr>
-              <a:t>s.shipping_zone_id</a:t>
+              <a:t>shipping_zone</a:t>
             </a:r>
             <a:r>
               <a:rPr lang="en-US" sz="900" dirty="0">
                 <a:latin typeface="Courier New" panose="02070309020205020404" pitchFamily="49" charset="0"/>
                 <a:cs typeface="Courier New" panose="02070309020205020404" pitchFamily="49" charset="0"/>
               </a:rPr>
-              <a:t> = </a:t>
+              <a:t> </a:t>
             </a:r>
             <a:r>
               <a:rPr lang="en-US" sz="900" dirty="0" err="1">
                 <a:latin typeface="Courier New" panose="02070309020205020404" pitchFamily="49" charset="0"/>
                 <a:cs typeface="Courier New" panose="02070309020205020404" pitchFamily="49" charset="0"/>
               </a:rPr>
-              <a:t>sz.shipping_zone_id</a:t>
+              <a:t>sz</a:t>
             </a:r>
             <a:endParaRPr lang="en-US" sz="900" dirty="0">
               <a:latin typeface="Courier New" panose="02070309020205020404" pitchFamily="49" charset="0"/>
@@ -13312,55 +12972,85 @@
                 <a:latin typeface="Courier New" panose="02070309020205020404" pitchFamily="49" charset="0"/>
                 <a:cs typeface="Courier New" panose="02070309020205020404" pitchFamily="49" charset="0"/>
               </a:rPr>
-              <a:t> WHERE </a:t>
+              <a:t>    ON </a:t>
             </a:r>
             <a:r>
               <a:rPr lang="en-US" sz="900" dirty="0" err="1">
                 <a:latin typeface="Courier New" panose="02070309020205020404" pitchFamily="49" charset="0"/>
                 <a:cs typeface="Courier New" panose="02070309020205020404" pitchFamily="49" charset="0"/>
               </a:rPr>
-              <a:t>c.description</a:t>
+              <a:t>s.shipping_zone_id</a:t>
             </a:r>
             <a:r>
               <a:rPr lang="en-US" sz="900" dirty="0">
                 <a:latin typeface="Courier New" panose="02070309020205020404" pitchFamily="49" charset="0"/>
                 <a:cs typeface="Courier New" panose="02070309020205020404" pitchFamily="49" charset="0"/>
               </a:rPr>
-              <a:t> LIKE '%ca%'</a:t>
-            </a:r>
-          </a:p>
-          <a:p>
-            <a:r>
-              <a:rPr lang="en-US" sz="900" dirty="0">
-                <a:latin typeface="Courier New" panose="02070309020205020404" pitchFamily="49" charset="0"/>
-                <a:cs typeface="Courier New" panose="02070309020205020404" pitchFamily="49" charset="0"/>
-              </a:rPr>
-              <a:t>   AND </a:t>
+              <a:t> = </a:t>
             </a:r>
             <a:r>
               <a:rPr lang="en-US" sz="900" dirty="0" err="1">
                 <a:latin typeface="Courier New" panose="02070309020205020404" pitchFamily="49" charset="0"/>
                 <a:cs typeface="Courier New" panose="02070309020205020404" pitchFamily="49" charset="0"/>
               </a:rPr>
-              <a:t>sz.shipping_price</a:t>
-            </a:r>
-            <a:r>
-              <a:rPr lang="en-US" sz="900" dirty="0">
-                <a:latin typeface="Courier New" panose="02070309020205020404" pitchFamily="49" charset="0"/>
-                <a:cs typeface="Courier New" panose="02070309020205020404" pitchFamily="49" charset="0"/>
-              </a:rPr>
-              <a:t> &gt; 50;</a:t>
-            </a:r>
-            <a:endParaRPr lang="en-US" sz="900" dirty="0" smtClean="0">
+              <a:t>sz.shipping_zone_id</a:t>
+            </a:r>
+            <a:endParaRPr lang="en-US" sz="900" dirty="0">
               <a:latin typeface="Courier New" panose="02070309020205020404" pitchFamily="49" charset="0"/>
               <a:cs typeface="Courier New" panose="02070309020205020404" pitchFamily="49" charset="0"/>
             </a:endParaRPr>
+          </a:p>
+          <a:p>
+            <a:r>
+              <a:rPr lang="en-US" sz="900" dirty="0">
+                <a:latin typeface="Courier New" panose="02070309020205020404" pitchFamily="49" charset="0"/>
+                <a:cs typeface="Courier New" panose="02070309020205020404" pitchFamily="49" charset="0"/>
+              </a:rPr>
+              <a:t> WHERE </a:t>
+            </a:r>
+            <a:r>
+              <a:rPr lang="en-US" sz="900" dirty="0" err="1">
+                <a:latin typeface="Courier New" panose="02070309020205020404" pitchFamily="49" charset="0"/>
+                <a:cs typeface="Courier New" panose="02070309020205020404" pitchFamily="49" charset="0"/>
+              </a:rPr>
+              <a:t>c.description</a:t>
+            </a:r>
+            <a:r>
+              <a:rPr lang="en-US" sz="900" dirty="0">
+                <a:latin typeface="Courier New" panose="02070309020205020404" pitchFamily="49" charset="0"/>
+                <a:cs typeface="Courier New" panose="02070309020205020404" pitchFamily="49" charset="0"/>
+              </a:rPr>
+              <a:t> LIKE '%ca%'</a:t>
+            </a:r>
+          </a:p>
+          <a:p>
+            <a:r>
+              <a:rPr lang="en-US" sz="900" dirty="0">
+                <a:latin typeface="Courier New" panose="02070309020205020404" pitchFamily="49" charset="0"/>
+                <a:cs typeface="Courier New" panose="02070309020205020404" pitchFamily="49" charset="0"/>
+              </a:rPr>
+              <a:t>   AND </a:t>
+            </a:r>
+            <a:r>
+              <a:rPr lang="en-US" sz="900" dirty="0" err="1">
+                <a:latin typeface="Courier New" panose="02070309020205020404" pitchFamily="49" charset="0"/>
+                <a:cs typeface="Courier New" panose="02070309020205020404" pitchFamily="49" charset="0"/>
+              </a:rPr>
+              <a:t>shipping_cost</a:t>
+            </a:r>
+            <a:r>
+              <a:rPr lang="en-US" sz="900" dirty="0">
+                <a:latin typeface="Courier New" panose="02070309020205020404" pitchFamily="49" charset="0"/>
+                <a:cs typeface="Courier New" panose="02070309020205020404" pitchFamily="49" charset="0"/>
+              </a:rPr>
+              <a:t> &gt; 50;</a:t>
+            </a:r>
           </a:p>
         </p:txBody>
       </p:sp>
       <p:pic>
         <p:nvPicPr>
-          <p:cNvPr id="6" name="Picture 5"/>
+          <p:cNvPr id="2" name="Picture 1"/>
           <p:cNvPicPr>
             <a:picLocks noChangeAspect="1"/>
           </p:cNvPicPr>
@@ -13374,8 +13064,8 @@
         </p:blipFill>
         <p:spPr>
           <a:xfrm>
-            <a:off x="611561" y="3431973"/>
-            <a:ext cx="5400599" cy="2229275"/>
+            <a:off x="683569" y="3361195"/>
+            <a:ext cx="5976664" cy="2471732"/>
           </a:xfrm>
           <a:prstGeom prst="rect">
             <a:avLst/>
@@ -13397,13 +13087,6 @@
   <p:clrMapOvr>
     <a:masterClrMapping/>
   </p:clrMapOvr>
-  <p:timing>
-    <p:tnLst>
-      <p:par>
-        <p:cTn id="1" dur="indefinite" restart="never" nodeType="tmRoot"/>
-      </p:par>
-    </p:tnLst>
-  </p:timing>
 </p:sld>
 </file>
 
@@ -13445,7 +13128,7 @@
           <a:lstStyle/>
           <a:p>
             <a:r>
-              <a:rPr lang="es-419" sz="2400" dirty="0" smtClean="0">
+              <a:rPr lang="es-419" sz="2400" dirty="0">
                 <a:hlinkClick r:id="rId2"/>
               </a:rPr>
               <a:t>LEFT JOIN</a:t>
@@ -13510,7 +13193,7 @@
           </a:bodyPr>
           <a:lstStyle/>
           <a:p>
-            <a:endParaRPr lang="en-US" sz="1100" dirty="0" smtClean="0">
+            <a:endParaRPr lang="en-US" sz="1100" dirty="0">
               <a:latin typeface="Courier New" panose="02070309020205020404" pitchFamily="49" charset="0"/>
               <a:cs typeface="Courier New" panose="02070309020205020404" pitchFamily="49" charset="0"/>
             </a:endParaRPr>
@@ -13576,28 +13259,14 @@
                 <a:latin typeface="Courier New" panose="02070309020205020404" pitchFamily="49" charset="0"/>
                 <a:cs typeface="Courier New" panose="02070309020205020404" pitchFamily="49" charset="0"/>
               </a:rPr>
-              <a:t> </a:t>
-            </a:r>
-            <a:r>
-              <a:rPr lang="es-419" sz="1100" dirty="0" smtClean="0">
-                <a:latin typeface="Courier New" panose="02070309020205020404" pitchFamily="49" charset="0"/>
-                <a:cs typeface="Courier New" panose="02070309020205020404" pitchFamily="49" charset="0"/>
-              </a:rPr>
-              <a:t> LEFT</a:t>
-            </a:r>
-            <a:r>
-              <a:rPr lang="en-US" sz="1100" dirty="0" smtClean="0">
-                <a:latin typeface="Courier New" panose="02070309020205020404" pitchFamily="49" charset="0"/>
-                <a:cs typeface="Courier New" panose="02070309020205020404" pitchFamily="49" charset="0"/>
-              </a:rPr>
-              <a:t> </a:t>
+              <a:t>  LEFT</a:t>
             </a:r>
             <a:r>
               <a:rPr lang="en-US" sz="1100" dirty="0">
                 <a:latin typeface="Courier New" panose="02070309020205020404" pitchFamily="49" charset="0"/>
                 <a:cs typeface="Courier New" panose="02070309020205020404" pitchFamily="49" charset="0"/>
               </a:rPr>
-              <a:t>JOIN </a:t>
+              <a:t> JOIN </a:t>
             </a:r>
             <a:r>
               <a:rPr lang="en-US" sz="1100" i="1" dirty="0">
@@ -13636,7 +13305,7 @@
               <a:t> = </a:t>
             </a:r>
             <a:r>
-              <a:rPr lang="en-US" sz="1100" i="1" dirty="0" err="1" smtClean="0">
+              <a:rPr lang="en-US" sz="1100" i="1" dirty="0" err="1">
                 <a:solidFill>
                   <a:srgbClr val="00B050"/>
                 </a:solidFill>
@@ -13646,7 +13315,7 @@
               <a:t>e.dep_id</a:t>
             </a:r>
             <a:r>
-              <a:rPr lang="en-US" sz="1100" b="1" dirty="0" smtClean="0">
+              <a:rPr lang="en-US" sz="1100" b="1" dirty="0">
                 <a:latin typeface="Courier New" panose="02070309020205020404" pitchFamily="49" charset="0"/>
                 <a:cs typeface="Courier New" panose="02070309020205020404" pitchFamily="49" charset="0"/>
               </a:rPr>
@@ -13664,7 +13333,7 @@
         <p:spPr>
           <a:xfrm>
             <a:off x="179512" y="3689814"/>
-            <a:ext cx="3600400" cy="2169825"/>
+            <a:ext cx="3600400" cy="2308324"/>
           </a:xfrm>
           <a:prstGeom prst="rect">
             <a:avLst/>
@@ -13678,226 +13347,248 @@
           <a:lstStyle/>
           <a:p>
             <a:r>
-              <a:rPr lang="es-419" sz="900" dirty="0" smtClean="0">
+              <a:rPr lang="es-419" sz="900" dirty="0">
                 <a:latin typeface="+mn-lt"/>
                 <a:cs typeface="Courier New" panose="02070309020205020404" pitchFamily="49" charset="0"/>
               </a:rPr>
               <a:t>3</a:t>
-            </a:r>
-            <a:r>
-              <a:rPr lang="en-US" sz="900" dirty="0" smtClean="0">
-                <a:latin typeface="+mn-lt"/>
-                <a:cs typeface="Courier New" panose="02070309020205020404" pitchFamily="49" charset="0"/>
-              </a:rPr>
-              <a:t>. </a:t>
             </a:r>
             <a:r>
               <a:rPr lang="en-US" sz="900" dirty="0">
                 <a:latin typeface="+mn-lt"/>
                 <a:cs typeface="Courier New" panose="02070309020205020404" pitchFamily="49" charset="0"/>
               </a:rPr>
-              <a:t>Create a report </a:t>
-            </a:r>
-            <a:r>
-              <a:rPr lang="en-US" sz="900" dirty="0" smtClean="0">
+              <a:t>. Create a report f</a:t>
+            </a:r>
+            <a:r>
+              <a:rPr lang="es-419" sz="900" dirty="0" err="1">
                 <a:latin typeface="+mn-lt"/>
                 <a:cs typeface="Courier New" panose="02070309020205020404" pitchFamily="49" charset="0"/>
               </a:rPr>
-              <a:t>f</a:t>
-            </a:r>
-            <a:r>
-              <a:rPr lang="es-419" sz="900" dirty="0" err="1" smtClean="0">
+              <a:t>rom</a:t>
+            </a:r>
+            <a:r>
+              <a:rPr lang="es-419" sz="900" dirty="0">
                 <a:latin typeface="+mn-lt"/>
                 <a:cs typeface="Courier New" panose="02070309020205020404" pitchFamily="49" charset="0"/>
               </a:rPr>
-              <a:t>rom</a:t>
-            </a:r>
-            <a:r>
-              <a:rPr lang="es-419" sz="900" dirty="0" smtClean="0">
+              <a:t> </a:t>
+            </a:r>
+            <a:r>
+              <a:rPr lang="en-US" sz="900" i="1" dirty="0">
                 <a:latin typeface="+mn-lt"/>
                 <a:cs typeface="Courier New" panose="02070309020205020404" pitchFamily="49" charset="0"/>
               </a:rPr>
-              <a:t> </a:t>
-            </a:r>
-            <a:r>
-              <a:rPr lang="en-US" sz="900" i="1" dirty="0" smtClean="0">
-                <a:latin typeface="+mn-lt"/>
-                <a:cs typeface="Courier New" panose="02070309020205020404" pitchFamily="49" charset="0"/>
-              </a:rPr>
               <a:t>Carts</a:t>
-            </a:r>
-            <a:r>
-              <a:rPr lang="en-US" sz="900" dirty="0" smtClean="0">
-                <a:latin typeface="+mn-lt"/>
-                <a:cs typeface="Courier New" panose="02070309020205020404" pitchFamily="49" charset="0"/>
-              </a:rPr>
-              <a:t> </a:t>
-            </a:r>
-            <a:r>
-              <a:rPr lang="es-419" sz="900" dirty="0" err="1" smtClean="0">
-                <a:latin typeface="+mn-lt"/>
-                <a:cs typeface="Courier New" panose="02070309020205020404" pitchFamily="49" charset="0"/>
-              </a:rPr>
-              <a:t>created</a:t>
-            </a:r>
-            <a:r>
-              <a:rPr lang="es-419" sz="900" dirty="0" smtClean="0">
-                <a:latin typeface="+mn-lt"/>
-                <a:cs typeface="Courier New" panose="02070309020205020404" pitchFamily="49" charset="0"/>
-              </a:rPr>
-              <a:t> </a:t>
-            </a:r>
-            <a:r>
-              <a:rPr lang="en-US" sz="900" dirty="0" err="1" smtClean="0">
-                <a:latin typeface="+mn-lt"/>
-                <a:cs typeface="Courier New" panose="02070309020205020404" pitchFamily="49" charset="0"/>
-              </a:rPr>
-              <a:t>i</a:t>
-            </a:r>
-            <a:r>
-              <a:rPr lang="es-419" sz="900" dirty="0" smtClean="0">
-                <a:latin typeface="+mn-lt"/>
-                <a:cs typeface="Courier New" panose="02070309020205020404" pitchFamily="49" charset="0"/>
-              </a:rPr>
-              <a:t>n 2015</a:t>
-            </a:r>
-            <a:r>
-              <a:rPr lang="en-US" sz="900" dirty="0" smtClean="0">
-                <a:latin typeface="+mn-lt"/>
-                <a:cs typeface="Courier New" panose="02070309020205020404" pitchFamily="49" charset="0"/>
-              </a:rPr>
-              <a:t>, </a:t>
-            </a:r>
-            <a:r>
-              <a:rPr lang="es-419" sz="900" dirty="0" err="1" smtClean="0">
-                <a:latin typeface="+mn-lt"/>
-                <a:cs typeface="Courier New" panose="02070309020205020404" pitchFamily="49" charset="0"/>
-              </a:rPr>
-              <a:t>their</a:t>
-            </a:r>
-            <a:r>
-              <a:rPr lang="es-419" sz="900" dirty="0" smtClean="0">
-                <a:latin typeface="+mn-lt"/>
-                <a:cs typeface="Courier New" panose="02070309020205020404" pitchFamily="49" charset="0"/>
-              </a:rPr>
-              <a:t> </a:t>
-            </a:r>
-            <a:r>
-              <a:rPr lang="en-US" sz="900" i="1" dirty="0" smtClean="0">
-                <a:latin typeface="+mn-lt"/>
-                <a:cs typeface="Courier New" panose="02070309020205020404" pitchFamily="49" charset="0"/>
-              </a:rPr>
-              <a:t>Status</a:t>
-            </a:r>
-            <a:r>
-              <a:rPr lang="en-US" sz="900" dirty="0" smtClean="0">
-                <a:latin typeface="+mn-lt"/>
-                <a:cs typeface="Courier New" panose="02070309020205020404" pitchFamily="49" charset="0"/>
-              </a:rPr>
-              <a:t> </a:t>
             </a:r>
             <a:r>
               <a:rPr lang="en-US" sz="900" dirty="0">
                 <a:latin typeface="+mn-lt"/>
                 <a:cs typeface="Courier New" panose="02070309020205020404" pitchFamily="49" charset="0"/>
               </a:rPr>
-              <a:t>and their </a:t>
-            </a:r>
-            <a:r>
-              <a:rPr lang="es-419" sz="900" i="1" dirty="0" err="1" smtClean="0">
+              <a:t> </a:t>
+            </a:r>
+            <a:r>
+              <a:rPr lang="es-419" sz="900" dirty="0" err="1">
                 <a:latin typeface="+mn-lt"/>
                 <a:cs typeface="Courier New" panose="02070309020205020404" pitchFamily="49" charset="0"/>
               </a:rPr>
-              <a:t>order</a:t>
-            </a:r>
-            <a:r>
-              <a:rPr lang="es-419" sz="900" i="1" dirty="0" smtClean="0">
+              <a:t>created</a:t>
+            </a:r>
+            <a:r>
+              <a:rPr lang="es-419" sz="900" dirty="0">
                 <a:latin typeface="+mn-lt"/>
                 <a:cs typeface="Courier New" panose="02070309020205020404" pitchFamily="49" charset="0"/>
               </a:rPr>
-              <a:t>_</a:t>
-            </a:r>
-            <a:r>
-              <a:rPr lang="en-US" sz="900" i="1" dirty="0" smtClean="0">
+              <a:t> </a:t>
+            </a:r>
+            <a:r>
+              <a:rPr lang="en-US" sz="900" dirty="0" err="1">
                 <a:latin typeface="+mn-lt"/>
                 <a:cs typeface="Courier New" panose="02070309020205020404" pitchFamily="49" charset="0"/>
               </a:rPr>
-              <a:t>date</a:t>
-            </a:r>
-            <a:r>
-              <a:rPr lang="en-US" sz="900" dirty="0" smtClean="0">
+              <a:t>i</a:t>
+            </a:r>
+            <a:r>
+              <a:rPr lang="es-419" sz="900" dirty="0">
                 <a:latin typeface="+mn-lt"/>
                 <a:cs typeface="Courier New" panose="02070309020205020404" pitchFamily="49" charset="0"/>
               </a:rPr>
-              <a:t> </a:t>
+              <a:t>n 2015</a:t>
             </a:r>
             <a:r>
               <a:rPr lang="en-US" sz="900" dirty="0">
                 <a:latin typeface="+mn-lt"/>
                 <a:cs typeface="Courier New" panose="02070309020205020404" pitchFamily="49" charset="0"/>
               </a:rPr>
-              <a:t>if </a:t>
-            </a:r>
-            <a:r>
-              <a:rPr lang="es-419" sz="900" dirty="0" err="1" smtClean="0">
+              <a:t>, </a:t>
+            </a:r>
+            <a:r>
+              <a:rPr lang="es-419" sz="900" dirty="0" err="1">
                 <a:latin typeface="+mn-lt"/>
                 <a:cs typeface="Courier New" panose="02070309020205020404" pitchFamily="49" charset="0"/>
               </a:rPr>
+              <a:t>their</a:t>
+            </a:r>
+            <a:r>
+              <a:rPr lang="es-419" sz="900" dirty="0">
+                <a:latin typeface="+mn-lt"/>
+                <a:cs typeface="Courier New" panose="02070309020205020404" pitchFamily="49" charset="0"/>
+              </a:rPr>
+              <a:t> </a:t>
+            </a:r>
+            <a:r>
+              <a:rPr lang="en-US" sz="900" i="1" dirty="0">
+                <a:latin typeface="+mn-lt"/>
+                <a:cs typeface="Courier New" panose="02070309020205020404" pitchFamily="49" charset="0"/>
+              </a:rPr>
+              <a:t>Status</a:t>
+            </a:r>
+            <a:r>
+              <a:rPr lang="en-US" sz="900" dirty="0">
+                <a:latin typeface="+mn-lt"/>
+                <a:cs typeface="Courier New" panose="02070309020205020404" pitchFamily="49" charset="0"/>
+              </a:rPr>
+              <a:t> and their </a:t>
+            </a:r>
+            <a:r>
+              <a:rPr lang="es-419" sz="900" i="1" dirty="0" err="1">
+                <a:latin typeface="+mn-lt"/>
+                <a:cs typeface="Courier New" panose="02070309020205020404" pitchFamily="49" charset="0"/>
+              </a:rPr>
+              <a:t>order</a:t>
+            </a:r>
+            <a:r>
+              <a:rPr lang="es-419" sz="900" i="1" dirty="0">
+                <a:latin typeface="+mn-lt"/>
+                <a:cs typeface="Courier New" panose="02070309020205020404" pitchFamily="49" charset="0"/>
+              </a:rPr>
+              <a:t>_</a:t>
+            </a:r>
+            <a:r>
+              <a:rPr lang="en-US" sz="900" i="1" dirty="0">
+                <a:latin typeface="+mn-lt"/>
+                <a:cs typeface="Courier New" panose="02070309020205020404" pitchFamily="49" charset="0"/>
+              </a:rPr>
+              <a:t>date</a:t>
+            </a:r>
+            <a:r>
+              <a:rPr lang="en-US" sz="900" dirty="0">
+                <a:latin typeface="+mn-lt"/>
+                <a:cs typeface="Courier New" panose="02070309020205020404" pitchFamily="49" charset="0"/>
+              </a:rPr>
+              <a:t> if </a:t>
+            </a:r>
+            <a:r>
+              <a:rPr lang="es-419" sz="900" dirty="0" err="1">
+                <a:latin typeface="+mn-lt"/>
+                <a:cs typeface="Courier New" panose="02070309020205020404" pitchFamily="49" charset="0"/>
+              </a:rPr>
               <a:t>they</a:t>
             </a:r>
             <a:r>
-              <a:rPr lang="es-419" sz="900" dirty="0" smtClean="0">
+              <a:rPr lang="es-419" sz="900" dirty="0">
                 <a:latin typeface="+mn-lt"/>
                 <a:cs typeface="Courier New" panose="02070309020205020404" pitchFamily="49" charset="0"/>
               </a:rPr>
               <a:t> </a:t>
             </a:r>
             <a:r>
-              <a:rPr lang="es-419" sz="900" dirty="0" err="1" smtClean="0">
+              <a:rPr lang="es-419" sz="900" dirty="0" err="1">
                 <a:latin typeface="+mn-lt"/>
                 <a:cs typeface="Courier New" panose="02070309020205020404" pitchFamily="49" charset="0"/>
               </a:rPr>
               <a:t>have</a:t>
             </a:r>
             <a:r>
-              <a:rPr lang="es-419" sz="900" dirty="0" smtClean="0">
+              <a:rPr lang="es-419" sz="900" dirty="0">
                 <a:latin typeface="+mn-lt"/>
                 <a:cs typeface="Courier New" panose="02070309020205020404" pitchFamily="49" charset="0"/>
               </a:rPr>
+              <a:t>. </a:t>
+            </a:r>
+            <a:r>
+              <a:rPr lang="es-419" sz="900" dirty="0" err="1">
+                <a:latin typeface="+mn-lt"/>
+                <a:cs typeface="Courier New" panose="02070309020205020404" pitchFamily="49" charset="0"/>
+              </a:rPr>
+              <a:t>Order</a:t>
+            </a:r>
+            <a:r>
+              <a:rPr lang="es-419" sz="900" dirty="0">
+                <a:latin typeface="+mn-lt"/>
+                <a:cs typeface="Courier New" panose="02070309020205020404" pitchFamily="49" charset="0"/>
+              </a:rPr>
+              <a:t> </a:t>
+            </a:r>
+            <a:r>
+              <a:rPr lang="es-419" sz="900" dirty="0" err="1">
+                <a:latin typeface="+mn-lt"/>
+                <a:cs typeface="Courier New" panose="02070309020205020404" pitchFamily="49" charset="0"/>
+              </a:rPr>
+              <a:t>the</a:t>
+            </a:r>
+            <a:r>
+              <a:rPr lang="es-419" sz="900" dirty="0">
+                <a:latin typeface="+mn-lt"/>
+                <a:cs typeface="Courier New" panose="02070309020205020404" pitchFamily="49" charset="0"/>
+              </a:rPr>
+              <a:t> </a:t>
+            </a:r>
+            <a:r>
+              <a:rPr lang="es-419" sz="900" dirty="0" err="1">
+                <a:latin typeface="+mn-lt"/>
+                <a:cs typeface="Courier New" panose="02070309020205020404" pitchFamily="49" charset="0"/>
+              </a:rPr>
+              <a:t>result</a:t>
+            </a:r>
+            <a:r>
+              <a:rPr lang="es-419" sz="900" dirty="0">
+                <a:latin typeface="+mn-lt"/>
+                <a:cs typeface="Courier New" panose="02070309020205020404" pitchFamily="49" charset="0"/>
+              </a:rPr>
+              <a:t> </a:t>
+            </a:r>
+            <a:r>
+              <a:rPr lang="es-419" sz="900" dirty="0" err="1">
+                <a:latin typeface="+mn-lt"/>
+                <a:cs typeface="Courier New" panose="02070309020205020404" pitchFamily="49" charset="0"/>
+              </a:rPr>
+              <a:t>by</a:t>
+            </a:r>
+            <a:r>
+              <a:rPr lang="es-419" sz="900" dirty="0">
+                <a:latin typeface="+mn-lt"/>
+                <a:cs typeface="Courier New" panose="02070309020205020404" pitchFamily="49" charset="0"/>
+              </a:rPr>
+              <a:t> </a:t>
+            </a:r>
+            <a:r>
+              <a:rPr lang="es-419" sz="900" i="1" dirty="0" err="1">
+                <a:latin typeface="+mn-lt"/>
+                <a:cs typeface="Courier New" panose="02070309020205020404" pitchFamily="49" charset="0"/>
+              </a:rPr>
+              <a:t>cart_id</a:t>
+            </a:r>
+            <a:r>
+              <a:rPr lang="es-419" sz="900" dirty="0">
+                <a:latin typeface="+mn-lt"/>
+                <a:cs typeface="Courier New" panose="02070309020205020404" pitchFamily="49" charset="0"/>
+              </a:rPr>
               <a:t>.</a:t>
             </a:r>
-            <a:endParaRPr lang="en-US" sz="900" dirty="0" smtClean="0">
+            <a:endParaRPr lang="en-US" sz="900" dirty="0">
               <a:latin typeface="+mn-lt"/>
               <a:cs typeface="Courier New" panose="02070309020205020404" pitchFamily="49" charset="0"/>
             </a:endParaRPr>
           </a:p>
           <a:p>
-            <a:endParaRPr lang="es-419" sz="900" dirty="0" smtClean="0">
+            <a:endParaRPr lang="es-419" sz="900" dirty="0">
               <a:latin typeface="Courier New" panose="02070309020205020404" pitchFamily="49" charset="0"/>
               <a:cs typeface="Courier New" panose="02070309020205020404" pitchFamily="49" charset="0"/>
             </a:endParaRPr>
           </a:p>
           <a:p>
-            <a:endParaRPr lang="en-US" sz="900" dirty="0" smtClean="0">
-              <a:latin typeface="Courier New" panose="02070309020205020404" pitchFamily="49" charset="0"/>
-              <a:cs typeface="Courier New" panose="02070309020205020404" pitchFamily="49" charset="0"/>
-            </a:endParaRPr>
-          </a:p>
-          <a:p>
-            <a:r>
-              <a:rPr lang="en-US" sz="900" dirty="0">
-                <a:latin typeface="Courier New" panose="02070309020205020404" pitchFamily="49" charset="0"/>
-                <a:cs typeface="Courier New" panose="02070309020205020404" pitchFamily="49" charset="0"/>
-              </a:rPr>
-              <a:t>SELECT </a:t>
-            </a:r>
-            <a:r>
-              <a:rPr lang="en-US" sz="900" dirty="0" err="1">
-                <a:latin typeface="Courier New" panose="02070309020205020404" pitchFamily="49" charset="0"/>
-                <a:cs typeface="Courier New" panose="02070309020205020404" pitchFamily="49" charset="0"/>
-              </a:rPr>
-              <a:t>c.cart_id</a:t>
-            </a:r>
             <a:endParaRPr lang="en-US" sz="900" dirty="0">
               <a:latin typeface="Courier New" panose="02070309020205020404" pitchFamily="49" charset="0"/>
               <a:cs typeface="Courier New" panose="02070309020205020404" pitchFamily="49" charset="0"/>
@@ -13909,14 +13600,14 @@
                 <a:latin typeface="Courier New" panose="02070309020205020404" pitchFamily="49" charset="0"/>
                 <a:cs typeface="Courier New" panose="02070309020205020404" pitchFamily="49" charset="0"/>
               </a:rPr>
-              <a:t>     , </a:t>
+              <a:t>SELECT </a:t>
             </a:r>
             <a:r>
               <a:rPr lang="en-US" sz="900" dirty="0" err="1">
                 <a:latin typeface="Courier New" panose="02070309020205020404" pitchFamily="49" charset="0"/>
                 <a:cs typeface="Courier New" panose="02070309020205020404" pitchFamily="49" charset="0"/>
               </a:rPr>
-              <a:t>c.created_date</a:t>
+              <a:t>c.cart_id</a:t>
             </a:r>
             <a:endParaRPr lang="en-US" sz="900" dirty="0">
               <a:latin typeface="Courier New" panose="02070309020205020404" pitchFamily="49" charset="0"/>
@@ -13936,21 +13627,7 @@
                 <a:latin typeface="Courier New" panose="02070309020205020404" pitchFamily="49" charset="0"/>
                 <a:cs typeface="Courier New" panose="02070309020205020404" pitchFamily="49" charset="0"/>
               </a:rPr>
-              <a:t>s.description</a:t>
-            </a:r>
-            <a:r>
-              <a:rPr lang="en-US" sz="900" dirty="0">
-                <a:latin typeface="Courier New" panose="02070309020205020404" pitchFamily="49" charset="0"/>
-                <a:cs typeface="Courier New" panose="02070309020205020404" pitchFamily="49" charset="0"/>
-              </a:rPr>
-              <a:t> </a:t>
-            </a:r>
-            <a:r>
-              <a:rPr lang="en-US" sz="900" dirty="0" err="1">
-                <a:latin typeface="Courier New" panose="02070309020205020404" pitchFamily="49" charset="0"/>
-                <a:cs typeface="Courier New" panose="02070309020205020404" pitchFamily="49" charset="0"/>
-              </a:rPr>
-              <a:t>cart_status</a:t>
+              <a:t>c.create_date</a:t>
             </a:r>
             <a:endParaRPr lang="en-US" sz="900" dirty="0">
               <a:latin typeface="Courier New" panose="02070309020205020404" pitchFamily="49" charset="0"/>
@@ -13970,7 +13647,21 @@
                 <a:latin typeface="Courier New" panose="02070309020205020404" pitchFamily="49" charset="0"/>
                 <a:cs typeface="Courier New" panose="02070309020205020404" pitchFamily="49" charset="0"/>
               </a:rPr>
-              <a:t>o.order_id</a:t>
+              <a:t>s.description</a:t>
+            </a:r>
+            <a:r>
+              <a:rPr lang="en-US" sz="900" dirty="0">
+                <a:latin typeface="Courier New" panose="02070309020205020404" pitchFamily="49" charset="0"/>
+                <a:cs typeface="Courier New" panose="02070309020205020404" pitchFamily="49" charset="0"/>
+              </a:rPr>
+              <a:t> </a:t>
+            </a:r>
+            <a:r>
+              <a:rPr lang="en-US" sz="900" dirty="0" err="1">
+                <a:latin typeface="Courier New" panose="02070309020205020404" pitchFamily="49" charset="0"/>
+                <a:cs typeface="Courier New" panose="02070309020205020404" pitchFamily="49" charset="0"/>
+              </a:rPr>
+              <a:t>cart_status</a:t>
             </a:r>
             <a:endParaRPr lang="en-US" sz="900" dirty="0">
               <a:latin typeface="Courier New" panose="02070309020205020404" pitchFamily="49" charset="0"/>
@@ -13990,7 +13681,7 @@
                 <a:latin typeface="Courier New" panose="02070309020205020404" pitchFamily="49" charset="0"/>
                 <a:cs typeface="Courier New" panose="02070309020205020404" pitchFamily="49" charset="0"/>
               </a:rPr>
-              <a:t>o.order_date</a:t>
+              <a:t>o.order_id</a:t>
             </a:r>
             <a:endParaRPr lang="en-US" sz="900" dirty="0">
               <a:latin typeface="Courier New" panose="02070309020205020404" pitchFamily="49" charset="0"/>
@@ -14003,46 +13694,14 @@
                 <a:latin typeface="Courier New" panose="02070309020205020404" pitchFamily="49" charset="0"/>
                 <a:cs typeface="Courier New" panose="02070309020205020404" pitchFamily="49" charset="0"/>
               </a:rPr>
-              <a:t>  FROM cart c</a:t>
-            </a:r>
-          </a:p>
-          <a:p>
-            <a:r>
-              <a:rPr lang="en-US" sz="900" dirty="0">
-                <a:latin typeface="Courier New" panose="02070309020205020404" pitchFamily="49" charset="0"/>
-                <a:cs typeface="Courier New" panose="02070309020205020404" pitchFamily="49" charset="0"/>
-              </a:rPr>
-              <a:t> INNER JOIN status s</a:t>
-            </a:r>
-          </a:p>
-          <a:p>
-            <a:r>
-              <a:rPr lang="en-US" sz="900" dirty="0">
-                <a:latin typeface="Courier New" panose="02070309020205020404" pitchFamily="49" charset="0"/>
-                <a:cs typeface="Courier New" panose="02070309020205020404" pitchFamily="49" charset="0"/>
-              </a:rPr>
-              <a:t>    ON </a:t>
+              <a:t>     , </a:t>
             </a:r>
             <a:r>
               <a:rPr lang="en-US" sz="900" dirty="0" err="1">
                 <a:latin typeface="Courier New" panose="02070309020205020404" pitchFamily="49" charset="0"/>
                 <a:cs typeface="Courier New" panose="02070309020205020404" pitchFamily="49" charset="0"/>
               </a:rPr>
-              <a:t>c.status_id</a:t>
-            </a:r>
-            <a:r>
-              <a:rPr lang="en-US" sz="900" dirty="0">
-                <a:latin typeface="Courier New" panose="02070309020205020404" pitchFamily="49" charset="0"/>
-                <a:cs typeface="Courier New" panose="02070309020205020404" pitchFamily="49" charset="0"/>
-              </a:rPr>
-              <a:t> = </a:t>
-            </a:r>
-            <a:r>
-              <a:rPr lang="en-US" sz="900" dirty="0" err="1">
-                <a:latin typeface="Courier New" panose="02070309020205020404" pitchFamily="49" charset="0"/>
-                <a:cs typeface="Courier New" panose="02070309020205020404" pitchFamily="49" charset="0"/>
-              </a:rPr>
-              <a:t>s.status_id</a:t>
+              <a:t>o.order_date</a:t>
             </a:r>
             <a:endParaRPr lang="en-US" sz="900" dirty="0">
               <a:latin typeface="Courier New" panose="02070309020205020404" pitchFamily="49" charset="0"/>
@@ -14055,7 +13714,7 @@
                 <a:latin typeface="Courier New" panose="02070309020205020404" pitchFamily="49" charset="0"/>
                 <a:cs typeface="Courier New" panose="02070309020205020404" pitchFamily="49" charset="0"/>
               </a:rPr>
-              <a:t>  LEFT JOIN orders o</a:t>
+              <a:t>  FROM cart c</a:t>
             </a:r>
           </a:p>
           <a:p>
@@ -14064,6 +13723,15 @@
                 <a:latin typeface="Courier New" panose="02070309020205020404" pitchFamily="49" charset="0"/>
                 <a:cs typeface="Courier New" panose="02070309020205020404" pitchFamily="49" charset="0"/>
               </a:rPr>
+              <a:t> INNER JOIN status s</a:t>
+            </a:r>
+          </a:p>
+          <a:p>
+            <a:r>
+              <a:rPr lang="en-US" sz="900" dirty="0">
+                <a:latin typeface="Courier New" panose="02070309020205020404" pitchFamily="49" charset="0"/>
+                <a:cs typeface="Courier New" panose="02070309020205020404" pitchFamily="49" charset="0"/>
+              </a:rPr>
               <a:t>    ON </a:t>
             </a:r>
             <a:r>
@@ -14071,7 +13739,7 @@
                 <a:latin typeface="Courier New" panose="02070309020205020404" pitchFamily="49" charset="0"/>
                 <a:cs typeface="Courier New" panose="02070309020205020404" pitchFamily="49" charset="0"/>
               </a:rPr>
-              <a:t>c.cart_id</a:t>
+              <a:t>c.status_id</a:t>
             </a:r>
             <a:r>
               <a:rPr lang="en-US" sz="900" dirty="0">
@@ -14085,7 +13753,7 @@
                 <a:latin typeface="Courier New" panose="02070309020205020404" pitchFamily="49" charset="0"/>
                 <a:cs typeface="Courier New" panose="02070309020205020404" pitchFamily="49" charset="0"/>
               </a:rPr>
-              <a:t>o.cart_id</a:t>
+              <a:t>s.status_id</a:t>
             </a:r>
             <a:endParaRPr lang="en-US" sz="900" dirty="0">
               <a:latin typeface="Courier New" panose="02070309020205020404" pitchFamily="49" charset="0"/>
@@ -14098,26 +13766,88 @@
                 <a:latin typeface="Courier New" panose="02070309020205020404" pitchFamily="49" charset="0"/>
                 <a:cs typeface="Courier New" panose="02070309020205020404" pitchFamily="49" charset="0"/>
               </a:rPr>
-              <a:t> WHERE DATE_FORMAT(</a:t>
+              <a:t>  LEFT JOIN orders o</a:t>
+            </a:r>
+          </a:p>
+          <a:p>
+            <a:r>
+              <a:rPr lang="en-US" sz="900" dirty="0">
+                <a:latin typeface="Courier New" panose="02070309020205020404" pitchFamily="49" charset="0"/>
+                <a:cs typeface="Courier New" panose="02070309020205020404" pitchFamily="49" charset="0"/>
+              </a:rPr>
+              <a:t>    ON </a:t>
             </a:r>
             <a:r>
               <a:rPr lang="en-US" sz="900" dirty="0" err="1">
                 <a:latin typeface="Courier New" panose="02070309020205020404" pitchFamily="49" charset="0"/>
                 <a:cs typeface="Courier New" panose="02070309020205020404" pitchFamily="49" charset="0"/>
               </a:rPr>
-              <a:t>c.created_date,'%Y</a:t>
+              <a:t>c.cart_id</a:t>
             </a:r>
             <a:r>
               <a:rPr lang="en-US" sz="900" dirty="0">
                 <a:latin typeface="Courier New" panose="02070309020205020404" pitchFamily="49" charset="0"/>
                 <a:cs typeface="Courier New" panose="02070309020205020404" pitchFamily="49" charset="0"/>
               </a:rPr>
-              <a:t>') = '2015';</a:t>
-            </a:r>
-            <a:endParaRPr lang="en-US" sz="900" dirty="0" smtClean="0">
+              <a:t> = </a:t>
+            </a:r>
+            <a:r>
+              <a:rPr lang="en-US" sz="900" dirty="0" err="1">
+                <a:latin typeface="Courier New" panose="02070309020205020404" pitchFamily="49" charset="0"/>
+                <a:cs typeface="Courier New" panose="02070309020205020404" pitchFamily="49" charset="0"/>
+              </a:rPr>
+              <a:t>o.cart_id</a:t>
+            </a:r>
+            <a:endParaRPr lang="en-US" sz="900" dirty="0">
               <a:latin typeface="Courier New" panose="02070309020205020404" pitchFamily="49" charset="0"/>
               <a:cs typeface="Courier New" panose="02070309020205020404" pitchFamily="49" charset="0"/>
             </a:endParaRPr>
+          </a:p>
+          <a:p>
+            <a:r>
+              <a:rPr lang="en-US" sz="900" dirty="0">
+                <a:latin typeface="Courier New" panose="02070309020205020404" pitchFamily="49" charset="0"/>
+                <a:cs typeface="Courier New" panose="02070309020205020404" pitchFamily="49" charset="0"/>
+              </a:rPr>
+              <a:t> WHERE DATE_FORMAT(</a:t>
+            </a:r>
+            <a:r>
+              <a:rPr lang="en-US" sz="900" dirty="0" err="1">
+                <a:latin typeface="Courier New" panose="02070309020205020404" pitchFamily="49" charset="0"/>
+                <a:cs typeface="Courier New" panose="02070309020205020404" pitchFamily="49" charset="0"/>
+              </a:rPr>
+              <a:t>c.create_date,'%Y</a:t>
+            </a:r>
+            <a:r>
+              <a:rPr lang="en-US" sz="900" dirty="0">
+                <a:latin typeface="Courier New" panose="02070309020205020404" pitchFamily="49" charset="0"/>
+                <a:cs typeface="Courier New" panose="02070309020205020404" pitchFamily="49" charset="0"/>
+              </a:rPr>
+              <a:t>') = '2015'</a:t>
+            </a:r>
+          </a:p>
+          <a:p>
+            <a:r>
+              <a:rPr lang="en-US" sz="900" dirty="0">
+                <a:latin typeface="Courier New" panose="02070309020205020404" pitchFamily="49" charset="0"/>
+                <a:cs typeface="Courier New" panose="02070309020205020404" pitchFamily="49" charset="0"/>
+              </a:rPr>
+              <a:t> ORDER BY </a:t>
+            </a:r>
+            <a:r>
+              <a:rPr lang="en-US" sz="900" dirty="0" err="1">
+                <a:latin typeface="Courier New" panose="02070309020205020404" pitchFamily="49" charset="0"/>
+                <a:cs typeface="Courier New" panose="02070309020205020404" pitchFamily="49" charset="0"/>
+              </a:rPr>
+              <a:t>cart_id</a:t>
+            </a:r>
+            <a:r>
+              <a:rPr lang="en-US" sz="900" dirty="0">
+                <a:latin typeface="Courier New" panose="02070309020205020404" pitchFamily="49" charset="0"/>
+                <a:cs typeface="Courier New" panose="02070309020205020404" pitchFamily="49" charset="0"/>
+              </a:rPr>
+              <a:t>;</a:t>
+            </a:r>
           </a:p>
         </p:txBody>
       </p:sp>
@@ -14262,14 +13992,14 @@
             </a:ln>
             <a:extLst>
               <a:ext uri="{909E8E84-426E-40dd-AFC4-6F175D3DCCD1}">
-                <a14:hiddenFill xmlns="" xmlns:a14="http://schemas.microsoft.com/office/drawing/2010/main">
+                <a14:hiddenFill xmlns:a14="http://schemas.microsoft.com/office/drawing/2010/main" xmlns="">
                   <a:solidFill>
                     <a:srgbClr val="FFFFFF"/>
                   </a:solidFill>
                 </a14:hiddenFill>
               </a:ext>
               <a:ext uri="{91240B29-F687-4f45-9708-019B960494DF}">
-                <a14:hiddenLine xmlns="" xmlns:a14="http://schemas.microsoft.com/office/drawing/2010/main" w="9525">
+                <a14:hiddenLine xmlns:a14="http://schemas.microsoft.com/office/drawing/2010/main" xmlns="" w="9525">
                   <a:solidFill>
                     <a:srgbClr val="000000"/>
                   </a:solidFill>
@@ -14313,35 +14043,6 @@
       </p:grpSp>
       <p:pic>
         <p:nvPicPr>
-          <p:cNvPr id="10" name="Picture 9"/>
-          <p:cNvPicPr>
-            <a:picLocks noChangeAspect="1"/>
-          </p:cNvPicPr>
-          <p:nvPr/>
-        </p:nvPicPr>
-        <p:blipFill>
-          <a:blip r:embed="rId6"/>
-          <a:stretch>
-            <a:fillRect/>
-          </a:stretch>
-        </p:blipFill>
-        <p:spPr>
-          <a:xfrm>
-            <a:off x="3903670" y="3753443"/>
-            <a:ext cx="3332626" cy="2267845"/>
-          </a:xfrm>
-          <a:prstGeom prst="rect">
-            <a:avLst/>
-          </a:prstGeom>
-          <a:ln>
-            <a:solidFill>
-              <a:srgbClr val="3F358B"/>
-            </a:solidFill>
-          </a:ln>
-        </p:spPr>
-      </p:pic>
-      <p:pic>
-        <p:nvPicPr>
           <p:cNvPr id="16" name="Picture 4" descr="Left join image"/>
           <p:cNvPicPr>
             <a:picLocks noChangeAspect="1" noChangeArrowheads="1"/>
@@ -14349,7 +14050,7 @@
           <p:nvPr/>
         </p:nvPicPr>
         <p:blipFill>
-          <a:blip r:embed="rId7">
+          <a:blip r:embed="rId6">
             <a:extLst>
               <a:ext uri="{28A0092B-C50C-407E-A947-70E740481C1C}">
                 <a14:useLocalDpi xmlns:a14="http://schemas.microsoft.com/office/drawing/2010/main" val="0"/>
@@ -14381,6 +14082,35 @@
           </a:extLst>
         </p:spPr>
       </p:pic>
+      <p:pic>
+        <p:nvPicPr>
+          <p:cNvPr id="2" name="Picture 1"/>
+          <p:cNvPicPr>
+            <a:picLocks noChangeAspect="1"/>
+          </p:cNvPicPr>
+          <p:nvPr/>
+        </p:nvPicPr>
+        <p:blipFill>
+          <a:blip r:embed="rId7"/>
+          <a:stretch>
+            <a:fillRect/>
+          </a:stretch>
+        </p:blipFill>
+        <p:spPr>
+          <a:xfrm>
+            <a:off x="3707904" y="3593491"/>
+            <a:ext cx="4116469" cy="2571813"/>
+          </a:xfrm>
+          <a:prstGeom prst="rect">
+            <a:avLst/>
+          </a:prstGeom>
+          <a:ln>
+            <a:solidFill>
+              <a:schemeClr val="accent2"/>
+            </a:solidFill>
+          </a:ln>
+        </p:spPr>
+      </p:pic>
     </p:spTree>
     <p:extLst>
       <p:ext uri="{BB962C8B-B14F-4D97-AF65-F5344CB8AC3E}">
@@ -14391,13 +14121,6 @@
   <p:clrMapOvr>
     <a:masterClrMapping/>
   </p:clrMapOvr>
-  <p:timing>
-    <p:tnLst>
-      <p:par>
-        <p:cTn id="1" dur="indefinite" restart="never" nodeType="tmRoot"/>
-      </p:par>
-    </p:tnLst>
-  </p:timing>
 </p:sld>
 </file>
 
@@ -14439,16 +14162,10 @@
           <a:lstStyle/>
           <a:p>
             <a:r>
-              <a:rPr lang="es-419" sz="2400" dirty="0" smtClean="0">
-                <a:hlinkClick r:id="rId2"/>
-              </a:rPr>
-              <a:t>LEFT </a:t>
-            </a:r>
-            <a:r>
               <a:rPr lang="es-419" sz="2400" dirty="0">
                 <a:hlinkClick r:id="rId2"/>
               </a:rPr>
-              <a:t>(</a:t>
+              <a:t>LEFT (</a:t>
             </a:r>
             <a:r>
               <a:rPr lang="es-419" sz="2400" dirty="0" err="1">
@@ -14460,13 +14177,7 @@
               <a:rPr lang="es-419" sz="2400" dirty="0">
                 <a:hlinkClick r:id="rId2"/>
               </a:rPr>
-              <a:t>)</a:t>
-            </a:r>
-            <a:r>
-              <a:rPr lang="es-419" sz="2400" dirty="0" smtClean="0">
-                <a:hlinkClick r:id="rId2"/>
-              </a:rPr>
-              <a:t> JOIN</a:t>
+              <a:t>) JOIN</a:t>
             </a:r>
             <a:endParaRPr lang="en-US" sz="2400" dirty="0"/>
           </a:p>
@@ -14529,7 +14240,7 @@
           <a:lstStyle/>
           <a:p>
             <a:r>
-              <a:rPr lang="en-US" sz="1100" dirty="0" smtClean="0">
+              <a:rPr lang="en-US" sz="1100" dirty="0">
                 <a:latin typeface="Courier New" panose="02070309020205020404" pitchFamily="49" charset="0"/>
                 <a:cs typeface="Courier New" panose="02070309020205020404" pitchFamily="49" charset="0"/>
               </a:rPr>
@@ -14588,28 +14299,14 @@
                 <a:latin typeface="Courier New" panose="02070309020205020404" pitchFamily="49" charset="0"/>
                 <a:cs typeface="Courier New" panose="02070309020205020404" pitchFamily="49" charset="0"/>
               </a:rPr>
-              <a:t> </a:t>
-            </a:r>
-            <a:r>
-              <a:rPr lang="es-419" sz="1100" dirty="0" smtClean="0">
-                <a:latin typeface="Courier New" panose="02070309020205020404" pitchFamily="49" charset="0"/>
-                <a:cs typeface="Courier New" panose="02070309020205020404" pitchFamily="49" charset="0"/>
-              </a:rPr>
-              <a:t> LEFT</a:t>
-            </a:r>
-            <a:r>
-              <a:rPr lang="en-US" sz="1100" dirty="0" smtClean="0">
-                <a:latin typeface="Courier New" panose="02070309020205020404" pitchFamily="49" charset="0"/>
-                <a:cs typeface="Courier New" panose="02070309020205020404" pitchFamily="49" charset="0"/>
-              </a:rPr>
-              <a:t> </a:t>
+              <a:t>  LEFT</a:t>
             </a:r>
             <a:r>
               <a:rPr lang="en-US" sz="1100" dirty="0">
                 <a:latin typeface="Courier New" panose="02070309020205020404" pitchFamily="49" charset="0"/>
                 <a:cs typeface="Courier New" panose="02070309020205020404" pitchFamily="49" charset="0"/>
               </a:rPr>
-              <a:t>JOIN </a:t>
+              <a:t> JOIN </a:t>
             </a:r>
             <a:r>
               <a:rPr lang="en-US" sz="1100" i="1" dirty="0">
@@ -14648,7 +14345,7 @@
               <a:t> = </a:t>
             </a:r>
             <a:r>
-              <a:rPr lang="en-US" sz="1100" i="1" dirty="0" err="1" smtClean="0">
+              <a:rPr lang="en-US" sz="1100" i="1" dirty="0" err="1">
                 <a:solidFill>
                   <a:srgbClr val="00B050"/>
                 </a:solidFill>
@@ -14657,21 +14354,21 @@
               </a:rPr>
               <a:t>e.dep_id</a:t>
             </a:r>
-            <a:endParaRPr lang="es-419" sz="1100" b="1" dirty="0" smtClean="0">
+            <a:endParaRPr lang="es-419" sz="1100" b="1" dirty="0">
               <a:latin typeface="Courier New" panose="02070309020205020404" pitchFamily="49" charset="0"/>
               <a:cs typeface="Courier New" panose="02070309020205020404" pitchFamily="49" charset="0"/>
             </a:endParaRPr>
           </a:p>
           <a:p>
             <a:r>
-              <a:rPr lang="es-419" sz="1100" dirty="0" smtClean="0">
+              <a:rPr lang="es-419" sz="1100" dirty="0">
                 <a:latin typeface="Courier New" panose="02070309020205020404" pitchFamily="49" charset="0"/>
                 <a:cs typeface="Courier New" panose="02070309020205020404" pitchFamily="49" charset="0"/>
               </a:rPr>
               <a:t> WHERE </a:t>
             </a:r>
             <a:r>
-              <a:rPr lang="en-US" sz="1100" i="1" dirty="0" err="1" smtClean="0">
+              <a:rPr lang="en-US" sz="1100" i="1" dirty="0" err="1">
                 <a:solidFill>
                   <a:srgbClr val="00B050"/>
                 </a:solidFill>
@@ -14681,7 +14378,7 @@
               <a:t>e.dep_id</a:t>
             </a:r>
             <a:r>
-              <a:rPr lang="es-419" sz="1100" i="1" dirty="0" smtClean="0">
+              <a:rPr lang="es-419" sz="1100" i="1" dirty="0">
                 <a:solidFill>
                   <a:srgbClr val="00B050"/>
                 </a:solidFill>
@@ -14691,7 +14388,7 @@
               <a:t> IS NULL</a:t>
             </a:r>
             <a:r>
-              <a:rPr lang="en-US" sz="1100" b="1" dirty="0" smtClean="0">
+              <a:rPr lang="en-US" sz="1100" b="1" dirty="0">
                 <a:latin typeface="Courier New" panose="02070309020205020404" pitchFamily="49" charset="0"/>
                 <a:cs typeface="Courier New" panose="02070309020205020404" pitchFamily="49" charset="0"/>
               </a:rPr>
@@ -14723,95 +14420,25 @@
           <a:lstStyle/>
           <a:p>
             <a:r>
-              <a:rPr lang="es-419" sz="900" dirty="0" smtClean="0">
+              <a:rPr lang="es-419" sz="900" dirty="0">
                 <a:latin typeface="+mn-lt"/>
                 <a:cs typeface="Courier New" panose="02070309020205020404" pitchFamily="49" charset="0"/>
               </a:rPr>
               <a:t>4</a:t>
-            </a:r>
-            <a:r>
-              <a:rPr lang="en-US" sz="900" dirty="0" smtClean="0">
-                <a:latin typeface="+mn-lt"/>
-                <a:cs typeface="Courier New" panose="02070309020205020404" pitchFamily="49" charset="0"/>
-              </a:rPr>
-              <a:t>. </a:t>
             </a:r>
             <a:r>
               <a:rPr lang="en-US" sz="900" dirty="0">
                 <a:latin typeface="+mn-lt"/>
                 <a:cs typeface="Courier New" panose="02070309020205020404" pitchFamily="49" charset="0"/>
               </a:rPr>
-              <a:t>Create a report </a:t>
-            </a:r>
-            <a:r>
-              <a:rPr lang="en-US" sz="900" dirty="0" smtClean="0">
+              <a:t>. Create a report f</a:t>
+            </a:r>
+            <a:r>
+              <a:rPr lang="es-419" sz="900" dirty="0" err="1">
                 <a:latin typeface="+mn-lt"/>
                 <a:cs typeface="Courier New" panose="02070309020205020404" pitchFamily="49" charset="0"/>
               </a:rPr>
-              <a:t>f</a:t>
-            </a:r>
-            <a:r>
-              <a:rPr lang="es-419" sz="900" dirty="0" err="1" smtClean="0">
-                <a:latin typeface="+mn-lt"/>
-                <a:cs typeface="Courier New" panose="02070309020205020404" pitchFamily="49" charset="0"/>
-              </a:rPr>
               <a:t>rom</a:t>
-            </a:r>
-            <a:r>
-              <a:rPr lang="es-419" sz="900" dirty="0" smtClean="0">
-                <a:latin typeface="+mn-lt"/>
-                <a:cs typeface="Courier New" panose="02070309020205020404" pitchFamily="49" charset="0"/>
-              </a:rPr>
-              <a:t> </a:t>
-            </a:r>
-            <a:r>
-              <a:rPr lang="en-US" sz="900" i="1" dirty="0" smtClean="0">
-                <a:latin typeface="+mn-lt"/>
-                <a:cs typeface="Courier New" panose="02070309020205020404" pitchFamily="49" charset="0"/>
-              </a:rPr>
-              <a:t>Carts</a:t>
-            </a:r>
-            <a:r>
-              <a:rPr lang="en-US" sz="900" dirty="0" smtClean="0">
-                <a:latin typeface="+mn-lt"/>
-                <a:cs typeface="Courier New" panose="02070309020205020404" pitchFamily="49" charset="0"/>
-              </a:rPr>
-              <a:t> </a:t>
-            </a:r>
-            <a:r>
-              <a:rPr lang="es-419" sz="900" dirty="0" err="1" smtClean="0">
-                <a:latin typeface="+mn-lt"/>
-                <a:cs typeface="Courier New" panose="02070309020205020404" pitchFamily="49" charset="0"/>
-              </a:rPr>
-              <a:t>created</a:t>
-            </a:r>
-            <a:r>
-              <a:rPr lang="es-419" sz="900" dirty="0" smtClean="0">
-                <a:latin typeface="+mn-lt"/>
-                <a:cs typeface="Courier New" panose="02070309020205020404" pitchFamily="49" charset="0"/>
-              </a:rPr>
-              <a:t> </a:t>
-            </a:r>
-            <a:r>
-              <a:rPr lang="en-US" sz="900" dirty="0" err="1" smtClean="0">
-                <a:latin typeface="+mn-lt"/>
-                <a:cs typeface="Courier New" panose="02070309020205020404" pitchFamily="49" charset="0"/>
-              </a:rPr>
-              <a:t>i</a:t>
-            </a:r>
-            <a:r>
-              <a:rPr lang="es-419" sz="900" dirty="0" smtClean="0">
-                <a:latin typeface="+mn-lt"/>
-                <a:cs typeface="Courier New" panose="02070309020205020404" pitchFamily="49" charset="0"/>
-              </a:rPr>
-              <a:t>n 2015 </a:t>
-            </a:r>
-            <a:r>
-              <a:rPr lang="es-419" sz="900" dirty="0" err="1" smtClean="0">
-                <a:latin typeface="+mn-lt"/>
-                <a:cs typeface="Courier New" panose="02070309020205020404" pitchFamily="49" charset="0"/>
-              </a:rPr>
-              <a:t>that</a:t>
             </a:r>
             <a:r>
               <a:rPr lang="es-419" sz="900" dirty="0">
@@ -14821,11 +14448,25 @@
               <a:t> </a:t>
             </a:r>
             <a:r>
+              <a:rPr lang="en-US" sz="900" i="1" dirty="0">
+                <a:latin typeface="+mn-lt"/>
+                <a:cs typeface="Courier New" panose="02070309020205020404" pitchFamily="49" charset="0"/>
+              </a:rPr>
+              <a:t>Carts</a:t>
+            </a:r>
+            <a:r>
+              <a:rPr lang="en-US" sz="900" dirty="0">
+                <a:latin typeface="+mn-lt"/>
+                <a:cs typeface="Courier New" panose="02070309020205020404" pitchFamily="49" charset="0"/>
+              </a:rPr>
+              <a:t> </a:t>
+            </a:r>
+            <a:r>
               <a:rPr lang="es-419" sz="900" dirty="0" err="1">
                 <a:latin typeface="+mn-lt"/>
                 <a:cs typeface="Courier New" panose="02070309020205020404" pitchFamily="49" charset="0"/>
               </a:rPr>
-              <a:t>don't</a:t>
+              <a:t>created</a:t>
             </a:r>
             <a:r>
               <a:rPr lang="es-419" sz="900" dirty="0">
@@ -14835,121 +14476,143 @@
               <a:t> </a:t>
             </a:r>
             <a:r>
-              <a:rPr lang="es-419" sz="900" dirty="0" err="1" smtClean="0">
+              <a:rPr lang="en-US" sz="900" dirty="0" err="1">
                 <a:latin typeface="+mn-lt"/>
                 <a:cs typeface="Courier New" panose="02070309020205020404" pitchFamily="49" charset="0"/>
               </a:rPr>
+              <a:t>i</a:t>
+            </a:r>
+            <a:r>
+              <a:rPr lang="es-419" sz="900" dirty="0">
+                <a:latin typeface="+mn-lt"/>
+                <a:cs typeface="Courier New" panose="02070309020205020404" pitchFamily="49" charset="0"/>
+              </a:rPr>
+              <a:t>n 2015 </a:t>
+            </a:r>
+            <a:r>
+              <a:rPr lang="es-419" sz="900" dirty="0" err="1">
+                <a:latin typeface="+mn-lt"/>
+                <a:cs typeface="Courier New" panose="02070309020205020404" pitchFamily="49" charset="0"/>
+              </a:rPr>
+              <a:t>that</a:t>
+            </a:r>
+            <a:r>
+              <a:rPr lang="es-419" sz="900" dirty="0">
+                <a:latin typeface="+mn-lt"/>
+                <a:cs typeface="Courier New" panose="02070309020205020404" pitchFamily="49" charset="0"/>
+              </a:rPr>
+              <a:t> </a:t>
+            </a:r>
+            <a:r>
+              <a:rPr lang="es-419" sz="900" dirty="0" err="1">
+                <a:latin typeface="+mn-lt"/>
+                <a:cs typeface="Courier New" panose="02070309020205020404" pitchFamily="49" charset="0"/>
+              </a:rPr>
+              <a:t>don't</a:t>
+            </a:r>
+            <a:r>
+              <a:rPr lang="es-419" sz="900" dirty="0">
+                <a:latin typeface="+mn-lt"/>
+                <a:cs typeface="Courier New" panose="02070309020205020404" pitchFamily="49" charset="0"/>
+              </a:rPr>
+              <a:t> </a:t>
+            </a:r>
+            <a:r>
+              <a:rPr lang="es-419" sz="900" dirty="0" err="1">
+                <a:latin typeface="+mn-lt"/>
+                <a:cs typeface="Courier New" panose="02070309020205020404" pitchFamily="49" charset="0"/>
+              </a:rPr>
               <a:t>have</a:t>
             </a:r>
             <a:r>
-              <a:rPr lang="es-419" sz="900" dirty="0" smtClean="0">
+              <a:rPr lang="es-419" sz="900" dirty="0">
                 <a:latin typeface="+mn-lt"/>
                 <a:cs typeface="Courier New" panose="02070309020205020404" pitchFamily="49" charset="0"/>
               </a:rPr>
               <a:t> </a:t>
             </a:r>
             <a:r>
-              <a:rPr lang="es-419" sz="900" dirty="0" err="1" smtClean="0">
+              <a:rPr lang="es-419" sz="900" dirty="0" err="1">
                 <a:latin typeface="+mn-lt"/>
                 <a:cs typeface="Courier New" panose="02070309020205020404" pitchFamily="49" charset="0"/>
               </a:rPr>
               <a:t>any</a:t>
             </a:r>
             <a:r>
-              <a:rPr lang="es-419" sz="900" dirty="0" smtClean="0">
+              <a:rPr lang="es-419" sz="900" dirty="0">
                 <a:latin typeface="+mn-lt"/>
                 <a:cs typeface="Courier New" panose="02070309020205020404" pitchFamily="49" charset="0"/>
               </a:rPr>
               <a:t> </a:t>
             </a:r>
             <a:r>
-              <a:rPr lang="es-419" sz="900" i="1" dirty="0" err="1" smtClean="0">
+              <a:rPr lang="es-419" sz="900" i="1" dirty="0" err="1">
                 <a:latin typeface="+mn-lt"/>
                 <a:cs typeface="Courier New" panose="02070309020205020404" pitchFamily="49" charset="0"/>
               </a:rPr>
               <a:t>Order</a:t>
             </a:r>
             <a:r>
-              <a:rPr lang="es-419" sz="900" dirty="0" smtClean="0">
+              <a:rPr lang="es-419" sz="900" dirty="0">
                 <a:latin typeface="+mn-lt"/>
                 <a:cs typeface="Courier New" panose="02070309020205020404" pitchFamily="49" charset="0"/>
               </a:rPr>
               <a:t>. </a:t>
             </a:r>
             <a:r>
-              <a:rPr lang="es-419" sz="900" dirty="0" err="1" smtClean="0">
+              <a:rPr lang="es-419" sz="900" dirty="0" err="1">
                 <a:latin typeface="+mn-lt"/>
                 <a:cs typeface="Courier New" panose="02070309020205020404" pitchFamily="49" charset="0"/>
               </a:rPr>
               <a:t>Include</a:t>
             </a:r>
             <a:r>
-              <a:rPr lang="en-US" sz="900" dirty="0" smtClean="0">
+              <a:rPr lang="en-US" sz="900" dirty="0">
                 <a:latin typeface="+mn-lt"/>
                 <a:cs typeface="Courier New" panose="02070309020205020404" pitchFamily="49" charset="0"/>
               </a:rPr>
               <a:t> </a:t>
             </a:r>
             <a:r>
-              <a:rPr lang="es-419" sz="900" dirty="0" err="1" smtClean="0">
+              <a:rPr lang="es-419" sz="900" dirty="0" err="1">
                 <a:latin typeface="+mn-lt"/>
                 <a:cs typeface="Courier New" panose="02070309020205020404" pitchFamily="49" charset="0"/>
               </a:rPr>
               <a:t>their</a:t>
             </a:r>
             <a:r>
-              <a:rPr lang="es-419" sz="900" dirty="0" smtClean="0">
+              <a:rPr lang="es-419" sz="900" dirty="0">
                 <a:latin typeface="+mn-lt"/>
                 <a:cs typeface="Courier New" panose="02070309020205020404" pitchFamily="49" charset="0"/>
               </a:rPr>
               <a:t> </a:t>
             </a:r>
             <a:r>
-              <a:rPr lang="en-US" sz="900" dirty="0" smtClean="0">
+              <a:rPr lang="en-US" sz="900" dirty="0">
                 <a:latin typeface="+mn-lt"/>
                 <a:cs typeface="Courier New" panose="02070309020205020404" pitchFamily="49" charset="0"/>
               </a:rPr>
               <a:t>Status</a:t>
             </a:r>
             <a:r>
-              <a:rPr lang="es-419" sz="900" dirty="0" smtClean="0">
+              <a:rPr lang="es-419" sz="900" dirty="0">
                 <a:latin typeface="+mn-lt"/>
                 <a:cs typeface="Courier New" panose="02070309020205020404" pitchFamily="49" charset="0"/>
               </a:rPr>
               <a:t>.</a:t>
             </a:r>
-            <a:endParaRPr lang="en-US" sz="900" dirty="0" smtClean="0">
+            <a:endParaRPr lang="en-US" sz="900" dirty="0">
               <a:latin typeface="+mn-lt"/>
               <a:cs typeface="Courier New" panose="02070309020205020404" pitchFamily="49" charset="0"/>
             </a:endParaRPr>
           </a:p>
           <a:p>
-            <a:endParaRPr lang="es-419" sz="900" dirty="0" smtClean="0">
+            <a:endParaRPr lang="es-419" sz="900" dirty="0">
               <a:latin typeface="Courier New" panose="02070309020205020404" pitchFamily="49" charset="0"/>
               <a:cs typeface="Courier New" panose="02070309020205020404" pitchFamily="49" charset="0"/>
             </a:endParaRPr>
           </a:p>
           <a:p>
-            <a:endParaRPr lang="en-US" sz="900" dirty="0" smtClean="0">
-              <a:latin typeface="Courier New" panose="02070309020205020404" pitchFamily="49" charset="0"/>
-              <a:cs typeface="Courier New" panose="02070309020205020404" pitchFamily="49" charset="0"/>
-            </a:endParaRPr>
-          </a:p>
-          <a:p>
-            <a:r>
-              <a:rPr lang="en-US" sz="900" dirty="0">
-                <a:latin typeface="Courier New" panose="02070309020205020404" pitchFamily="49" charset="0"/>
-                <a:cs typeface="Courier New" panose="02070309020205020404" pitchFamily="49" charset="0"/>
-              </a:rPr>
-              <a:t>SELECT </a:t>
-            </a:r>
-            <a:r>
-              <a:rPr lang="en-US" sz="900" dirty="0" err="1">
-                <a:latin typeface="Courier New" panose="02070309020205020404" pitchFamily="49" charset="0"/>
-                <a:cs typeface="Courier New" panose="02070309020205020404" pitchFamily="49" charset="0"/>
-              </a:rPr>
-              <a:t>c.cart_id</a:t>
-            </a:r>
             <a:endParaRPr lang="en-US" sz="900" dirty="0">
               <a:latin typeface="Courier New" panose="02070309020205020404" pitchFamily="49" charset="0"/>
               <a:cs typeface="Courier New" panose="02070309020205020404" pitchFamily="49" charset="0"/>
@@ -14961,14 +14624,14 @@
                 <a:latin typeface="Courier New" panose="02070309020205020404" pitchFamily="49" charset="0"/>
                 <a:cs typeface="Courier New" panose="02070309020205020404" pitchFamily="49" charset="0"/>
               </a:rPr>
-              <a:t>     , </a:t>
+              <a:t>SELECT </a:t>
             </a:r>
             <a:r>
               <a:rPr lang="en-US" sz="900" dirty="0" err="1">
                 <a:latin typeface="Courier New" panose="02070309020205020404" pitchFamily="49" charset="0"/>
                 <a:cs typeface="Courier New" panose="02070309020205020404" pitchFamily="49" charset="0"/>
               </a:rPr>
-              <a:t>c.lines_amount</a:t>
+              <a:t>c.cart_id</a:t>
             </a:r>
             <a:endParaRPr lang="en-US" sz="900" dirty="0">
               <a:latin typeface="Courier New" panose="02070309020205020404" pitchFamily="49" charset="0"/>
@@ -14988,7 +14651,7 @@
                 <a:latin typeface="Courier New" panose="02070309020205020404" pitchFamily="49" charset="0"/>
                 <a:cs typeface="Courier New" panose="02070309020205020404" pitchFamily="49" charset="0"/>
               </a:rPr>
-              <a:t>c.shipping_amount</a:t>
+              <a:t>c.lines_amount</a:t>
             </a:r>
             <a:endParaRPr lang="en-US" sz="900" dirty="0">
               <a:latin typeface="Courier New" panose="02070309020205020404" pitchFamily="49" charset="0"/>
@@ -15008,7 +14671,7 @@
                 <a:latin typeface="Courier New" panose="02070309020205020404" pitchFamily="49" charset="0"/>
                 <a:cs typeface="Courier New" panose="02070309020205020404" pitchFamily="49" charset="0"/>
               </a:rPr>
-              <a:t>c.cart_amount</a:t>
+              <a:t>c.shipping_amount</a:t>
             </a:r>
             <a:endParaRPr lang="en-US" sz="900" dirty="0">
               <a:latin typeface="Courier New" panose="02070309020205020404" pitchFamily="49" charset="0"/>
@@ -15028,7 +14691,7 @@
                 <a:latin typeface="Courier New" panose="02070309020205020404" pitchFamily="49" charset="0"/>
                 <a:cs typeface="Courier New" panose="02070309020205020404" pitchFamily="49" charset="0"/>
               </a:rPr>
-              <a:t>c.created_date</a:t>
+              <a:t>c.cart_amount</a:t>
             </a:r>
             <a:endParaRPr lang="en-US" sz="900" dirty="0">
               <a:latin typeface="Courier New" panose="02070309020205020404" pitchFamily="49" charset="0"/>
@@ -15048,21 +14711,7 @@
                 <a:latin typeface="Courier New" panose="02070309020205020404" pitchFamily="49" charset="0"/>
                 <a:cs typeface="Courier New" panose="02070309020205020404" pitchFamily="49" charset="0"/>
               </a:rPr>
-              <a:t>s.description</a:t>
-            </a:r>
-            <a:r>
-              <a:rPr lang="en-US" sz="900" dirty="0">
-                <a:latin typeface="Courier New" panose="02070309020205020404" pitchFamily="49" charset="0"/>
-                <a:cs typeface="Courier New" panose="02070309020205020404" pitchFamily="49" charset="0"/>
-              </a:rPr>
-              <a:t> </a:t>
-            </a:r>
-            <a:r>
-              <a:rPr lang="en-US" sz="900" dirty="0" err="1">
-                <a:latin typeface="Courier New" panose="02070309020205020404" pitchFamily="49" charset="0"/>
-                <a:cs typeface="Courier New" panose="02070309020205020404" pitchFamily="49" charset="0"/>
-              </a:rPr>
-              <a:t>cart_status</a:t>
+              <a:t>c.created_date</a:t>
             </a:r>
             <a:endParaRPr lang="en-US" sz="900" dirty="0">
               <a:latin typeface="Courier New" panose="02070309020205020404" pitchFamily="49" charset="0"/>
@@ -15075,46 +14724,28 @@
                 <a:latin typeface="Courier New" panose="02070309020205020404" pitchFamily="49" charset="0"/>
                 <a:cs typeface="Courier New" panose="02070309020205020404" pitchFamily="49" charset="0"/>
               </a:rPr>
-              <a:t>  FROM cart c</a:t>
-            </a:r>
-          </a:p>
-          <a:p>
+              <a:t>     , </a:t>
+            </a:r>
+            <a:r>
+              <a:rPr lang="en-US" sz="900" dirty="0" err="1">
+                <a:latin typeface="Courier New" panose="02070309020205020404" pitchFamily="49" charset="0"/>
+                <a:cs typeface="Courier New" panose="02070309020205020404" pitchFamily="49" charset="0"/>
+              </a:rPr>
+              <a:t>s.description</a:t>
+            </a:r>
             <a:r>
               <a:rPr lang="en-US" sz="900" dirty="0">
                 <a:latin typeface="Courier New" panose="02070309020205020404" pitchFamily="49" charset="0"/>
                 <a:cs typeface="Courier New" panose="02070309020205020404" pitchFamily="49" charset="0"/>
               </a:rPr>
-              <a:t> INNER JOIN status s</a:t>
-            </a:r>
-          </a:p>
-          <a:p>
-            <a:r>
-              <a:rPr lang="en-US" sz="900" dirty="0">
-                <a:latin typeface="Courier New" panose="02070309020205020404" pitchFamily="49" charset="0"/>
-                <a:cs typeface="Courier New" panose="02070309020205020404" pitchFamily="49" charset="0"/>
-              </a:rPr>
-              <a:t>    ON </a:t>
+              <a:t> </a:t>
             </a:r>
             <a:r>
               <a:rPr lang="en-US" sz="900" dirty="0" err="1">
                 <a:latin typeface="Courier New" panose="02070309020205020404" pitchFamily="49" charset="0"/>
                 <a:cs typeface="Courier New" panose="02070309020205020404" pitchFamily="49" charset="0"/>
               </a:rPr>
-              <a:t>c.status_id</a:t>
-            </a:r>
-            <a:r>
-              <a:rPr lang="en-US" sz="900" dirty="0">
-                <a:latin typeface="Courier New" panose="02070309020205020404" pitchFamily="49" charset="0"/>
-                <a:cs typeface="Courier New" panose="02070309020205020404" pitchFamily="49" charset="0"/>
-              </a:rPr>
-              <a:t> = </a:t>
-            </a:r>
-            <a:r>
-              <a:rPr lang="en-US" sz="900" dirty="0" err="1">
-                <a:latin typeface="Courier New" panose="02070309020205020404" pitchFamily="49" charset="0"/>
-                <a:cs typeface="Courier New" panose="02070309020205020404" pitchFamily="49" charset="0"/>
-              </a:rPr>
-              <a:t>s.status_id</a:t>
+              <a:t>cart_status</a:t>
             </a:r>
             <a:endParaRPr lang="en-US" sz="900" dirty="0">
               <a:latin typeface="Courier New" panose="02070309020205020404" pitchFamily="49" charset="0"/>
@@ -15127,7 +14758,7 @@
                 <a:latin typeface="Courier New" panose="02070309020205020404" pitchFamily="49" charset="0"/>
                 <a:cs typeface="Courier New" panose="02070309020205020404" pitchFamily="49" charset="0"/>
               </a:rPr>
-              <a:t>  LEFT JOIN orders o</a:t>
+              <a:t>  FROM cart c</a:t>
             </a:r>
           </a:p>
           <a:p>
@@ -15136,6 +14767,15 @@
                 <a:latin typeface="Courier New" panose="02070309020205020404" pitchFamily="49" charset="0"/>
                 <a:cs typeface="Courier New" panose="02070309020205020404" pitchFamily="49" charset="0"/>
               </a:rPr>
+              <a:t> INNER JOIN status s</a:t>
+            </a:r>
+          </a:p>
+          <a:p>
+            <a:r>
+              <a:rPr lang="en-US" sz="900" dirty="0">
+                <a:latin typeface="Courier New" panose="02070309020205020404" pitchFamily="49" charset="0"/>
+                <a:cs typeface="Courier New" panose="02070309020205020404" pitchFamily="49" charset="0"/>
+              </a:rPr>
               <a:t>    ON </a:t>
             </a:r>
             <a:r>
@@ -15143,7 +14783,7 @@
                 <a:latin typeface="Courier New" panose="02070309020205020404" pitchFamily="49" charset="0"/>
                 <a:cs typeface="Courier New" panose="02070309020205020404" pitchFamily="49" charset="0"/>
               </a:rPr>
-              <a:t>c.cart_id</a:t>
+              <a:t>c.status_id</a:t>
             </a:r>
             <a:r>
               <a:rPr lang="en-US" sz="900" dirty="0">
@@ -15157,7 +14797,7 @@
                 <a:latin typeface="Courier New" panose="02070309020205020404" pitchFamily="49" charset="0"/>
                 <a:cs typeface="Courier New" panose="02070309020205020404" pitchFamily="49" charset="0"/>
               </a:rPr>
-              <a:t>o.cart_id</a:t>
+              <a:t>s.status_id</a:t>
             </a:r>
             <a:endParaRPr lang="en-US" sz="900" dirty="0">
               <a:latin typeface="Courier New" panose="02070309020205020404" pitchFamily="49" charset="0"/>
@@ -15170,49 +14810,88 @@
                 <a:latin typeface="Courier New" panose="02070309020205020404" pitchFamily="49" charset="0"/>
                 <a:cs typeface="Courier New" panose="02070309020205020404" pitchFamily="49" charset="0"/>
               </a:rPr>
-              <a:t> WHERE DATE_FORMAT(</a:t>
+              <a:t>  LEFT JOIN orders o</a:t>
+            </a:r>
+          </a:p>
+          <a:p>
+            <a:r>
+              <a:rPr lang="en-US" sz="900" dirty="0">
+                <a:latin typeface="Courier New" panose="02070309020205020404" pitchFamily="49" charset="0"/>
+                <a:cs typeface="Courier New" panose="02070309020205020404" pitchFamily="49" charset="0"/>
+              </a:rPr>
+              <a:t>    ON </a:t>
             </a:r>
             <a:r>
               <a:rPr lang="en-US" sz="900" dirty="0" err="1">
                 <a:latin typeface="Courier New" panose="02070309020205020404" pitchFamily="49" charset="0"/>
                 <a:cs typeface="Courier New" panose="02070309020205020404" pitchFamily="49" charset="0"/>
               </a:rPr>
-              <a:t>c.created_date,'%Y</a:t>
+              <a:t>c.cart_id</a:t>
             </a:r>
             <a:r>
               <a:rPr lang="en-US" sz="900" dirty="0">
                 <a:latin typeface="Courier New" panose="02070309020205020404" pitchFamily="49" charset="0"/>
                 <a:cs typeface="Courier New" panose="02070309020205020404" pitchFamily="49" charset="0"/>
               </a:rPr>
-              <a:t>') = '2015'</a:t>
-            </a:r>
-          </a:p>
-          <a:p>
-            <a:r>
-              <a:rPr lang="en-US" sz="900" dirty="0">
-                <a:latin typeface="Courier New" panose="02070309020205020404" pitchFamily="49" charset="0"/>
-                <a:cs typeface="Courier New" panose="02070309020205020404" pitchFamily="49" charset="0"/>
-              </a:rPr>
-              <a:t>   AND </a:t>
+              <a:t> = </a:t>
             </a:r>
             <a:r>
               <a:rPr lang="en-US" sz="900" dirty="0" err="1">
                 <a:latin typeface="Courier New" panose="02070309020205020404" pitchFamily="49" charset="0"/>
                 <a:cs typeface="Courier New" panose="02070309020205020404" pitchFamily="49" charset="0"/>
               </a:rPr>
-              <a:t>o.order_id</a:t>
-            </a:r>
-            <a:r>
-              <a:rPr lang="en-US" sz="900" dirty="0">
-                <a:latin typeface="Courier New" panose="02070309020205020404" pitchFamily="49" charset="0"/>
-                <a:cs typeface="Courier New" panose="02070309020205020404" pitchFamily="49" charset="0"/>
-              </a:rPr>
-              <a:t> IS NULL;</a:t>
-            </a:r>
-            <a:endParaRPr lang="en-US" sz="900" dirty="0" smtClean="0">
+              <a:t>o.cart_id</a:t>
+            </a:r>
+            <a:endParaRPr lang="en-US" sz="900" dirty="0">
               <a:latin typeface="Courier New" panose="02070309020205020404" pitchFamily="49" charset="0"/>
               <a:cs typeface="Courier New" panose="02070309020205020404" pitchFamily="49" charset="0"/>
             </a:endParaRPr>
+          </a:p>
+          <a:p>
+            <a:r>
+              <a:rPr lang="en-US" sz="900" dirty="0">
+                <a:latin typeface="Courier New" panose="02070309020205020404" pitchFamily="49" charset="0"/>
+                <a:cs typeface="Courier New" panose="02070309020205020404" pitchFamily="49" charset="0"/>
+              </a:rPr>
+              <a:t> WHERE DATE_FORMAT(</a:t>
+            </a:r>
+            <a:r>
+              <a:rPr lang="en-US" sz="900" dirty="0" err="1">
+                <a:latin typeface="Courier New" panose="02070309020205020404" pitchFamily="49" charset="0"/>
+                <a:cs typeface="Courier New" panose="02070309020205020404" pitchFamily="49" charset="0"/>
+              </a:rPr>
+              <a:t>c.created_date,'%Y</a:t>
+            </a:r>
+            <a:r>
+              <a:rPr lang="en-US" sz="900" dirty="0">
+                <a:latin typeface="Courier New" panose="02070309020205020404" pitchFamily="49" charset="0"/>
+                <a:cs typeface="Courier New" panose="02070309020205020404" pitchFamily="49" charset="0"/>
+              </a:rPr>
+              <a:t>') = '2015'</a:t>
+            </a:r>
+          </a:p>
+          <a:p>
+            <a:r>
+              <a:rPr lang="en-US" sz="900" dirty="0">
+                <a:latin typeface="Courier New" panose="02070309020205020404" pitchFamily="49" charset="0"/>
+                <a:cs typeface="Courier New" panose="02070309020205020404" pitchFamily="49" charset="0"/>
+              </a:rPr>
+              <a:t>   AND </a:t>
+            </a:r>
+            <a:r>
+              <a:rPr lang="en-US" sz="900" dirty="0" err="1">
+                <a:latin typeface="Courier New" panose="02070309020205020404" pitchFamily="49" charset="0"/>
+                <a:cs typeface="Courier New" panose="02070309020205020404" pitchFamily="49" charset="0"/>
+              </a:rPr>
+              <a:t>o.order_id</a:t>
+            </a:r>
+            <a:r>
+              <a:rPr lang="en-US" sz="900" dirty="0">
+                <a:latin typeface="Courier New" panose="02070309020205020404" pitchFamily="49" charset="0"/>
+                <a:cs typeface="Courier New" panose="02070309020205020404" pitchFamily="49" charset="0"/>
+              </a:rPr>
+              <a:t> IS NULL;</a:t>
+            </a:r>
           </a:p>
         </p:txBody>
       </p:sp>
@@ -15357,14 +15036,14 @@
             </a:ln>
             <a:extLst>
               <a:ext uri="{909E8E84-426E-40dd-AFC4-6F175D3DCCD1}">
-                <a14:hiddenFill xmlns="" xmlns:a14="http://schemas.microsoft.com/office/drawing/2010/main">
+                <a14:hiddenFill xmlns:a14="http://schemas.microsoft.com/office/drawing/2010/main" xmlns="">
                   <a:solidFill>
                     <a:srgbClr val="FFFFFF"/>
                   </a:solidFill>
                 </a14:hiddenFill>
               </a:ext>
               <a:ext uri="{91240B29-F687-4f45-9708-019B960494DF}">
-                <a14:hiddenLine xmlns="" xmlns:a14="http://schemas.microsoft.com/office/drawing/2010/main" w="9525">
+                <a14:hiddenLine xmlns:a14="http://schemas.microsoft.com/office/drawing/2010/main" xmlns="" w="9525">
                   <a:solidFill>
                     <a:srgbClr val="000000"/>
                   </a:solidFill>
@@ -15408,35 +15087,6 @@
       </p:grpSp>
       <p:pic>
         <p:nvPicPr>
-          <p:cNvPr id="16" name="Picture 15"/>
-          <p:cNvPicPr>
-            <a:picLocks noChangeAspect="1"/>
-          </p:cNvPicPr>
-          <p:nvPr/>
-        </p:nvPicPr>
-        <p:blipFill>
-          <a:blip r:embed="rId6"/>
-          <a:stretch>
-            <a:fillRect/>
-          </a:stretch>
-        </p:blipFill>
-        <p:spPr>
-          <a:xfrm>
-            <a:off x="3444742" y="4653136"/>
-            <a:ext cx="5159706" cy="504056"/>
-          </a:xfrm>
-          <a:prstGeom prst="rect">
-            <a:avLst/>
-          </a:prstGeom>
-          <a:ln>
-            <a:solidFill>
-              <a:srgbClr val="3F358B"/>
-            </a:solidFill>
-          </a:ln>
-        </p:spPr>
-      </p:pic>
-      <p:pic>
-        <p:nvPicPr>
           <p:cNvPr id="23" name="Picture 6" descr="Left excluding join image"/>
           <p:cNvPicPr>
             <a:picLocks noChangeAspect="1" noChangeArrowheads="1"/>
@@ -15444,7 +15094,7 @@
           <p:nvPr/>
         </p:nvPicPr>
         <p:blipFill>
-          <a:blip r:embed="rId7">
+          <a:blip r:embed="rId6">
             <a:extLst>
               <a:ext uri="{28A0092B-C50C-407E-A947-70E740481C1C}">
                 <a14:useLocalDpi xmlns:a14="http://schemas.microsoft.com/office/drawing/2010/main" val="0"/>
@@ -15476,6 +15126,35 @@
           </a:extLst>
         </p:spPr>
       </p:pic>
+      <p:pic>
+        <p:nvPicPr>
+          <p:cNvPr id="2" name="Picture 1"/>
+          <p:cNvPicPr>
+            <a:picLocks noChangeAspect="1"/>
+          </p:cNvPicPr>
+          <p:nvPr/>
+        </p:nvPicPr>
+        <p:blipFill>
+          <a:blip r:embed="rId7"/>
+          <a:stretch>
+            <a:fillRect/>
+          </a:stretch>
+        </p:blipFill>
+        <p:spPr>
+          <a:xfrm>
+            <a:off x="2973849" y="4653136"/>
+            <a:ext cx="5846623" cy="556356"/>
+          </a:xfrm>
+          <a:prstGeom prst="rect">
+            <a:avLst/>
+          </a:prstGeom>
+          <a:ln>
+            <a:solidFill>
+              <a:srgbClr val="3F358B"/>
+            </a:solidFill>
+          </a:ln>
+        </p:spPr>
+      </p:pic>
     </p:spTree>
     <p:extLst>
       <p:ext uri="{BB962C8B-B14F-4D97-AF65-F5344CB8AC3E}">
@@ -15486,13 +15165,6 @@
   <p:clrMapOvr>
     <a:masterClrMapping/>
   </p:clrMapOvr>
-  <p:timing>
-    <p:tnLst>
-      <p:par>
-        <p:cTn id="1" dur="indefinite" restart="never" nodeType="tmRoot"/>
-      </p:par>
-    </p:tnLst>
-  </p:timing>
 </p:sld>
 </file>
 
@@ -15535,7 +15207,7 @@
           <a:p>
             <a:pPr algn="l"/>
             <a:r>
-              <a:rPr lang="es-419" sz="2400" dirty="0" smtClean="0">
+              <a:rPr lang="es-419" sz="2400" dirty="0">
                 <a:latin typeface="+mj-lt"/>
                 <a:hlinkClick r:id="rId2"/>
               </a:rPr>
@@ -15603,7 +15275,7 @@
           </a:bodyPr>
           <a:lstStyle/>
           <a:p>
-            <a:endParaRPr lang="en-US" sz="1100" dirty="0" smtClean="0">
+            <a:endParaRPr lang="en-US" sz="1100" dirty="0">
               <a:latin typeface="Courier New" panose="02070309020205020404" pitchFamily="49" charset="0"/>
               <a:cs typeface="Courier New" panose="02070309020205020404" pitchFamily="49" charset="0"/>
             </a:endParaRPr>
@@ -15672,25 +15344,18 @@
               <a:t> </a:t>
             </a:r>
             <a:r>
-              <a:rPr lang="es-419" sz="1100" dirty="0" smtClean="0">
+              <a:rPr lang="es-419" sz="1100" dirty="0">
                 <a:latin typeface="Courier New" panose="02070309020205020404" pitchFamily="49" charset="0"/>
                 <a:cs typeface="Courier New" panose="02070309020205020404" pitchFamily="49" charset="0"/>
               </a:rPr>
               <a:t>RIGHT</a:t>
             </a:r>
             <a:r>
-              <a:rPr lang="en-US" sz="1100" dirty="0" smtClean="0">
-                <a:latin typeface="Courier New" panose="02070309020205020404" pitchFamily="49" charset="0"/>
-                <a:cs typeface="Courier New" panose="02070309020205020404" pitchFamily="49" charset="0"/>
-              </a:rPr>
-              <a:t> </a:t>
-            </a:r>
-            <a:r>
               <a:rPr lang="en-US" sz="1100" dirty="0">
                 <a:latin typeface="Courier New" panose="02070309020205020404" pitchFamily="49" charset="0"/>
                 <a:cs typeface="Courier New" panose="02070309020205020404" pitchFamily="49" charset="0"/>
               </a:rPr>
-              <a:t>JOIN </a:t>
+              <a:t> JOIN </a:t>
             </a:r>
             <a:r>
               <a:rPr lang="en-US" sz="1100" i="1" dirty="0">
@@ -15729,7 +15394,7 @@
               <a:t> = </a:t>
             </a:r>
             <a:r>
-              <a:rPr lang="en-US" sz="1100" i="1" dirty="0" err="1" smtClean="0">
+              <a:rPr lang="en-US" sz="1100" i="1" dirty="0" err="1">
                 <a:solidFill>
                   <a:srgbClr val="00B050"/>
                 </a:solidFill>
@@ -15739,7 +15404,7 @@
               <a:t>e.dep_id</a:t>
             </a:r>
             <a:r>
-              <a:rPr lang="en-US" sz="1100" b="1" dirty="0" smtClean="0">
+              <a:rPr lang="en-US" sz="1100" b="1" dirty="0">
                 <a:latin typeface="Courier New" panose="02070309020205020404" pitchFamily="49" charset="0"/>
                 <a:cs typeface="Courier New" panose="02070309020205020404" pitchFamily="49" charset="0"/>
               </a:rPr>
@@ -15757,7 +15422,7 @@
         <p:spPr>
           <a:xfrm>
             <a:off x="179512" y="3973413"/>
-            <a:ext cx="2376264" cy="1615827"/>
+            <a:ext cx="2952328" cy="1615827"/>
           </a:xfrm>
           <a:prstGeom prst="rect">
             <a:avLst/>
@@ -15771,130 +15436,39 @@
           <a:lstStyle/>
           <a:p>
             <a:r>
-              <a:rPr lang="es-419" sz="900" dirty="0" smtClean="0">
-                <a:latin typeface="+mn-lt"/>
-                <a:cs typeface="Courier New" panose="02070309020205020404" pitchFamily="49" charset="0"/>
-              </a:rPr>
-              <a:t>5</a:t>
-            </a:r>
-            <a:r>
-              <a:rPr lang="en-US" sz="900" dirty="0" smtClean="0">
-                <a:latin typeface="+mn-lt"/>
-                <a:cs typeface="Courier New" panose="02070309020205020404" pitchFamily="49" charset="0"/>
-              </a:rPr>
-              <a:t>. C</a:t>
-            </a:r>
-            <a:r>
-              <a:rPr lang="es-419" sz="900" dirty="0" err="1" smtClean="0">
-                <a:latin typeface="+mn-lt"/>
-                <a:cs typeface="Courier New" panose="02070309020205020404" pitchFamily="49" charset="0"/>
-              </a:rPr>
-              <a:t>ount</a:t>
-            </a:r>
-            <a:r>
-              <a:rPr lang="en-US" sz="900" dirty="0" smtClean="0">
-                <a:latin typeface="+mn-lt"/>
-                <a:cs typeface="Courier New" panose="02070309020205020404" pitchFamily="49" charset="0"/>
-              </a:rPr>
-              <a:t> </a:t>
-            </a:r>
-            <a:r>
-              <a:rPr lang="es-419" sz="900" i="1" dirty="0" err="1" smtClean="0">
-                <a:latin typeface="+mn-lt"/>
-                <a:cs typeface="Courier New" panose="02070309020205020404" pitchFamily="49" charset="0"/>
-              </a:rPr>
-              <a:t>Cities</a:t>
-            </a:r>
-            <a:r>
-              <a:rPr lang="es-419" sz="900" dirty="0" smtClean="0">
-                <a:latin typeface="+mn-lt"/>
-                <a:cs typeface="Courier New" panose="02070309020205020404" pitchFamily="49" charset="0"/>
-              </a:rPr>
-              <a:t> </a:t>
-            </a:r>
-            <a:r>
-              <a:rPr lang="es-419" sz="900" dirty="0" err="1" smtClean="0">
-                <a:latin typeface="+mn-lt"/>
-                <a:cs typeface="Courier New" panose="02070309020205020404" pitchFamily="49" charset="0"/>
-              </a:rPr>
-              <a:t>by</a:t>
-            </a:r>
-            <a:r>
-              <a:rPr lang="es-419" sz="900" dirty="0" smtClean="0">
-                <a:latin typeface="+mn-lt"/>
-                <a:cs typeface="Courier New" panose="02070309020205020404" pitchFamily="49" charset="0"/>
-              </a:rPr>
-              <a:t> </a:t>
-            </a:r>
-            <a:r>
-              <a:rPr lang="es-419" sz="900" i="1" dirty="0" err="1" smtClean="0">
-                <a:latin typeface="+mn-lt"/>
-                <a:cs typeface="Courier New" panose="02070309020205020404" pitchFamily="49" charset="0"/>
-              </a:rPr>
-              <a:t>States</a:t>
-            </a:r>
-            <a:r>
-              <a:rPr lang="es-419" sz="900" i="1" dirty="0" smtClean="0">
-                <a:latin typeface="+mn-lt"/>
-                <a:cs typeface="Courier New" panose="02070309020205020404" pitchFamily="49" charset="0"/>
-              </a:rPr>
-              <a:t>, </a:t>
-            </a:r>
-            <a:r>
-              <a:rPr lang="en-US" sz="900" dirty="0" err="1" smtClean="0">
-                <a:latin typeface="+mn-lt"/>
-                <a:cs typeface="Courier New" panose="02070309020205020404" pitchFamily="49" charset="0"/>
-              </a:rPr>
-              <a:t>i</a:t>
-            </a:r>
-            <a:r>
-              <a:rPr lang="es-419" sz="900" dirty="0" err="1" smtClean="0">
-                <a:latin typeface="+mn-lt"/>
-                <a:cs typeface="Courier New" panose="02070309020205020404" pitchFamily="49" charset="0"/>
-              </a:rPr>
-              <a:t>ncluding</a:t>
-            </a:r>
-            <a:r>
-              <a:rPr lang="es-419" sz="900" dirty="0" smtClean="0">
-                <a:latin typeface="+mn-lt"/>
-                <a:cs typeface="Courier New" panose="02070309020205020404" pitchFamily="49" charset="0"/>
-              </a:rPr>
-              <a:t> </a:t>
-            </a:r>
-            <a:r>
-              <a:rPr lang="es-419" sz="900" dirty="0" err="1" smtClean="0">
-                <a:latin typeface="+mn-lt"/>
-                <a:cs typeface="Courier New" panose="02070309020205020404" pitchFamily="49" charset="0"/>
-              </a:rPr>
-              <a:t>states</a:t>
-            </a:r>
-            <a:r>
-              <a:rPr lang="es-419" sz="900" dirty="0" smtClean="0">
-                <a:latin typeface="+mn-lt"/>
-                <a:cs typeface="Courier New" panose="02070309020205020404" pitchFamily="49" charset="0"/>
-              </a:rPr>
-              <a:t> </a:t>
-            </a:r>
-            <a:r>
-              <a:rPr lang="es-419" sz="900" dirty="0" err="1" smtClean="0">
-                <a:latin typeface="+mn-lt"/>
-                <a:cs typeface="Courier New" panose="02070309020205020404" pitchFamily="49" charset="0"/>
-              </a:rPr>
-              <a:t>that</a:t>
-            </a:r>
-            <a:r>
               <a:rPr lang="es-419" sz="900" dirty="0">
                 <a:latin typeface="+mn-lt"/>
                 <a:cs typeface="Courier New" panose="02070309020205020404" pitchFamily="49" charset="0"/>
               </a:rPr>
-              <a:t> </a:t>
+              <a:t>5</a:t>
+            </a:r>
+            <a:r>
+              <a:rPr lang="en-US" sz="900" dirty="0">
+                <a:latin typeface="+mn-lt"/>
+                <a:cs typeface="Courier New" panose="02070309020205020404" pitchFamily="49" charset="0"/>
+              </a:rPr>
+              <a:t>. C</a:t>
             </a:r>
             <a:r>
               <a:rPr lang="es-419" sz="900" dirty="0" err="1">
                 <a:latin typeface="+mn-lt"/>
                 <a:cs typeface="Courier New" panose="02070309020205020404" pitchFamily="49" charset="0"/>
               </a:rPr>
-              <a:t>don't</a:t>
+              <a:t>ount</a:t>
+            </a:r>
+            <a:r>
+              <a:rPr lang="en-US" sz="900" dirty="0">
+                <a:latin typeface="+mn-lt"/>
+                <a:cs typeface="Courier New" panose="02070309020205020404" pitchFamily="49" charset="0"/>
+              </a:rPr>
+              <a:t> </a:t>
+            </a:r>
+            <a:r>
+              <a:rPr lang="es-419" sz="900" i="1" dirty="0" err="1">
+                <a:latin typeface="+mn-lt"/>
+                <a:cs typeface="Courier New" panose="02070309020205020404" pitchFamily="49" charset="0"/>
+              </a:rPr>
+              <a:t>Cities</a:t>
             </a:r>
             <a:r>
               <a:rPr lang="es-419" sz="900" dirty="0">
@@ -15904,143 +15478,234 @@
               <a:t> </a:t>
             </a:r>
             <a:r>
-              <a:rPr lang="es-419" sz="900" dirty="0" err="1" smtClean="0">
+              <a:rPr lang="es-419" sz="900" dirty="0" err="1">
                 <a:latin typeface="+mn-lt"/>
                 <a:cs typeface="Courier New" panose="02070309020205020404" pitchFamily="49" charset="0"/>
               </a:rPr>
+              <a:t>by</a:t>
+            </a:r>
+            <a:r>
+              <a:rPr lang="es-419" sz="900" dirty="0">
+                <a:latin typeface="+mn-lt"/>
+                <a:cs typeface="Courier New" panose="02070309020205020404" pitchFamily="49" charset="0"/>
+              </a:rPr>
+              <a:t> </a:t>
+            </a:r>
+            <a:r>
+              <a:rPr lang="es-419" sz="900" i="1" dirty="0" err="1">
+                <a:latin typeface="+mn-lt"/>
+                <a:cs typeface="Courier New" panose="02070309020205020404" pitchFamily="49" charset="0"/>
+              </a:rPr>
+              <a:t>States</a:t>
+            </a:r>
+            <a:r>
+              <a:rPr lang="es-419" sz="900" i="1" dirty="0">
+                <a:latin typeface="+mn-lt"/>
+                <a:cs typeface="Courier New" panose="02070309020205020404" pitchFamily="49" charset="0"/>
+              </a:rPr>
+              <a:t>, </a:t>
+            </a:r>
+            <a:r>
+              <a:rPr lang="en-US" sz="900" dirty="0" err="1">
+                <a:latin typeface="+mn-lt"/>
+                <a:cs typeface="Courier New" panose="02070309020205020404" pitchFamily="49" charset="0"/>
+              </a:rPr>
+              <a:t>i</a:t>
+            </a:r>
+            <a:r>
+              <a:rPr lang="es-419" sz="900" dirty="0" err="1">
+                <a:latin typeface="+mn-lt"/>
+                <a:cs typeface="Courier New" panose="02070309020205020404" pitchFamily="49" charset="0"/>
+              </a:rPr>
+              <a:t>ncluding</a:t>
+            </a:r>
+            <a:r>
+              <a:rPr lang="es-419" sz="900" dirty="0">
+                <a:latin typeface="+mn-lt"/>
+                <a:cs typeface="Courier New" panose="02070309020205020404" pitchFamily="49" charset="0"/>
+              </a:rPr>
+              <a:t> </a:t>
+            </a:r>
+            <a:r>
+              <a:rPr lang="es-419" sz="900" dirty="0" err="1">
+                <a:latin typeface="+mn-lt"/>
+                <a:cs typeface="Courier New" panose="02070309020205020404" pitchFamily="49" charset="0"/>
+              </a:rPr>
+              <a:t>states</a:t>
+            </a:r>
+            <a:r>
+              <a:rPr lang="es-419" sz="900" dirty="0">
+                <a:latin typeface="+mn-lt"/>
+                <a:cs typeface="Courier New" panose="02070309020205020404" pitchFamily="49" charset="0"/>
+              </a:rPr>
+              <a:t> </a:t>
+            </a:r>
+            <a:r>
+              <a:rPr lang="es-419" sz="900" dirty="0" err="1">
+                <a:latin typeface="+mn-lt"/>
+                <a:cs typeface="Courier New" panose="02070309020205020404" pitchFamily="49" charset="0"/>
+              </a:rPr>
+              <a:t>that</a:t>
+            </a:r>
+            <a:r>
+              <a:rPr lang="es-419" sz="900" dirty="0">
+                <a:latin typeface="+mn-lt"/>
+                <a:cs typeface="Courier New" panose="02070309020205020404" pitchFamily="49" charset="0"/>
+              </a:rPr>
+              <a:t> </a:t>
+            </a:r>
+            <a:r>
+              <a:rPr lang="es-419" sz="900" dirty="0" err="1">
+                <a:latin typeface="+mn-lt"/>
+                <a:cs typeface="Courier New" panose="02070309020205020404" pitchFamily="49" charset="0"/>
+              </a:rPr>
+              <a:t>don't</a:t>
+            </a:r>
+            <a:r>
+              <a:rPr lang="es-419" sz="900" dirty="0">
+                <a:latin typeface="+mn-lt"/>
+                <a:cs typeface="Courier New" panose="02070309020205020404" pitchFamily="49" charset="0"/>
+              </a:rPr>
+              <a:t> </a:t>
+            </a:r>
+            <a:r>
+              <a:rPr lang="es-419" sz="900" dirty="0" err="1">
+                <a:latin typeface="+mn-lt"/>
+                <a:cs typeface="Courier New" panose="02070309020205020404" pitchFamily="49" charset="0"/>
+              </a:rPr>
               <a:t>have</a:t>
             </a:r>
             <a:r>
-              <a:rPr lang="es-419" sz="900" dirty="0" smtClean="0">
+              <a:rPr lang="es-419" sz="900" dirty="0">
                 <a:latin typeface="+mn-lt"/>
                 <a:cs typeface="Courier New" panose="02070309020205020404" pitchFamily="49" charset="0"/>
               </a:rPr>
               <a:t> </a:t>
             </a:r>
             <a:r>
-              <a:rPr lang="es-419" sz="900" dirty="0" err="1" smtClean="0">
+              <a:rPr lang="es-419" sz="900" dirty="0" err="1">
                 <a:latin typeface="+mn-lt"/>
                 <a:cs typeface="Courier New" panose="02070309020205020404" pitchFamily="49" charset="0"/>
               </a:rPr>
               <a:t>any</a:t>
             </a:r>
             <a:r>
-              <a:rPr lang="es-419" sz="900" dirty="0" smtClean="0">
+              <a:rPr lang="es-419" sz="900" dirty="0">
                 <a:latin typeface="+mn-lt"/>
                 <a:cs typeface="Courier New" panose="02070309020205020404" pitchFamily="49" charset="0"/>
               </a:rPr>
               <a:t> </a:t>
             </a:r>
             <a:r>
-              <a:rPr lang="es-419" sz="900" dirty="0" err="1" smtClean="0">
+              <a:rPr lang="es-419" sz="900" dirty="0" err="1">
                 <a:latin typeface="+mn-lt"/>
                 <a:cs typeface="Courier New" panose="02070309020205020404" pitchFamily="49" charset="0"/>
               </a:rPr>
               <a:t>city</a:t>
             </a:r>
             <a:r>
-              <a:rPr lang="es-419" sz="900" dirty="0" smtClean="0">
+              <a:rPr lang="es-419" sz="900" dirty="0">
                 <a:latin typeface="+mn-lt"/>
                 <a:cs typeface="Courier New" panose="02070309020205020404" pitchFamily="49" charset="0"/>
               </a:rPr>
+              <a:t>. </a:t>
+            </a:r>
+            <a:r>
+              <a:rPr lang="es-419" sz="900" dirty="0" err="1">
+                <a:latin typeface="+mn-lt"/>
+                <a:cs typeface="Courier New" panose="02070309020205020404" pitchFamily="49" charset="0"/>
+              </a:rPr>
+              <a:t>Order</a:t>
+            </a:r>
+            <a:r>
+              <a:rPr lang="es-419" sz="900" dirty="0">
+                <a:latin typeface="+mn-lt"/>
+                <a:cs typeface="Courier New" panose="02070309020205020404" pitchFamily="49" charset="0"/>
+              </a:rPr>
+              <a:t> </a:t>
+            </a:r>
+            <a:r>
+              <a:rPr lang="es-419" sz="900" dirty="0" err="1">
+                <a:latin typeface="+mn-lt"/>
+                <a:cs typeface="Courier New" panose="02070309020205020404" pitchFamily="49" charset="0"/>
+              </a:rPr>
+              <a:t>the</a:t>
+            </a:r>
+            <a:r>
+              <a:rPr lang="es-419" sz="900" dirty="0">
+                <a:latin typeface="+mn-lt"/>
+                <a:cs typeface="Courier New" panose="02070309020205020404" pitchFamily="49" charset="0"/>
+              </a:rPr>
+              <a:t> </a:t>
+            </a:r>
+            <a:r>
+              <a:rPr lang="es-419" sz="900" dirty="0" err="1">
+                <a:latin typeface="+mn-lt"/>
+                <a:cs typeface="Courier New" panose="02070309020205020404" pitchFamily="49" charset="0"/>
+              </a:rPr>
+              <a:t>results</a:t>
+            </a:r>
+            <a:r>
+              <a:rPr lang="es-419" sz="900" dirty="0">
+                <a:latin typeface="+mn-lt"/>
+                <a:cs typeface="Courier New" panose="02070309020205020404" pitchFamily="49" charset="0"/>
+              </a:rPr>
+              <a:t> </a:t>
+            </a:r>
+            <a:r>
+              <a:rPr lang="es-419" sz="900" dirty="0" err="1">
+                <a:latin typeface="+mn-lt"/>
+                <a:cs typeface="Courier New" panose="02070309020205020404" pitchFamily="49" charset="0"/>
+              </a:rPr>
+              <a:t>by</a:t>
+            </a:r>
+            <a:r>
+              <a:rPr lang="es-419" sz="900" dirty="0">
+                <a:latin typeface="+mn-lt"/>
+                <a:cs typeface="Courier New" panose="02070309020205020404" pitchFamily="49" charset="0"/>
+              </a:rPr>
+              <a:t> </a:t>
+            </a:r>
+            <a:r>
+              <a:rPr lang="es-419" sz="900" dirty="0" err="1">
+                <a:latin typeface="+mn-lt"/>
+                <a:cs typeface="Courier New" panose="02070309020205020404" pitchFamily="49" charset="0"/>
+              </a:rPr>
+              <a:t>Number</a:t>
+            </a:r>
+            <a:r>
+              <a:rPr lang="es-419" sz="900" dirty="0">
+                <a:latin typeface="+mn-lt"/>
+                <a:cs typeface="Courier New" panose="02070309020205020404" pitchFamily="49" charset="0"/>
+              </a:rPr>
+              <a:t> of </a:t>
+            </a:r>
+            <a:r>
+              <a:rPr lang="es-419" sz="900" dirty="0" err="1">
+                <a:latin typeface="+mn-lt"/>
+                <a:cs typeface="Courier New" panose="02070309020205020404" pitchFamily="49" charset="0"/>
+              </a:rPr>
+              <a:t>cities</a:t>
+            </a:r>
+            <a:r>
+              <a:rPr lang="es-419" sz="900" dirty="0">
+                <a:latin typeface="+mn-lt"/>
+                <a:cs typeface="Courier New" panose="02070309020205020404" pitchFamily="49" charset="0"/>
+              </a:rPr>
               <a:t>.</a:t>
             </a:r>
-            <a:endParaRPr lang="en-US" sz="900" dirty="0" smtClean="0">
+            <a:endParaRPr lang="en-US" sz="900" dirty="0">
               <a:latin typeface="+mn-lt"/>
               <a:cs typeface="Courier New" panose="02070309020205020404" pitchFamily="49" charset="0"/>
             </a:endParaRPr>
           </a:p>
           <a:p>
-            <a:endParaRPr lang="es-419" sz="900" dirty="0" smtClean="0">
+            <a:endParaRPr lang="es-419" sz="900" dirty="0">
               <a:latin typeface="Courier New" panose="02070309020205020404" pitchFamily="49" charset="0"/>
               <a:cs typeface="Courier New" panose="02070309020205020404" pitchFamily="49" charset="0"/>
             </a:endParaRPr>
           </a:p>
           <a:p>
-            <a:endParaRPr lang="en-US" sz="900" dirty="0" smtClean="0">
-              <a:latin typeface="Courier New" panose="02070309020205020404" pitchFamily="49" charset="0"/>
-              <a:cs typeface="Courier New" panose="02070309020205020404" pitchFamily="49" charset="0"/>
-            </a:endParaRPr>
-          </a:p>
-          <a:p>
-            <a:r>
-              <a:rPr lang="en-US" sz="900" dirty="0">
-                <a:latin typeface="Courier New" panose="02070309020205020404" pitchFamily="49" charset="0"/>
-                <a:cs typeface="Courier New" panose="02070309020205020404" pitchFamily="49" charset="0"/>
-              </a:rPr>
-              <a:t>SELECT s.*</a:t>
-            </a:r>
-          </a:p>
-          <a:p>
-            <a:r>
-              <a:rPr lang="en-US" sz="900" dirty="0">
-                <a:latin typeface="Courier New" panose="02070309020205020404" pitchFamily="49" charset="0"/>
-                <a:cs typeface="Courier New" panose="02070309020205020404" pitchFamily="49" charset="0"/>
-              </a:rPr>
-              <a:t>     , COUNT(</a:t>
-            </a:r>
-            <a:r>
-              <a:rPr lang="en-US" sz="900" dirty="0" err="1">
-                <a:latin typeface="Courier New" panose="02070309020205020404" pitchFamily="49" charset="0"/>
-                <a:cs typeface="Courier New" panose="02070309020205020404" pitchFamily="49" charset="0"/>
-              </a:rPr>
-              <a:t>c.city_id</a:t>
-            </a:r>
-            <a:r>
-              <a:rPr lang="en-US" sz="900" dirty="0">
-                <a:latin typeface="Courier New" panose="02070309020205020404" pitchFamily="49" charset="0"/>
-                <a:cs typeface="Courier New" panose="02070309020205020404" pitchFamily="49" charset="0"/>
-              </a:rPr>
-              <a:t>) cities</a:t>
-            </a:r>
-          </a:p>
-          <a:p>
-            <a:r>
-              <a:rPr lang="en-US" sz="900" dirty="0">
-                <a:latin typeface="Courier New" panose="02070309020205020404" pitchFamily="49" charset="0"/>
-                <a:cs typeface="Courier New" panose="02070309020205020404" pitchFamily="49" charset="0"/>
-              </a:rPr>
-              <a:t>  FROM city c</a:t>
-            </a:r>
-          </a:p>
-          <a:p>
-            <a:r>
-              <a:rPr lang="en-US" sz="900" dirty="0">
-                <a:latin typeface="Courier New" panose="02070309020205020404" pitchFamily="49" charset="0"/>
-                <a:cs typeface="Courier New" panose="02070309020205020404" pitchFamily="49" charset="0"/>
-              </a:rPr>
-              <a:t> RIGHT JOIN state s</a:t>
-            </a:r>
-          </a:p>
-          <a:p>
-            <a:r>
-              <a:rPr lang="en-US" sz="900" dirty="0">
-                <a:latin typeface="Courier New" panose="02070309020205020404" pitchFamily="49" charset="0"/>
-                <a:cs typeface="Courier New" panose="02070309020205020404" pitchFamily="49" charset="0"/>
-              </a:rPr>
-              <a:t>    ON </a:t>
-            </a:r>
-            <a:r>
-              <a:rPr lang="en-US" sz="900" dirty="0" err="1">
-                <a:latin typeface="Courier New" panose="02070309020205020404" pitchFamily="49" charset="0"/>
-                <a:cs typeface="Courier New" panose="02070309020205020404" pitchFamily="49" charset="0"/>
-              </a:rPr>
-              <a:t>c.state_id</a:t>
-            </a:r>
-            <a:r>
-              <a:rPr lang="en-US" sz="900" dirty="0">
-                <a:latin typeface="Courier New" panose="02070309020205020404" pitchFamily="49" charset="0"/>
-                <a:cs typeface="Courier New" panose="02070309020205020404" pitchFamily="49" charset="0"/>
-              </a:rPr>
-              <a:t> = </a:t>
-            </a:r>
-            <a:r>
-              <a:rPr lang="en-US" sz="900" dirty="0" err="1">
-                <a:latin typeface="Courier New" panose="02070309020205020404" pitchFamily="49" charset="0"/>
-                <a:cs typeface="Courier New" panose="02070309020205020404" pitchFamily="49" charset="0"/>
-              </a:rPr>
-              <a:t>s.state_id</a:t>
-            </a:r>
             <a:endParaRPr lang="en-US" sz="900" dirty="0">
               <a:latin typeface="Courier New" panose="02070309020205020404" pitchFamily="49" charset="0"/>
               <a:cs typeface="Courier New" panose="02070309020205020404" pitchFamily="49" charset="0"/>
@@ -16052,7 +15717,71 @@
                 <a:latin typeface="Courier New" panose="02070309020205020404" pitchFamily="49" charset="0"/>
                 <a:cs typeface="Courier New" panose="02070309020205020404" pitchFamily="49" charset="0"/>
               </a:rPr>
-              <a:t> GROUP BY </a:t>
+              <a:t>SELECT s.*</a:t>
+            </a:r>
+          </a:p>
+          <a:p>
+            <a:r>
+              <a:rPr lang="en-US" sz="900" dirty="0">
+                <a:latin typeface="Courier New" panose="02070309020205020404" pitchFamily="49" charset="0"/>
+                <a:cs typeface="Courier New" panose="02070309020205020404" pitchFamily="49" charset="0"/>
+              </a:rPr>
+              <a:t>     , COUNT(</a:t>
+            </a:r>
+            <a:r>
+              <a:rPr lang="en-US" sz="900" dirty="0" err="1">
+                <a:latin typeface="Courier New" panose="02070309020205020404" pitchFamily="49" charset="0"/>
+                <a:cs typeface="Courier New" panose="02070309020205020404" pitchFamily="49" charset="0"/>
+              </a:rPr>
+              <a:t>c.city_id</a:t>
+            </a:r>
+            <a:r>
+              <a:rPr lang="en-US" sz="900" dirty="0">
+                <a:latin typeface="Courier New" panose="02070309020205020404" pitchFamily="49" charset="0"/>
+                <a:cs typeface="Courier New" panose="02070309020205020404" pitchFamily="49" charset="0"/>
+              </a:rPr>
+              <a:t>) cities</a:t>
+            </a:r>
+          </a:p>
+          <a:p>
+            <a:r>
+              <a:rPr lang="en-US" sz="900" dirty="0">
+                <a:latin typeface="Courier New" panose="02070309020205020404" pitchFamily="49" charset="0"/>
+                <a:cs typeface="Courier New" panose="02070309020205020404" pitchFamily="49" charset="0"/>
+              </a:rPr>
+              <a:t>  FROM city c</a:t>
+            </a:r>
+          </a:p>
+          <a:p>
+            <a:r>
+              <a:rPr lang="en-US" sz="900" dirty="0">
+                <a:latin typeface="Courier New" panose="02070309020205020404" pitchFamily="49" charset="0"/>
+                <a:cs typeface="Courier New" panose="02070309020205020404" pitchFamily="49" charset="0"/>
+              </a:rPr>
+              <a:t> RIGHT JOIN state s</a:t>
+            </a:r>
+          </a:p>
+          <a:p>
+            <a:r>
+              <a:rPr lang="en-US" sz="900" dirty="0">
+                <a:latin typeface="Courier New" panose="02070309020205020404" pitchFamily="49" charset="0"/>
+                <a:cs typeface="Courier New" panose="02070309020205020404" pitchFamily="49" charset="0"/>
+              </a:rPr>
+              <a:t>    ON </a:t>
+            </a:r>
+            <a:r>
+              <a:rPr lang="en-US" sz="900" dirty="0" err="1">
+                <a:latin typeface="Courier New" panose="02070309020205020404" pitchFamily="49" charset="0"/>
+                <a:cs typeface="Courier New" panose="02070309020205020404" pitchFamily="49" charset="0"/>
+              </a:rPr>
+              <a:t>c.state_id</a:t>
+            </a:r>
+            <a:r>
+              <a:rPr lang="en-US" sz="900" dirty="0">
+                <a:latin typeface="Courier New" panose="02070309020205020404" pitchFamily="49" charset="0"/>
+                <a:cs typeface="Courier New" panose="02070309020205020404" pitchFamily="49" charset="0"/>
+              </a:rPr>
+              <a:t> = </a:t>
             </a:r>
             <a:r>
               <a:rPr lang="en-US" sz="900" dirty="0" err="1">
@@ -16072,7 +15801,7 @@
                 <a:latin typeface="Courier New" panose="02070309020205020404" pitchFamily="49" charset="0"/>
                 <a:cs typeface="Courier New" panose="02070309020205020404" pitchFamily="49" charset="0"/>
               </a:rPr>
-              <a:t> ORDER BY cities, </a:t>
+              <a:t> GROUP BY </a:t>
             </a:r>
             <a:r>
               <a:rPr lang="en-US" sz="900" dirty="0" err="1">
@@ -16081,17 +15810,33 @@
               </a:rPr>
               <a:t>s.state_id</a:t>
             </a:r>
-            <a:r>
-              <a:rPr lang="en-US" sz="900" dirty="0">
-                <a:latin typeface="Courier New" panose="02070309020205020404" pitchFamily="49" charset="0"/>
-                <a:cs typeface="Courier New" panose="02070309020205020404" pitchFamily="49" charset="0"/>
-              </a:rPr>
-              <a:t>;</a:t>
-            </a:r>
-            <a:endParaRPr lang="en-US" sz="900" dirty="0" smtClean="0">
+            <a:endParaRPr lang="en-US" sz="900" dirty="0">
               <a:latin typeface="Courier New" panose="02070309020205020404" pitchFamily="49" charset="0"/>
               <a:cs typeface="Courier New" panose="02070309020205020404" pitchFamily="49" charset="0"/>
             </a:endParaRPr>
+          </a:p>
+          <a:p>
+            <a:r>
+              <a:rPr lang="en-US" sz="900" dirty="0">
+                <a:latin typeface="Courier New" panose="02070309020205020404" pitchFamily="49" charset="0"/>
+                <a:cs typeface="Courier New" panose="02070309020205020404" pitchFamily="49" charset="0"/>
+              </a:rPr>
+              <a:t> ORDER BY cities, </a:t>
+            </a:r>
+            <a:r>
+              <a:rPr lang="en-US" sz="900" dirty="0" err="1">
+                <a:latin typeface="Courier New" panose="02070309020205020404" pitchFamily="49" charset="0"/>
+                <a:cs typeface="Courier New" panose="02070309020205020404" pitchFamily="49" charset="0"/>
+              </a:rPr>
+              <a:t>s.state_id</a:t>
+            </a:r>
+            <a:r>
+              <a:rPr lang="en-US" sz="900" dirty="0">
+                <a:latin typeface="Courier New" panose="02070309020205020404" pitchFamily="49" charset="0"/>
+                <a:cs typeface="Courier New" panose="02070309020205020404" pitchFamily="49" charset="0"/>
+              </a:rPr>
+              <a:t>;</a:t>
+            </a:r>
           </a:p>
         </p:txBody>
       </p:sp>
@@ -16238,14 +15983,14 @@
             </a:ln>
             <a:extLst>
               <a:ext uri="{909E8E84-426E-40dd-AFC4-6F175D3DCCD1}">
-                <a14:hiddenFill xmlns="" xmlns:a14="http://schemas.microsoft.com/office/drawing/2010/main">
+                <a14:hiddenFill xmlns:a14="http://schemas.microsoft.com/office/drawing/2010/main" xmlns="">
                   <a:solidFill>
                     <a:srgbClr val="FFFFFF"/>
                   </a:solidFill>
                 </a14:hiddenFill>
               </a:ext>
               <a:ext uri="{91240B29-F687-4f45-9708-019B960494DF}">
-                <a14:hiddenLine xmlns="" xmlns:a14="http://schemas.microsoft.com/office/drawing/2010/main" w="9525">
+                <a14:hiddenLine xmlns:a14="http://schemas.microsoft.com/office/drawing/2010/main" xmlns="" w="9525">
                   <a:solidFill>
                     <a:srgbClr val="000000"/>
                   </a:solidFill>
@@ -16330,7 +16075,7 @@
       </p:pic>
       <p:pic>
         <p:nvPicPr>
-          <p:cNvPr id="17" name="Picture 16"/>
+          <p:cNvPr id="2" name="Picture 1"/>
           <p:cNvPicPr>
             <a:picLocks noChangeAspect="1"/>
           </p:cNvPicPr>
@@ -16344,8 +16089,8 @@
         </p:blipFill>
         <p:spPr>
           <a:xfrm>
-            <a:off x="3635896" y="3565964"/>
-            <a:ext cx="3333665" cy="2671348"/>
+            <a:off x="3203848" y="3703847"/>
+            <a:ext cx="4320480" cy="2677481"/>
           </a:xfrm>
           <a:prstGeom prst="rect">
             <a:avLst/>
@@ -16367,13 +16112,6 @@
   <p:clrMapOvr>
     <a:masterClrMapping/>
   </p:clrMapOvr>
-  <p:timing>
-    <p:tnLst>
-      <p:par>
-        <p:cTn id="1" dur="indefinite" restart="never" nodeType="tmRoot"/>
-      </p:par>
-    </p:tnLst>
-  </p:timing>
 </p:sld>
 </file>
 
@@ -16416,21 +16154,21 @@
           <a:p>
             <a:pPr algn="l"/>
             <a:r>
-              <a:rPr lang="es-419" sz="2400" dirty="0" smtClean="0">
+              <a:rPr lang="es-419" sz="2400" dirty="0">
                 <a:latin typeface="+mj-lt"/>
                 <a:hlinkClick r:id="rId2"/>
               </a:rPr>
               <a:t>RIGHT (</a:t>
             </a:r>
             <a:r>
-              <a:rPr lang="es-419" sz="2400" dirty="0" err="1" smtClean="0">
+              <a:rPr lang="es-419" sz="2400" dirty="0" err="1">
                 <a:latin typeface="+mj-lt"/>
                 <a:hlinkClick r:id="rId2"/>
               </a:rPr>
               <a:t>excluding</a:t>
             </a:r>
             <a:r>
-              <a:rPr lang="es-419" sz="2400" dirty="0" smtClean="0">
+              <a:rPr lang="es-419" sz="2400" dirty="0">
                 <a:latin typeface="+mj-lt"/>
                 <a:hlinkClick r:id="rId2"/>
               </a:rPr>
@@ -16499,7 +16237,7 @@
           <a:lstStyle/>
           <a:p>
             <a:r>
-              <a:rPr lang="en-US" sz="1100" dirty="0" smtClean="0">
+              <a:rPr lang="en-US" sz="1100" dirty="0">
                 <a:latin typeface="Courier New" panose="02070309020205020404" pitchFamily="49" charset="0"/>
                 <a:cs typeface="Courier New" panose="02070309020205020404" pitchFamily="49" charset="0"/>
               </a:rPr>
@@ -16558,28 +16296,14 @@
                 <a:latin typeface="Courier New" panose="02070309020205020404" pitchFamily="49" charset="0"/>
                 <a:cs typeface="Courier New" panose="02070309020205020404" pitchFamily="49" charset="0"/>
               </a:rPr>
-              <a:t> </a:t>
-            </a:r>
-            <a:r>
-              <a:rPr lang="es-419" sz="1100" dirty="0" smtClean="0">
-                <a:latin typeface="Courier New" panose="02070309020205020404" pitchFamily="49" charset="0"/>
-                <a:cs typeface="Courier New" panose="02070309020205020404" pitchFamily="49" charset="0"/>
-              </a:rPr>
-              <a:t> RIGHT</a:t>
-            </a:r>
-            <a:r>
-              <a:rPr lang="en-US" sz="1100" dirty="0" smtClean="0">
-                <a:latin typeface="Courier New" panose="02070309020205020404" pitchFamily="49" charset="0"/>
-                <a:cs typeface="Courier New" panose="02070309020205020404" pitchFamily="49" charset="0"/>
-              </a:rPr>
-              <a:t> </a:t>
+              <a:t>  RIGHT</a:t>
             </a:r>
             <a:r>
               <a:rPr lang="en-US" sz="1100" dirty="0">
                 <a:latin typeface="Courier New" panose="02070309020205020404" pitchFamily="49" charset="0"/>
                 <a:cs typeface="Courier New" panose="02070309020205020404" pitchFamily="49" charset="0"/>
               </a:rPr>
-              <a:t>JOIN </a:t>
+              <a:t> JOIN </a:t>
             </a:r>
             <a:r>
               <a:rPr lang="en-US" sz="1100" i="1" dirty="0">
@@ -16618,7 +16342,7 @@
               <a:t> = </a:t>
             </a:r>
             <a:r>
-              <a:rPr lang="en-US" sz="1100" i="1" dirty="0" err="1" smtClean="0">
+              <a:rPr lang="en-US" sz="1100" i="1" dirty="0" err="1">
                 <a:solidFill>
                   <a:srgbClr val="00B050"/>
                 </a:solidFill>
@@ -16627,21 +16351,21 @@
               </a:rPr>
               <a:t>e.dep_id</a:t>
             </a:r>
-            <a:endParaRPr lang="es-419" sz="1100" b="1" dirty="0" smtClean="0">
+            <a:endParaRPr lang="es-419" sz="1100" b="1" dirty="0">
               <a:latin typeface="Courier New" panose="02070309020205020404" pitchFamily="49" charset="0"/>
               <a:cs typeface="Courier New" panose="02070309020205020404" pitchFamily="49" charset="0"/>
             </a:endParaRPr>
           </a:p>
           <a:p>
             <a:r>
-              <a:rPr lang="es-419" sz="1100" dirty="0" smtClean="0">
+              <a:rPr lang="es-419" sz="1100" dirty="0">
                 <a:latin typeface="Courier New" panose="02070309020205020404" pitchFamily="49" charset="0"/>
                 <a:cs typeface="Courier New" panose="02070309020205020404" pitchFamily="49" charset="0"/>
               </a:rPr>
               <a:t> WHERE </a:t>
             </a:r>
             <a:r>
-              <a:rPr lang="es-419" sz="1100" i="1" dirty="0" smtClean="0">
+              <a:rPr lang="es-419" sz="1100" i="1" dirty="0">
                 <a:solidFill>
                   <a:srgbClr val="00B050"/>
                 </a:solidFill>
@@ -16651,7 +16375,7 @@
               <a:t>d</a:t>
             </a:r>
             <a:r>
-              <a:rPr lang="en-US" sz="1100" i="1" dirty="0" smtClean="0">
+              <a:rPr lang="en-US" sz="1100" i="1" dirty="0">
                 <a:solidFill>
                   <a:srgbClr val="00B050"/>
                 </a:solidFill>
@@ -16661,7 +16385,7 @@
               <a:t>.</a:t>
             </a:r>
             <a:r>
-              <a:rPr lang="en-US" sz="1100" i="1" dirty="0" err="1" smtClean="0">
+              <a:rPr lang="en-US" sz="1100" i="1" dirty="0" err="1">
                 <a:solidFill>
                   <a:srgbClr val="00B050"/>
                 </a:solidFill>
@@ -16671,7 +16395,7 @@
               <a:t>dep_id</a:t>
             </a:r>
             <a:r>
-              <a:rPr lang="es-419" sz="1100" i="1" dirty="0" smtClean="0">
+              <a:rPr lang="es-419" sz="1100" i="1" dirty="0">
                 <a:solidFill>
                   <a:srgbClr val="00B050"/>
                 </a:solidFill>
@@ -16681,7 +16405,7 @@
               <a:t> IS NULL</a:t>
             </a:r>
             <a:r>
-              <a:rPr lang="en-US" sz="1100" b="1" dirty="0" smtClean="0">
+              <a:rPr lang="en-US" sz="1100" b="1" dirty="0">
                 <a:latin typeface="Courier New" panose="02070309020205020404" pitchFamily="49" charset="0"/>
                 <a:cs typeface="Courier New" panose="02070309020205020404" pitchFamily="49" charset="0"/>
               </a:rPr>
@@ -16720,189 +16444,155 @@
               <a:t>6</a:t>
             </a:r>
             <a:r>
-              <a:rPr lang="en-US" sz="900" dirty="0" smtClean="0">
-                <a:latin typeface="+mn-lt"/>
-                <a:cs typeface="Courier New" panose="02070309020205020404" pitchFamily="49" charset="0"/>
-              </a:rPr>
-              <a:t>. </a:t>
-            </a:r>
-            <a:r>
               <a:rPr lang="en-US" sz="900" dirty="0">
                 <a:latin typeface="+mn-lt"/>
                 <a:cs typeface="Courier New" panose="02070309020205020404" pitchFamily="49" charset="0"/>
               </a:rPr>
-              <a:t>Get a list of </a:t>
-            </a:r>
-            <a:r>
-              <a:rPr lang="es-419" sz="900" i="1" dirty="0" err="1" smtClean="0">
+              <a:t>. Get a list of </a:t>
+            </a:r>
+            <a:r>
+              <a:rPr lang="es-419" sz="900" i="1" dirty="0" err="1">
                 <a:latin typeface="+mn-lt"/>
                 <a:cs typeface="Courier New" panose="02070309020205020404" pitchFamily="49" charset="0"/>
               </a:rPr>
               <a:t>State</a:t>
             </a:r>
             <a:r>
-              <a:rPr lang="en-US" sz="900" i="1" dirty="0" smtClean="0">
+              <a:rPr lang="en-US" sz="900" i="1" dirty="0">
                 <a:latin typeface="+mn-lt"/>
                 <a:cs typeface="Courier New" panose="02070309020205020404" pitchFamily="49" charset="0"/>
               </a:rPr>
               <a:t>s</a:t>
-            </a:r>
-            <a:r>
-              <a:rPr lang="en-US" sz="900" dirty="0" smtClean="0">
-                <a:latin typeface="+mn-lt"/>
-                <a:cs typeface="Courier New" panose="02070309020205020404" pitchFamily="49" charset="0"/>
-              </a:rPr>
-              <a:t> </a:t>
-            </a:r>
-            <a:r>
-              <a:rPr lang="es-419" sz="900" dirty="0" err="1">
-                <a:cs typeface="Courier New" panose="02070309020205020404" pitchFamily="49" charset="0"/>
-              </a:rPr>
-              <a:t>that</a:t>
-            </a:r>
-            <a:r>
-              <a:rPr lang="es-419" sz="900" dirty="0">
-                <a:cs typeface="Courier New" panose="02070309020205020404" pitchFamily="49" charset="0"/>
-              </a:rPr>
-              <a:t> </a:t>
-            </a:r>
-            <a:r>
-              <a:rPr lang="es-419" sz="900" dirty="0" err="1">
-                <a:cs typeface="Courier New" panose="02070309020205020404" pitchFamily="49" charset="0"/>
-              </a:rPr>
-              <a:t>don't</a:t>
-            </a:r>
-            <a:r>
-              <a:rPr lang="es-419" sz="900" dirty="0">
-                <a:cs typeface="Courier New" panose="02070309020205020404" pitchFamily="49" charset="0"/>
-              </a:rPr>
-              <a:t> </a:t>
-            </a:r>
-            <a:r>
-              <a:rPr lang="es-419" sz="900" dirty="0" err="1">
-                <a:cs typeface="Courier New" panose="02070309020205020404" pitchFamily="49" charset="0"/>
-              </a:rPr>
-              <a:t>have</a:t>
-            </a:r>
-            <a:r>
-              <a:rPr lang="es-419" sz="900" dirty="0">
-                <a:cs typeface="Courier New" panose="02070309020205020404" pitchFamily="49" charset="0"/>
-              </a:rPr>
-              <a:t> </a:t>
-            </a:r>
-            <a:r>
-              <a:rPr lang="es-419" sz="900" dirty="0" err="1">
-                <a:cs typeface="Courier New" panose="02070309020205020404" pitchFamily="49" charset="0"/>
-              </a:rPr>
-              <a:t>any</a:t>
-            </a:r>
-            <a:r>
-              <a:rPr lang="es-419" sz="900" dirty="0">
-                <a:cs typeface="Courier New" panose="02070309020205020404" pitchFamily="49" charset="0"/>
-              </a:rPr>
-              <a:t> </a:t>
-            </a:r>
-            <a:r>
-              <a:rPr lang="es-419" sz="900" i="1" dirty="0" err="1" smtClean="0">
-                <a:cs typeface="Courier New" panose="02070309020205020404" pitchFamily="49" charset="0"/>
-              </a:rPr>
-              <a:t>Citiy</a:t>
-            </a:r>
-            <a:r>
-              <a:rPr lang="en-US" sz="900" dirty="0" smtClean="0">
-                <a:latin typeface="+mn-lt"/>
-                <a:cs typeface="Courier New" panose="02070309020205020404" pitchFamily="49" charset="0"/>
-              </a:rPr>
-              <a:t> </a:t>
-            </a:r>
-            <a:r>
-              <a:rPr lang="es-419" sz="900" dirty="0" smtClean="0">
-                <a:latin typeface="+mn-lt"/>
-                <a:cs typeface="Courier New" panose="02070309020205020404" pitchFamily="49" charset="0"/>
-              </a:rPr>
-              <a:t>in </a:t>
-            </a:r>
-            <a:r>
-              <a:rPr lang="es-419" sz="900" dirty="0" err="1" smtClean="0">
-                <a:latin typeface="+mn-lt"/>
-                <a:cs typeface="Courier New" panose="02070309020205020404" pitchFamily="49" charset="0"/>
-              </a:rPr>
-              <a:t>the</a:t>
-            </a:r>
-            <a:r>
-              <a:rPr lang="es-419" sz="900" dirty="0" smtClean="0">
-                <a:latin typeface="+mn-lt"/>
-                <a:cs typeface="Courier New" panose="02070309020205020404" pitchFamily="49" charset="0"/>
-              </a:rPr>
-              <a:t> </a:t>
-            </a:r>
-            <a:r>
-              <a:rPr lang="es-419" sz="900" dirty="0" err="1" smtClean="0">
-                <a:latin typeface="+mn-lt"/>
-                <a:cs typeface="Courier New" panose="02070309020205020404" pitchFamily="49" charset="0"/>
-              </a:rPr>
-              <a:t>report</a:t>
-            </a:r>
-            <a:r>
-              <a:rPr lang="es-419" sz="900" dirty="0" smtClean="0">
-                <a:latin typeface="+mn-lt"/>
-                <a:cs typeface="Courier New" panose="02070309020205020404" pitchFamily="49" charset="0"/>
-              </a:rPr>
-              <a:t> of</a:t>
-            </a:r>
-            <a:r>
-              <a:rPr lang="en-US" sz="900" dirty="0" smtClean="0">
-                <a:latin typeface="+mn-lt"/>
-                <a:cs typeface="Courier New" panose="02070309020205020404" pitchFamily="49" charset="0"/>
-              </a:rPr>
-              <a:t> </a:t>
             </a:r>
             <a:r>
               <a:rPr lang="en-US" sz="900" dirty="0">
                 <a:latin typeface="+mn-lt"/>
                 <a:cs typeface="Courier New" panose="02070309020205020404" pitchFamily="49" charset="0"/>
               </a:rPr>
-              <a:t>exercise 5</a:t>
-            </a:r>
-            <a:r>
-              <a:rPr lang="es-419" sz="900" dirty="0" smtClean="0">
+              <a:t> </a:t>
+            </a:r>
+            <a:r>
+              <a:rPr lang="es-419" sz="900" dirty="0" err="1">
+                <a:cs typeface="Courier New" panose="02070309020205020404" pitchFamily="49" charset="0"/>
+              </a:rPr>
+              <a:t>that</a:t>
+            </a:r>
+            <a:r>
+              <a:rPr lang="es-419" sz="900" dirty="0">
+                <a:cs typeface="Courier New" panose="02070309020205020404" pitchFamily="49" charset="0"/>
+              </a:rPr>
+              <a:t> </a:t>
+            </a:r>
+            <a:r>
+              <a:rPr lang="es-419" sz="900" dirty="0" err="1">
+                <a:cs typeface="Courier New" panose="02070309020205020404" pitchFamily="49" charset="0"/>
+              </a:rPr>
+              <a:t>don't</a:t>
+            </a:r>
+            <a:r>
+              <a:rPr lang="es-419" sz="900" dirty="0">
+                <a:cs typeface="Courier New" panose="02070309020205020404" pitchFamily="49" charset="0"/>
+              </a:rPr>
+              <a:t> </a:t>
+            </a:r>
+            <a:r>
+              <a:rPr lang="es-419" sz="900" dirty="0" err="1">
+                <a:cs typeface="Courier New" panose="02070309020205020404" pitchFamily="49" charset="0"/>
+              </a:rPr>
+              <a:t>have</a:t>
+            </a:r>
+            <a:r>
+              <a:rPr lang="es-419" sz="900" dirty="0">
+                <a:cs typeface="Courier New" panose="02070309020205020404" pitchFamily="49" charset="0"/>
+              </a:rPr>
+              <a:t> </a:t>
+            </a:r>
+            <a:r>
+              <a:rPr lang="es-419" sz="900" dirty="0" err="1">
+                <a:cs typeface="Courier New" panose="02070309020205020404" pitchFamily="49" charset="0"/>
+              </a:rPr>
+              <a:t>any</a:t>
+            </a:r>
+            <a:r>
+              <a:rPr lang="es-419" sz="900" dirty="0">
+                <a:cs typeface="Courier New" panose="02070309020205020404" pitchFamily="49" charset="0"/>
+              </a:rPr>
+              <a:t> </a:t>
+            </a:r>
+            <a:r>
+              <a:rPr lang="es-419" sz="900" i="1" dirty="0" err="1">
+                <a:cs typeface="Courier New" panose="02070309020205020404" pitchFamily="49" charset="0"/>
+              </a:rPr>
+              <a:t>Citiy</a:t>
+            </a:r>
+            <a:r>
+              <a:rPr lang="en-US" sz="900" dirty="0">
                 <a:latin typeface="+mn-lt"/>
                 <a:cs typeface="Courier New" panose="02070309020205020404" pitchFamily="49" charset="0"/>
               </a:rPr>
+              <a:t> </a:t>
+            </a:r>
+            <a:r>
+              <a:rPr lang="es-419" sz="900" dirty="0">
+                <a:latin typeface="+mn-lt"/>
+                <a:cs typeface="Courier New" panose="02070309020205020404" pitchFamily="49" charset="0"/>
+              </a:rPr>
+              <a:t>in </a:t>
+            </a:r>
+            <a:r>
+              <a:rPr lang="es-419" sz="900" dirty="0" err="1">
+                <a:latin typeface="+mn-lt"/>
+                <a:cs typeface="Courier New" panose="02070309020205020404" pitchFamily="49" charset="0"/>
+              </a:rPr>
+              <a:t>the</a:t>
+            </a:r>
+            <a:r>
+              <a:rPr lang="es-419" sz="900" dirty="0">
+                <a:latin typeface="+mn-lt"/>
+                <a:cs typeface="Courier New" panose="02070309020205020404" pitchFamily="49" charset="0"/>
+              </a:rPr>
+              <a:t> </a:t>
+            </a:r>
+            <a:r>
+              <a:rPr lang="es-419" sz="900" dirty="0" err="1">
+                <a:latin typeface="+mn-lt"/>
+                <a:cs typeface="Courier New" panose="02070309020205020404" pitchFamily="49" charset="0"/>
+              </a:rPr>
+              <a:t>report</a:t>
+            </a:r>
+            <a:r>
+              <a:rPr lang="es-419" sz="900" dirty="0">
+                <a:latin typeface="+mn-lt"/>
+                <a:cs typeface="Courier New" panose="02070309020205020404" pitchFamily="49" charset="0"/>
+              </a:rPr>
+              <a:t> of</a:t>
+            </a:r>
+            <a:r>
+              <a:rPr lang="en-US" sz="900" dirty="0">
+                <a:latin typeface="+mn-lt"/>
+                <a:cs typeface="Courier New" panose="02070309020205020404" pitchFamily="49" charset="0"/>
+              </a:rPr>
+              <a:t> exercise 5</a:t>
+            </a:r>
+            <a:r>
+              <a:rPr lang="es-419" sz="900" dirty="0">
+                <a:latin typeface="+mn-lt"/>
+                <a:cs typeface="Courier New" panose="02070309020205020404" pitchFamily="49" charset="0"/>
+              </a:rPr>
               <a:t>.</a:t>
             </a:r>
-            <a:endParaRPr lang="en-US" sz="900" dirty="0" smtClean="0">
+            <a:endParaRPr lang="en-US" sz="900" dirty="0">
               <a:latin typeface="+mn-lt"/>
               <a:cs typeface="Courier New" panose="02070309020205020404" pitchFamily="49" charset="0"/>
             </a:endParaRPr>
           </a:p>
           <a:p>
-            <a:endParaRPr lang="es-419" sz="900" dirty="0" smtClean="0">
+            <a:endParaRPr lang="es-419" sz="900" dirty="0">
               <a:latin typeface="Courier New" panose="02070309020205020404" pitchFamily="49" charset="0"/>
               <a:cs typeface="Courier New" panose="02070309020205020404" pitchFamily="49" charset="0"/>
             </a:endParaRPr>
           </a:p>
           <a:p>
-            <a:endParaRPr lang="en-US" sz="900" dirty="0" smtClean="0">
-              <a:latin typeface="Courier New" panose="02070309020205020404" pitchFamily="49" charset="0"/>
-              <a:cs typeface="Courier New" panose="02070309020205020404" pitchFamily="49" charset="0"/>
-            </a:endParaRPr>
-          </a:p>
-          <a:p>
-            <a:r>
-              <a:rPr lang="en-US" sz="900" dirty="0">
-                <a:latin typeface="Courier New" panose="02070309020205020404" pitchFamily="49" charset="0"/>
-                <a:cs typeface="Courier New" panose="02070309020205020404" pitchFamily="49" charset="0"/>
-              </a:rPr>
-              <a:t>SELECT </a:t>
-            </a:r>
-            <a:r>
-              <a:rPr lang="en-US" sz="900" dirty="0" err="1">
-                <a:latin typeface="Courier New" panose="02070309020205020404" pitchFamily="49" charset="0"/>
-                <a:cs typeface="Courier New" panose="02070309020205020404" pitchFamily="49" charset="0"/>
-              </a:rPr>
-              <a:t>s.state_id</a:t>
-            </a:r>
             <a:endParaRPr lang="en-US" sz="900" dirty="0">
               <a:latin typeface="Courier New" panose="02070309020205020404" pitchFamily="49" charset="0"/>
               <a:cs typeface="Courier New" panose="02070309020205020404" pitchFamily="49" charset="0"/>
@@ -16914,14 +16604,14 @@
                 <a:latin typeface="Courier New" panose="02070309020205020404" pitchFamily="49" charset="0"/>
                 <a:cs typeface="Courier New" panose="02070309020205020404" pitchFamily="49" charset="0"/>
               </a:rPr>
-              <a:t>     , </a:t>
+              <a:t>SELECT </a:t>
             </a:r>
             <a:r>
               <a:rPr lang="en-US" sz="900" dirty="0" err="1">
                 <a:latin typeface="Courier New" panose="02070309020205020404" pitchFamily="49" charset="0"/>
                 <a:cs typeface="Courier New" panose="02070309020205020404" pitchFamily="49" charset="0"/>
               </a:rPr>
-              <a:t>s.description</a:t>
+              <a:t>s.state_id</a:t>
             </a:r>
             <a:endParaRPr lang="en-US" sz="900" dirty="0">
               <a:latin typeface="Courier New" panose="02070309020205020404" pitchFamily="49" charset="0"/>
@@ -16934,46 +16624,14 @@
                 <a:latin typeface="Courier New" panose="02070309020205020404" pitchFamily="49" charset="0"/>
                 <a:cs typeface="Courier New" panose="02070309020205020404" pitchFamily="49" charset="0"/>
               </a:rPr>
-              <a:t>  FROM city c</a:t>
-            </a:r>
-          </a:p>
-          <a:p>
-            <a:r>
-              <a:rPr lang="en-US" sz="900" dirty="0">
-                <a:latin typeface="Courier New" panose="02070309020205020404" pitchFamily="49" charset="0"/>
-                <a:cs typeface="Courier New" panose="02070309020205020404" pitchFamily="49" charset="0"/>
-              </a:rPr>
-              <a:t> RIGHT JOIN state s</a:t>
-            </a:r>
-          </a:p>
-          <a:p>
-            <a:r>
-              <a:rPr lang="en-US" sz="900" dirty="0">
-                <a:latin typeface="Courier New" panose="02070309020205020404" pitchFamily="49" charset="0"/>
-                <a:cs typeface="Courier New" panose="02070309020205020404" pitchFamily="49" charset="0"/>
-              </a:rPr>
-              <a:t>    ON </a:t>
+              <a:t>     , </a:t>
             </a:r>
             <a:r>
               <a:rPr lang="en-US" sz="900" dirty="0" err="1">
                 <a:latin typeface="Courier New" panose="02070309020205020404" pitchFamily="49" charset="0"/>
                 <a:cs typeface="Courier New" panose="02070309020205020404" pitchFamily="49" charset="0"/>
               </a:rPr>
-              <a:t>c.state_id</a:t>
-            </a:r>
-            <a:r>
-              <a:rPr lang="en-US" sz="900" dirty="0">
-                <a:latin typeface="Courier New" panose="02070309020205020404" pitchFamily="49" charset="0"/>
-                <a:cs typeface="Courier New" panose="02070309020205020404" pitchFamily="49" charset="0"/>
-              </a:rPr>
-              <a:t> = </a:t>
-            </a:r>
-            <a:r>
-              <a:rPr lang="en-US" sz="900" dirty="0" err="1">
-                <a:latin typeface="Courier New" panose="02070309020205020404" pitchFamily="49" charset="0"/>
-                <a:cs typeface="Courier New" panose="02070309020205020404" pitchFamily="49" charset="0"/>
-              </a:rPr>
-              <a:t>s.state_id</a:t>
+              <a:t>s.description</a:t>
             </a:r>
             <a:endParaRPr lang="en-US" sz="900" dirty="0">
               <a:latin typeface="Courier New" panose="02070309020205020404" pitchFamily="49" charset="0"/>
@@ -16986,7 +16644,25 @@
                 <a:latin typeface="Courier New" panose="02070309020205020404" pitchFamily="49" charset="0"/>
                 <a:cs typeface="Courier New" panose="02070309020205020404" pitchFamily="49" charset="0"/>
               </a:rPr>
-              <a:t> WHERE </a:t>
+              <a:t>  FROM city c</a:t>
+            </a:r>
+          </a:p>
+          <a:p>
+            <a:r>
+              <a:rPr lang="en-US" sz="900" dirty="0">
+                <a:latin typeface="Courier New" panose="02070309020205020404" pitchFamily="49" charset="0"/>
+                <a:cs typeface="Courier New" panose="02070309020205020404" pitchFamily="49" charset="0"/>
+              </a:rPr>
+              <a:t> RIGHT JOIN state s</a:t>
+            </a:r>
+          </a:p>
+          <a:p>
+            <a:r>
+              <a:rPr lang="en-US" sz="900" dirty="0">
+                <a:latin typeface="Courier New" panose="02070309020205020404" pitchFamily="49" charset="0"/>
+                <a:cs typeface="Courier New" panose="02070309020205020404" pitchFamily="49" charset="0"/>
+              </a:rPr>
+              <a:t>    ON </a:t>
             </a:r>
             <a:r>
               <a:rPr lang="en-US" sz="900" dirty="0" err="1">
@@ -17000,12 +16676,42 @@
                 <a:latin typeface="Courier New" panose="02070309020205020404" pitchFamily="49" charset="0"/>
                 <a:cs typeface="Courier New" panose="02070309020205020404" pitchFamily="49" charset="0"/>
               </a:rPr>
-              <a:t> IS NULL;</a:t>
-            </a:r>
-            <a:endParaRPr lang="en-US" sz="900" dirty="0" smtClean="0">
+              <a:t> = </a:t>
+            </a:r>
+            <a:r>
+              <a:rPr lang="en-US" sz="900" dirty="0" err="1">
+                <a:latin typeface="Courier New" panose="02070309020205020404" pitchFamily="49" charset="0"/>
+                <a:cs typeface="Courier New" panose="02070309020205020404" pitchFamily="49" charset="0"/>
+              </a:rPr>
+              <a:t>s.state_id</a:t>
+            </a:r>
+            <a:endParaRPr lang="en-US" sz="900" dirty="0">
               <a:latin typeface="Courier New" panose="02070309020205020404" pitchFamily="49" charset="0"/>
               <a:cs typeface="Courier New" panose="02070309020205020404" pitchFamily="49" charset="0"/>
             </a:endParaRPr>
+          </a:p>
+          <a:p>
+            <a:r>
+              <a:rPr lang="en-US" sz="900" dirty="0">
+                <a:latin typeface="Courier New" panose="02070309020205020404" pitchFamily="49" charset="0"/>
+                <a:cs typeface="Courier New" panose="02070309020205020404" pitchFamily="49" charset="0"/>
+              </a:rPr>
+              <a:t> WHERE </a:t>
+            </a:r>
+            <a:r>
+              <a:rPr lang="en-US" sz="900" dirty="0" err="1">
+                <a:latin typeface="Courier New" panose="02070309020205020404" pitchFamily="49" charset="0"/>
+                <a:cs typeface="Courier New" panose="02070309020205020404" pitchFamily="49" charset="0"/>
+              </a:rPr>
+              <a:t>c.state_id</a:t>
+            </a:r>
+            <a:r>
+              <a:rPr lang="en-US" sz="900" dirty="0">
+                <a:latin typeface="Courier New" panose="02070309020205020404" pitchFamily="49" charset="0"/>
+                <a:cs typeface="Courier New" panose="02070309020205020404" pitchFamily="49" charset="0"/>
+              </a:rPr>
+              <a:t> IS NULL;</a:t>
+            </a:r>
           </a:p>
         </p:txBody>
       </p:sp>
@@ -17150,14 +16856,14 @@
             </a:ln>
             <a:extLst>
               <a:ext uri="{909E8E84-426E-40dd-AFC4-6F175D3DCCD1}">
-                <a14:hiddenFill xmlns="" xmlns:a14="http://schemas.microsoft.com/office/drawing/2010/main">
+                <a14:hiddenFill xmlns:a14="http://schemas.microsoft.com/office/drawing/2010/main" xmlns="">
                   <a:solidFill>
                     <a:srgbClr val="FFFFFF"/>
                   </a:solidFill>
                 </a14:hiddenFill>
               </a:ext>
               <a:ext uri="{91240B29-F687-4f45-9708-019B960494DF}">
-                <a14:hiddenLine xmlns="" xmlns:a14="http://schemas.microsoft.com/office/drawing/2010/main" w="9525">
+                <a14:hiddenLine xmlns:a14="http://schemas.microsoft.com/office/drawing/2010/main" xmlns="" w="9525">
                   <a:solidFill>
                     <a:srgbClr val="000000"/>
                   </a:solidFill>
@@ -17242,7 +16948,7 @@
       </p:pic>
       <p:pic>
         <p:nvPicPr>
-          <p:cNvPr id="6" name="Picture 5"/>
+          <p:cNvPr id="8" name="Picture 7"/>
           <p:cNvPicPr>
             <a:picLocks noChangeAspect="1"/>
           </p:cNvPicPr>
@@ -17256,8 +16962,8 @@
         </p:blipFill>
         <p:spPr>
           <a:xfrm>
-            <a:off x="4123921" y="3573016"/>
-            <a:ext cx="1660203" cy="2613430"/>
+            <a:off x="4042176" y="3645024"/>
+            <a:ext cx="2041096" cy="2635746"/>
           </a:xfrm>
           <a:prstGeom prst="rect">
             <a:avLst/>
@@ -17279,13 +16985,6 @@
   <p:clrMapOvr>
     <a:masterClrMapping/>
   </p:clrMapOvr>
-  <p:timing>
-    <p:tnLst>
-      <p:par>
-        <p:cTn id="1" dur="indefinite" restart="never" nodeType="tmRoot"/>
-      </p:par>
-    </p:tnLst>
-  </p:timing>
 </p:sld>
 </file>
 
@@ -17328,7 +17027,7 @@
           <a:p>
             <a:pPr algn="l"/>
             <a:r>
-              <a:rPr lang="es-419" sz="2400" dirty="0" smtClean="0">
+              <a:rPr lang="es-419" sz="2400" dirty="0">
                 <a:latin typeface="+mj-lt"/>
                 <a:hlinkClick r:id="rId2"/>
               </a:rPr>
@@ -17397,7 +17096,7 @@
           <a:lstStyle/>
           <a:p>
             <a:r>
-              <a:rPr lang="en-US" sz="1100" dirty="0" smtClean="0">
+              <a:rPr lang="en-US" sz="1100" dirty="0">
                 <a:latin typeface="Courier New" panose="02070309020205020404" pitchFamily="49" charset="0"/>
                 <a:cs typeface="Courier New" panose="02070309020205020404" pitchFamily="49" charset="0"/>
               </a:rPr>
@@ -17456,28 +17155,14 @@
                 <a:latin typeface="Courier New" panose="02070309020205020404" pitchFamily="49" charset="0"/>
                 <a:cs typeface="Courier New" panose="02070309020205020404" pitchFamily="49" charset="0"/>
               </a:rPr>
-              <a:t> </a:t>
-            </a:r>
-            <a:r>
-              <a:rPr lang="es-419" sz="1100" dirty="0" smtClean="0">
-                <a:latin typeface="Courier New" panose="02070309020205020404" pitchFamily="49" charset="0"/>
-                <a:cs typeface="Courier New" panose="02070309020205020404" pitchFamily="49" charset="0"/>
-              </a:rPr>
-              <a:t> FULL</a:t>
-            </a:r>
-            <a:r>
-              <a:rPr lang="en-US" sz="1100" dirty="0" smtClean="0">
-                <a:latin typeface="Courier New" panose="02070309020205020404" pitchFamily="49" charset="0"/>
-                <a:cs typeface="Courier New" panose="02070309020205020404" pitchFamily="49" charset="0"/>
-              </a:rPr>
-              <a:t> </a:t>
+              <a:t>  FULL</a:t>
             </a:r>
             <a:r>
               <a:rPr lang="en-US" sz="1100" dirty="0">
                 <a:latin typeface="Courier New" panose="02070309020205020404" pitchFamily="49" charset="0"/>
                 <a:cs typeface="Courier New" panose="02070309020205020404" pitchFamily="49" charset="0"/>
               </a:rPr>
-              <a:t>JOIN </a:t>
+              <a:t> JOIN </a:t>
             </a:r>
             <a:r>
               <a:rPr lang="en-US" sz="1100" i="1" dirty="0">
@@ -17516,7 +17201,7 @@
               <a:t> = </a:t>
             </a:r>
             <a:r>
-              <a:rPr lang="en-US" sz="1100" i="1" dirty="0" err="1" smtClean="0">
+              <a:rPr lang="en-US" sz="1100" i="1" dirty="0" err="1">
                 <a:solidFill>
                   <a:srgbClr val="00B050"/>
                 </a:solidFill>
@@ -17526,7 +17211,7 @@
               <a:t>e.dep_id</a:t>
             </a:r>
             <a:r>
-              <a:rPr lang="en-US" sz="1100" b="1" dirty="0" smtClean="0">
+              <a:rPr lang="en-US" sz="1100" b="1" dirty="0">
                 <a:latin typeface="Courier New" panose="02070309020205020404" pitchFamily="49" charset="0"/>
                 <a:cs typeface="Courier New" panose="02070309020205020404" pitchFamily="49" charset="0"/>
               </a:rPr>
@@ -17717,14 +17402,14 @@
             </a:ln>
             <a:extLst>
               <a:ext uri="{909E8E84-426E-40dd-AFC4-6F175D3DCCD1}">
-                <a14:hiddenFill xmlns="" xmlns:a14="http://schemas.microsoft.com/office/drawing/2010/main">
+                <a14:hiddenFill xmlns:a14="http://schemas.microsoft.com/office/drawing/2010/main" xmlns="">
                   <a:solidFill>
                     <a:srgbClr val="FFFFFF"/>
                   </a:solidFill>
                 </a14:hiddenFill>
               </a:ext>
               <a:ext uri="{91240B29-F687-4f45-9708-019B960494DF}">
-                <a14:hiddenLine xmlns="" xmlns:a14="http://schemas.microsoft.com/office/drawing/2010/main" w="9525">
+                <a14:hiddenLine xmlns:a14="http://schemas.microsoft.com/office/drawing/2010/main" xmlns="" w="9525">
                   <a:solidFill>
                     <a:srgbClr val="000000"/>
                   </a:solidFill>
@@ -17797,7 +17482,7 @@
           <a:lstStyle/>
           <a:p>
             <a:r>
-              <a:rPr lang="en-US" sz="1100" dirty="0" smtClean="0">
+              <a:rPr lang="en-US" sz="1100" dirty="0">
                 <a:latin typeface="Courier New" panose="02070309020205020404" pitchFamily="49" charset="0"/>
                 <a:cs typeface="Courier New" panose="02070309020205020404" pitchFamily="49" charset="0"/>
               </a:rPr>
@@ -17856,28 +17541,14 @@
                 <a:latin typeface="Courier New" panose="02070309020205020404" pitchFamily="49" charset="0"/>
                 <a:cs typeface="Courier New" panose="02070309020205020404" pitchFamily="49" charset="0"/>
               </a:rPr>
-              <a:t> </a:t>
-            </a:r>
-            <a:r>
-              <a:rPr lang="es-419" sz="1100" dirty="0" smtClean="0">
-                <a:latin typeface="Courier New" panose="02070309020205020404" pitchFamily="49" charset="0"/>
-                <a:cs typeface="Courier New" panose="02070309020205020404" pitchFamily="49" charset="0"/>
-              </a:rPr>
-              <a:t> FULL</a:t>
-            </a:r>
-            <a:r>
-              <a:rPr lang="en-US" sz="1100" dirty="0" smtClean="0">
-                <a:latin typeface="Courier New" panose="02070309020205020404" pitchFamily="49" charset="0"/>
-                <a:cs typeface="Courier New" panose="02070309020205020404" pitchFamily="49" charset="0"/>
-              </a:rPr>
-              <a:t> </a:t>
+              <a:t>  FULL</a:t>
             </a:r>
             <a:r>
               <a:rPr lang="en-US" sz="1100" dirty="0">
                 <a:latin typeface="Courier New" panose="02070309020205020404" pitchFamily="49" charset="0"/>
                 <a:cs typeface="Courier New" panose="02070309020205020404" pitchFamily="49" charset="0"/>
               </a:rPr>
-              <a:t>JOIN </a:t>
+              <a:t> JOIN </a:t>
             </a:r>
             <a:r>
               <a:rPr lang="en-US" sz="1100" i="1" dirty="0">
@@ -17916,7 +17587,7 @@
               <a:t> = </a:t>
             </a:r>
             <a:r>
-              <a:rPr lang="en-US" sz="1100" i="1" dirty="0" err="1" smtClean="0">
+              <a:rPr lang="en-US" sz="1100" i="1" dirty="0" err="1">
                 <a:solidFill>
                   <a:srgbClr val="00B050"/>
                 </a:solidFill>
@@ -17926,7 +17597,7 @@
               <a:t>e.dep_id</a:t>
             </a:r>
             <a:r>
-              <a:rPr lang="en-US" sz="1100" b="1" dirty="0" smtClean="0">
+              <a:rPr lang="en-US" sz="1100" b="1" dirty="0">
                 <a:latin typeface="Courier New" panose="02070309020205020404" pitchFamily="49" charset="0"/>
                 <a:cs typeface="Courier New" panose="02070309020205020404" pitchFamily="49" charset="0"/>
               </a:rPr>
@@ -17979,32 +17650,22 @@
                 <a:latin typeface="Courier New" panose="02070309020205020404" pitchFamily="49" charset="0"/>
                 <a:cs typeface="Courier New" panose="02070309020205020404" pitchFamily="49" charset="0"/>
               </a:rPr>
-              <a:t> IS </a:t>
-            </a:r>
-            <a:r>
-              <a:rPr lang="es-419" sz="1100" i="1" dirty="0" smtClean="0">
+              <a:t> IS NULL</a:t>
+            </a:r>
+          </a:p>
+          <a:p>
+            <a:r>
+              <a:rPr lang="es-419" sz="1100" b="1" i="1" dirty="0">
                 <a:solidFill>
                   <a:srgbClr val="00B050"/>
                 </a:solidFill>
                 <a:latin typeface="Courier New" panose="02070309020205020404" pitchFamily="49" charset="0"/>
                 <a:cs typeface="Courier New" panose="02070309020205020404" pitchFamily="49" charset="0"/>
               </a:rPr>
-              <a:t>NULL</a:t>
-            </a:r>
-          </a:p>
-          <a:p>
-            <a:r>
-              <a:rPr lang="es-419" sz="1100" b="1" i="1" dirty="0" smtClean="0">
-                <a:solidFill>
-                  <a:srgbClr val="00B050"/>
-                </a:solidFill>
-                <a:latin typeface="Courier New" panose="02070309020205020404" pitchFamily="49" charset="0"/>
-                <a:cs typeface="Courier New" panose="02070309020205020404" pitchFamily="49" charset="0"/>
-              </a:rPr>
               <a:t>    </a:t>
             </a:r>
             <a:r>
-              <a:rPr lang="es-419" sz="1100" dirty="0" smtClean="0">
+              <a:rPr lang="es-419" sz="1100" dirty="0">
                 <a:latin typeface="Courier New" panose="02070309020205020404" pitchFamily="49" charset="0"/>
                 <a:cs typeface="Courier New" panose="02070309020205020404" pitchFamily="49" charset="0"/>
               </a:rPr>
@@ -18021,7 +17682,7 @@
               <a:t>e</a:t>
             </a:r>
             <a:r>
-              <a:rPr lang="en-US" sz="1100" i="1" dirty="0" smtClean="0">
+              <a:rPr lang="en-US" sz="1100" i="1" dirty="0">
                 <a:solidFill>
                   <a:srgbClr val="00B050"/>
                 </a:solidFill>
@@ -18031,7 +17692,7 @@
               <a:t>.</a:t>
             </a:r>
             <a:r>
-              <a:rPr lang="en-US" sz="1100" i="1" dirty="0" err="1" smtClean="0">
+              <a:rPr lang="en-US" sz="1100" i="1" dirty="0" err="1">
                 <a:solidFill>
                   <a:srgbClr val="00B050"/>
                 </a:solidFill>
@@ -18039,16 +17700,6 @@
                 <a:cs typeface="Courier New" panose="02070309020205020404" pitchFamily="49" charset="0"/>
               </a:rPr>
               <a:t>dep_id</a:t>
-            </a:r>
-            <a:r>
-              <a:rPr lang="es-419" sz="1100" i="1" dirty="0" smtClean="0">
-                <a:solidFill>
-                  <a:srgbClr val="00B050"/>
-                </a:solidFill>
-                <a:latin typeface="Courier New" panose="02070309020205020404" pitchFamily="49" charset="0"/>
-                <a:cs typeface="Courier New" panose="02070309020205020404" pitchFamily="49" charset="0"/>
-              </a:rPr>
-              <a:t> </a:t>
             </a:r>
             <a:r>
               <a:rPr lang="es-419" sz="1100" i="1" dirty="0">
@@ -18058,10 +17709,10 @@
                 <a:latin typeface="Courier New" panose="02070309020205020404" pitchFamily="49" charset="0"/>
                 <a:cs typeface="Courier New" panose="02070309020205020404" pitchFamily="49" charset="0"/>
               </a:rPr>
-              <a:t>IS NULL</a:t>
-            </a:r>
-            <a:r>
-              <a:rPr lang="en-US" sz="1100" b="1" dirty="0" smtClean="0">
+              <a:t> IS NULL</a:t>
+            </a:r>
+            <a:r>
+              <a:rPr lang="en-US" sz="1100" b="1" dirty="0">
                 <a:latin typeface="Courier New" panose="02070309020205020404" pitchFamily="49" charset="0"/>
                 <a:cs typeface="Courier New" panose="02070309020205020404" pitchFamily="49" charset="0"/>
               </a:rPr>
@@ -18229,35 +17880,21 @@
           <a:p>
             <a:pPr algn="l"/>
             <a:r>
-              <a:rPr lang="es-419" sz="2400" dirty="0" smtClean="0">
-                <a:latin typeface="+mj-lt"/>
-                <a:hlinkClick r:id="rId2"/>
-              </a:rPr>
-              <a:t>FULL </a:t>
-            </a:r>
-            <a:r>
               <a:rPr lang="es-419" sz="2400" dirty="0">
                 <a:latin typeface="+mj-lt"/>
                 <a:hlinkClick r:id="rId2"/>
               </a:rPr>
-              <a:t>[</a:t>
-            </a:r>
-            <a:r>
-              <a:rPr lang="es-419" sz="2400" dirty="0" smtClean="0">
+              <a:t>FULL [OUTER] (</a:t>
+            </a:r>
+            <a:r>
+              <a:rPr lang="es-419" sz="2400" dirty="0" err="1">
                 <a:latin typeface="+mj-lt"/>
                 <a:hlinkClick r:id="rId2"/>
               </a:rPr>
-              <a:t>OUTER] (</a:t>
-            </a:r>
-            <a:r>
-              <a:rPr lang="es-419" sz="2400" dirty="0" err="1" smtClean="0">
-                <a:latin typeface="+mj-lt"/>
-                <a:hlinkClick r:id="rId2"/>
-              </a:rPr>
               <a:t>Excluding</a:t>
             </a:r>
             <a:r>
-              <a:rPr lang="es-419" sz="2400" dirty="0" smtClean="0">
+              <a:rPr lang="es-419" sz="2400" dirty="0">
                 <a:latin typeface="+mj-lt"/>
                 <a:hlinkClick r:id="rId2"/>
               </a:rPr>
@@ -18451,14 +18088,14 @@
             </a:ln>
             <a:extLst>
               <a:ext uri="{909E8E84-426E-40dd-AFC4-6F175D3DCCD1}">
-                <a14:hiddenFill xmlns="" xmlns:a14="http://schemas.microsoft.com/office/drawing/2010/main">
+                <a14:hiddenFill xmlns:a14="http://schemas.microsoft.com/office/drawing/2010/main" xmlns="">
                   <a:solidFill>
                     <a:srgbClr val="FFFFFF"/>
                   </a:solidFill>
                 </a14:hiddenFill>
               </a:ext>
               <a:ext uri="{91240B29-F687-4f45-9708-019B960494DF}">
-                <a14:hiddenLine xmlns="" xmlns:a14="http://schemas.microsoft.com/office/drawing/2010/main" w="9525">
+                <a14:hiddenLine xmlns:a14="http://schemas.microsoft.com/office/drawing/2010/main" xmlns="" w="9525">
                   <a:solidFill>
                     <a:srgbClr val="000000"/>
                   </a:solidFill>
@@ -18510,13 +18147,6 @@
   <p:clrMapOvr>
     <a:masterClrMapping/>
   </p:clrMapOvr>
-  <p:timing>
-    <p:tnLst>
-      <p:par>
-        <p:cTn id="1" dur="indefinite" restart="never" nodeType="tmRoot"/>
-      </p:par>
-    </p:tnLst>
-  </p:timing>
 </p:sld>
 </file>
 
@@ -19557,6 +19187,15 @@
 </file>
 
 <file path=customXml/item2.xml><?xml version="1.0" encoding="utf-8"?>
+<?mso-contentType ?>
+<FormTemplates xmlns="http://schemas.microsoft.com/sharepoint/v3/contenttype/forms">
+  <Display>DocumentLibraryForm</Display>
+  <Edit>DocumentLibraryForm</Edit>
+  <New>DocumentLibraryForm</New>
+</FormTemplates>
+</file>
+
+<file path=customXml/item3.xml><?xml version="1.0" encoding="utf-8"?>
 <ct:contentTypeSchema xmlns:ct="http://schemas.microsoft.com/office/2006/metadata/contentType" xmlns:ma="http://schemas.microsoft.com/office/2006/metadata/properties/metaAttributes" ct:_="" ma:_="" ma:contentTypeName="Document" ma:contentTypeID="0x010100BF73FF7AA600A74DA303202E068F3B98" ma:contentTypeVersion="0" ma:contentTypeDescription="Create a new document." ma:contentTypeScope="" ma:versionID="15e34d513bc1c5922fdc1b75015e707c">
   <xsd:schema xmlns:xsd="http://www.w3.org/2001/XMLSchema" xmlns:xs="http://www.w3.org/2001/XMLSchema" xmlns:p="http://schemas.microsoft.com/office/2006/metadata/properties" xmlns:ns2="90e5e253-50b2-47e0-ab40-088f51eedbac" targetNamespace="http://schemas.microsoft.com/office/2006/metadata/properties" ma:root="true" ma:fieldsID="7895aa71ad85a7a2616823a07b65eac8" ns2:_="">
     <xsd:import namespace="90e5e253-50b2-47e0-ab40-088f51eedbac"/>
@@ -19687,32 +19326,31 @@
 </ct:contentTypeSchema>
 </file>
 
-<file path=customXml/item3.xml><?xml version="1.0" encoding="utf-8"?>
-<?mso-contentType ?>
-<FormTemplates xmlns="http://schemas.microsoft.com/sharepoint/v3/contenttype/forms">
-  <Display>DocumentLibraryForm</Display>
-  <Edit>DocumentLibraryForm</Edit>
-  <New>DocumentLibraryForm</New>
-</FormTemplates>
-</file>
-
 <file path=customXml/itemProps1.xml><?xml version="1.0" encoding="utf-8"?>
 <ds:datastoreItem xmlns:ds="http://schemas.openxmlformats.org/officeDocument/2006/customXml" ds:itemID="{F878CFFA-FA4D-496F-B8D2-C7DD46C2A279}">
   <ds:schemaRefs>
+    <ds:schemaRef ds:uri="http://schemas.microsoft.com/office/infopath/2007/PartnerControls"/>
+    <ds:schemaRef ds:uri="http://purl.org/dc/elements/1.1/"/>
+    <ds:schemaRef ds:uri="http://purl.org/dc/dcmitype/"/>
     <ds:schemaRef ds:uri="http://schemas.openxmlformats.org/package/2006/metadata/core-properties"/>
+    <ds:schemaRef ds:uri="http://purl.org/dc/terms/"/>
+    <ds:schemaRef ds:uri="http://schemas.microsoft.com/office/2006/documentManagement/types"/>
+    <ds:schemaRef ds:uri="90e5e253-50b2-47e0-ab40-088f51eedbac"/>
+    <ds:schemaRef ds:uri="http://schemas.microsoft.com/office/2006/metadata/properties"/>
     <ds:schemaRef ds:uri="http://www.w3.org/XML/1998/namespace"/>
-    <ds:schemaRef ds:uri="http://purl.org/dc/elements/1.1/"/>
-    <ds:schemaRef ds:uri="90e5e253-50b2-47e0-ab40-088f51eedbac"/>
-    <ds:schemaRef ds:uri="http://purl.org/dc/dcmitype/"/>
-    <ds:schemaRef ds:uri="http://schemas.microsoft.com/office/2006/documentManagement/types"/>
-    <ds:schemaRef ds:uri="http://purl.org/dc/terms/"/>
-    <ds:schemaRef ds:uri="http://schemas.microsoft.com/office/infopath/2007/PartnerControls"/>
-    <ds:schemaRef ds:uri="http://schemas.microsoft.com/office/2006/metadata/properties"/>
   </ds:schemaRefs>
 </ds:datastoreItem>
 </file>
 
 <file path=customXml/itemProps2.xml><?xml version="1.0" encoding="utf-8"?>
+<ds:datastoreItem xmlns:ds="http://schemas.openxmlformats.org/officeDocument/2006/customXml" ds:itemID="{9D25E79C-CB22-414C-9E48-01ED10321A76}">
+  <ds:schemaRefs>
+    <ds:schemaRef ds:uri="http://schemas.microsoft.com/sharepoint/v3/contenttype/forms"/>
+  </ds:schemaRefs>
+</ds:datastoreItem>
+</file>
+
+<file path=customXml/itemProps3.xml><?xml version="1.0" encoding="utf-8"?>
 <ds:datastoreItem xmlns:ds="http://schemas.openxmlformats.org/officeDocument/2006/customXml" ds:itemID="{42AE7D4F-FA53-4617-A082-86779C2B9BEF}">
   <ds:schemaRefs>
     <ds:schemaRef ds:uri="http://schemas.microsoft.com/office/2006/metadata/contentType"/>
@@ -19728,12 +19366,4 @@
     <ds:schemaRef ds:uri="http://schemas.microsoft.com/internal/obd"/>
   </ds:schemaRefs>
 </ds:datastoreItem>
-</file>
-
-<file path=customXml/itemProps3.xml><?xml version="1.0" encoding="utf-8"?>
-<ds:datastoreItem xmlns:ds="http://schemas.openxmlformats.org/officeDocument/2006/customXml" ds:itemID="{9D25E79C-CB22-414C-9E48-01ED10321A76}">
-  <ds:schemaRefs>
-    <ds:schemaRef ds:uri="http://schemas.microsoft.com/sharepoint/v3/contenttype/forms"/>
-  </ds:schemaRefs>
-</ds:datastoreItem>
 </file>
--- a/SQL-master/SQL [3] Joins.pptx
+++ b/SQL-master/SQL [3] Joins.pptx
@@ -267,7 +267,7 @@
           <a:p>
             <a:fld id="{E23C31A4-E588-4D7D-8556-3E7A80E3618E}" type="datetimeFigureOut">
               <a:rPr lang="es-MX" smtClean="0"/>
-              <a:t>20/11/2016</a:t>
+              <a:t>23/11/2016</a:t>
             </a:fld>
             <a:endParaRPr lang="es-MX"/>
           </a:p>
@@ -445,7 +445,7 @@
               <a:pPr>
                 <a:defRPr/>
               </a:pPr>
-              <a:t>20/11/2016</a:t>
+              <a:t>23/11/2016</a:t>
             </a:fld>
             <a:endParaRPr lang="es-MX" dirty="0"/>
           </a:p>
@@ -7540,7 +7540,7 @@
           <a:noFill/>
           <a:extLst>
             <a:ext uri="{909E8E84-426E-40dd-AFC4-6F175D3DCCD1}">
-              <a14:hiddenFill xmlns:a14="http://schemas.microsoft.com/office/drawing/2010/main" xmlns="">
+              <a14:hiddenFill xmlns="" xmlns:a14="http://schemas.microsoft.com/office/drawing/2010/main">
                 <a:solidFill>
                   <a:srgbClr val="FFFFFF"/>
                 </a:solidFill>
@@ -7801,7 +7801,7 @@
           <a:noFill/>
           <a:extLst>
             <a:ext uri="{909E8E84-426E-40dd-AFC4-6F175D3DCCD1}">
-              <a14:hiddenFill xmlns:a14="http://schemas.microsoft.com/office/drawing/2010/main" xmlns="">
+              <a14:hiddenFill xmlns="" xmlns:a14="http://schemas.microsoft.com/office/drawing/2010/main">
                 <a:solidFill>
                   <a:srgbClr val="FFFFFF"/>
                 </a:solidFill>
@@ -9154,7 +9154,7 @@
           <a:noFill/>
           <a:extLst>
             <a:ext uri="{909E8E84-426E-40dd-AFC4-6F175D3DCCD1}">
-              <a14:hiddenFill xmlns:a14="http://schemas.microsoft.com/office/drawing/2010/main" xmlns="">
+              <a14:hiddenFill xmlns="" xmlns:a14="http://schemas.microsoft.com/office/drawing/2010/main">
                 <a:solidFill>
                   <a:srgbClr val="FFFFFF"/>
                 </a:solidFill>
@@ -9866,14 +9866,14 @@
           </a:ln>
           <a:extLst>
             <a:ext uri="{909E8E84-426E-40dd-AFC4-6F175D3DCCD1}">
-              <a14:hiddenFill xmlns:a14="http://schemas.microsoft.com/office/drawing/2010/main" xmlns="">
+              <a14:hiddenFill xmlns="" xmlns:a14="http://schemas.microsoft.com/office/drawing/2010/main">
                 <a:solidFill>
                   <a:srgbClr val="FFFFFF"/>
                 </a:solidFill>
               </a14:hiddenFill>
             </a:ext>
             <a:ext uri="{91240B29-F687-4f45-9708-019B960494DF}">
-              <a14:hiddenLine xmlns:a14="http://schemas.microsoft.com/office/drawing/2010/main" xmlns="" w="9525">
+              <a14:hiddenLine xmlns="" xmlns:a14="http://schemas.microsoft.com/office/drawing/2010/main" w="9525">
                 <a:solidFill>
                   <a:srgbClr val="000000"/>
                 </a:solidFill>
@@ -9949,14 +9949,14 @@
           </a:ln>
           <a:extLst>
             <a:ext uri="{909E8E84-426E-40dd-AFC4-6F175D3DCCD1}">
-              <a14:hiddenFill xmlns:a14="http://schemas.microsoft.com/office/drawing/2010/main" xmlns="">
+              <a14:hiddenFill xmlns="" xmlns:a14="http://schemas.microsoft.com/office/drawing/2010/main">
                 <a:solidFill>
                   <a:srgbClr val="FFFFFF"/>
                 </a:solidFill>
               </a14:hiddenFill>
             </a:ext>
             <a:ext uri="{91240B29-F687-4f45-9708-019B960494DF}">
-              <a14:hiddenLine xmlns:a14="http://schemas.microsoft.com/office/drawing/2010/main" xmlns="" w="9525">
+              <a14:hiddenLine xmlns="" xmlns:a14="http://schemas.microsoft.com/office/drawing/2010/main" w="9525">
                 <a:solidFill>
                   <a:srgbClr val="000000"/>
                 </a:solidFill>
@@ -10015,7 +10015,7 @@
           <a:noFill/>
           <a:extLst>
             <a:ext uri="{909E8E84-426E-40dd-AFC4-6F175D3DCCD1}">
-              <a14:hiddenFill xmlns:a14="http://schemas.microsoft.com/office/drawing/2010/main" xmlns="">
+              <a14:hiddenFill xmlns="" xmlns:a14="http://schemas.microsoft.com/office/drawing/2010/main">
                 <a:solidFill>
                   <a:srgbClr val="FFFFFF"/>
                 </a:solidFill>
@@ -11800,7 +11800,7 @@
         <p:spPr>
           <a:xfrm>
             <a:off x="179512" y="3573016"/>
-            <a:ext cx="2376264" cy="2308324"/>
+            <a:ext cx="4536504" cy="1892826"/>
           </a:xfrm>
           <a:prstGeom prst="rect">
             <a:avLst/>
@@ -12098,6 +12098,34 @@
               </a:rPr>
               <a:t>ur</a:t>
             </a:r>
+            <a:r>
+              <a:rPr lang="en-US" sz="900" dirty="0">
+                <a:latin typeface="Courier New" panose="02070309020205020404" pitchFamily="49" charset="0"/>
+                <a:cs typeface="Courier New" panose="02070309020205020404" pitchFamily="49" charset="0"/>
+              </a:rPr>
+              <a:t> ON </a:t>
+            </a:r>
+            <a:r>
+              <a:rPr lang="en-US" sz="900" dirty="0" err="1">
+                <a:latin typeface="Courier New" panose="02070309020205020404" pitchFamily="49" charset="0"/>
+                <a:cs typeface="Courier New" panose="02070309020205020404" pitchFamily="49" charset="0"/>
+              </a:rPr>
+              <a:t>u.user_role_id</a:t>
+            </a:r>
+            <a:r>
+              <a:rPr lang="en-US" sz="900" dirty="0">
+                <a:latin typeface="Courier New" panose="02070309020205020404" pitchFamily="49" charset="0"/>
+                <a:cs typeface="Courier New" panose="02070309020205020404" pitchFamily="49" charset="0"/>
+              </a:rPr>
+              <a:t> = </a:t>
+            </a:r>
+            <a:r>
+              <a:rPr lang="en-US" sz="900" dirty="0" err="1">
+                <a:latin typeface="Courier New" panose="02070309020205020404" pitchFamily="49" charset="0"/>
+                <a:cs typeface="Courier New" panose="02070309020205020404" pitchFamily="49" charset="0"/>
+              </a:rPr>
+              <a:t>ur.user_role_id</a:t>
+            </a:r>
             <a:endParaRPr lang="en-US" sz="900" dirty="0">
               <a:latin typeface="Courier New" panose="02070309020205020404" pitchFamily="49" charset="0"/>
               <a:cs typeface="Courier New" panose="02070309020205020404" pitchFamily="49" charset="0"/>
@@ -12109,75 +12137,35 @@
                 <a:latin typeface="Courier New" panose="02070309020205020404" pitchFamily="49" charset="0"/>
                 <a:cs typeface="Courier New" panose="02070309020205020404" pitchFamily="49" charset="0"/>
               </a:rPr>
-              <a:t>    ON </a:t>
+              <a:t> INNER JOIN </a:t>
             </a:r>
             <a:r>
               <a:rPr lang="en-US" sz="900" dirty="0" err="1">
                 <a:latin typeface="Courier New" panose="02070309020205020404" pitchFamily="49" charset="0"/>
                 <a:cs typeface="Courier New" panose="02070309020205020404" pitchFamily="49" charset="0"/>
               </a:rPr>
-              <a:t>u.user_role_id</a:t>
+              <a:t>ship_to</a:t>
             </a:r>
             <a:r>
               <a:rPr lang="en-US" sz="900" dirty="0">
                 <a:latin typeface="Courier New" panose="02070309020205020404" pitchFamily="49" charset="0"/>
                 <a:cs typeface="Courier New" panose="02070309020205020404" pitchFamily="49" charset="0"/>
               </a:rPr>
-              <a:t> = </a:t>
+              <a:t> </a:t>
             </a:r>
             <a:r>
               <a:rPr lang="en-US" sz="900" dirty="0" err="1">
                 <a:latin typeface="Courier New" panose="02070309020205020404" pitchFamily="49" charset="0"/>
                 <a:cs typeface="Courier New" panose="02070309020205020404" pitchFamily="49" charset="0"/>
               </a:rPr>
-              <a:t>ur.user_role_id</a:t>
-            </a:r>
-            <a:endParaRPr lang="en-US" sz="900" dirty="0">
-              <a:latin typeface="Courier New" panose="02070309020205020404" pitchFamily="49" charset="0"/>
-              <a:cs typeface="Courier New" panose="02070309020205020404" pitchFamily="49" charset="0"/>
-            </a:endParaRPr>
-          </a:p>
-          <a:p>
+              <a:t>st</a:t>
+            </a:r>
             <a:r>
               <a:rPr lang="en-US" sz="900" dirty="0">
                 <a:latin typeface="Courier New" panose="02070309020205020404" pitchFamily="49" charset="0"/>
                 <a:cs typeface="Courier New" panose="02070309020205020404" pitchFamily="49" charset="0"/>
               </a:rPr>
-              <a:t> INNER JOIN </a:t>
-            </a:r>
-            <a:r>
-              <a:rPr lang="en-US" sz="900" dirty="0" err="1">
-                <a:latin typeface="Courier New" panose="02070309020205020404" pitchFamily="49" charset="0"/>
-                <a:cs typeface="Courier New" panose="02070309020205020404" pitchFamily="49" charset="0"/>
-              </a:rPr>
-              <a:t>ship_to</a:t>
-            </a:r>
-            <a:r>
-              <a:rPr lang="en-US" sz="900" dirty="0">
-                <a:latin typeface="Courier New" panose="02070309020205020404" pitchFamily="49" charset="0"/>
-                <a:cs typeface="Courier New" panose="02070309020205020404" pitchFamily="49" charset="0"/>
-              </a:rPr>
-              <a:t> </a:t>
-            </a:r>
-            <a:r>
-              <a:rPr lang="en-US" sz="900" dirty="0" err="1">
-                <a:latin typeface="Courier New" panose="02070309020205020404" pitchFamily="49" charset="0"/>
-                <a:cs typeface="Courier New" panose="02070309020205020404" pitchFamily="49" charset="0"/>
-              </a:rPr>
-              <a:t>st</a:t>
-            </a:r>
-            <a:endParaRPr lang="en-US" sz="900" dirty="0">
-              <a:latin typeface="Courier New" panose="02070309020205020404" pitchFamily="49" charset="0"/>
-              <a:cs typeface="Courier New" panose="02070309020205020404" pitchFamily="49" charset="0"/>
-            </a:endParaRPr>
-          </a:p>
-          <a:p>
-            <a:r>
-              <a:rPr lang="en-US" sz="900" dirty="0">
-                <a:latin typeface="Courier New" panose="02070309020205020404" pitchFamily="49" charset="0"/>
-                <a:cs typeface="Courier New" panose="02070309020205020404" pitchFamily="49" charset="0"/>
-              </a:rPr>
-              <a:t>    ON </a:t>
+              <a:t> ON </a:t>
             </a:r>
             <a:r>
               <a:rPr lang="en-US" sz="900" dirty="0" err="1">
@@ -12384,14 +12372,14 @@
             </a:ln>
             <a:extLst>
               <a:ext uri="{909E8E84-426E-40dd-AFC4-6F175D3DCCD1}">
-                <a14:hiddenFill xmlns:a14="http://schemas.microsoft.com/office/drawing/2010/main" xmlns="">
+                <a14:hiddenFill xmlns="" xmlns:a14="http://schemas.microsoft.com/office/drawing/2010/main">
                   <a:solidFill>
                     <a:srgbClr val="FFFFFF"/>
                   </a:solidFill>
                 </a14:hiddenFill>
               </a:ext>
               <a:ext uri="{91240B29-F687-4f45-9708-019B960494DF}">
-                <a14:hiddenLine xmlns:a14="http://schemas.microsoft.com/office/drawing/2010/main" xmlns="" w="9525">
+                <a14:hiddenLine xmlns="" xmlns:a14="http://schemas.microsoft.com/office/drawing/2010/main" w="9525">
                   <a:solidFill>
                     <a:srgbClr val="000000"/>
                   </a:solidFill>
@@ -12461,7 +12449,7 @@
         </p:blipFill>
         <p:spPr>
           <a:xfrm>
-            <a:off x="2689810" y="4581128"/>
+            <a:off x="2761818" y="4071058"/>
             <a:ext cx="5914638" cy="726094"/>
           </a:xfrm>
           <a:prstGeom prst="rect">
@@ -12572,7 +12560,7 @@
         <p:spPr>
           <a:xfrm>
             <a:off x="539552" y="1037635"/>
-            <a:ext cx="3462507" cy="2169825"/>
+            <a:ext cx="5112568" cy="1892826"/>
           </a:xfrm>
           <a:prstGeom prst="rect">
             <a:avLst/>
@@ -12895,16 +12883,7 @@
                 <a:latin typeface="Courier New" panose="02070309020205020404" pitchFamily="49" charset="0"/>
                 <a:cs typeface="Courier New" panose="02070309020205020404" pitchFamily="49" charset="0"/>
               </a:rPr>
-              <a:t> INNER JOIN state s</a:t>
-            </a:r>
-          </a:p>
-          <a:p>
-            <a:r>
-              <a:rPr lang="en-US" sz="900" dirty="0">
-                <a:latin typeface="Courier New" panose="02070309020205020404" pitchFamily="49" charset="0"/>
-                <a:cs typeface="Courier New" panose="02070309020205020404" pitchFamily="49" charset="0"/>
-              </a:rPr>
-              <a:t>    ON </a:t>
+              <a:t> INNER JOIN state s ON </a:t>
             </a:r>
             <a:r>
               <a:rPr lang="en-US" sz="900" dirty="0" err="1">
@@ -12961,18 +12940,12 @@
               </a:rPr>
               <a:t>sz</a:t>
             </a:r>
-            <a:endParaRPr lang="en-US" sz="900" dirty="0">
-              <a:latin typeface="Courier New" panose="02070309020205020404" pitchFamily="49" charset="0"/>
-              <a:cs typeface="Courier New" panose="02070309020205020404" pitchFamily="49" charset="0"/>
-            </a:endParaRPr>
-          </a:p>
-          <a:p>
             <a:r>
               <a:rPr lang="en-US" sz="900" dirty="0">
                 <a:latin typeface="Courier New" panose="02070309020205020404" pitchFamily="49" charset="0"/>
                 <a:cs typeface="Courier New" panose="02070309020205020404" pitchFamily="49" charset="0"/>
               </a:rPr>
-              <a:t>    ON </a:t>
+              <a:t> ON </a:t>
             </a:r>
             <a:r>
               <a:rPr lang="en-US" sz="900" dirty="0" err="1">
@@ -13333,7 +13306,7 @@
         <p:spPr>
           <a:xfrm>
             <a:off x="179512" y="3689814"/>
-            <a:ext cx="3600400" cy="2308324"/>
+            <a:ext cx="3600400" cy="2031325"/>
           </a:xfrm>
           <a:prstGeom prst="rect">
             <a:avLst/>
@@ -13723,16 +13696,7 @@
                 <a:latin typeface="Courier New" panose="02070309020205020404" pitchFamily="49" charset="0"/>
                 <a:cs typeface="Courier New" panose="02070309020205020404" pitchFamily="49" charset="0"/>
               </a:rPr>
-              <a:t> INNER JOIN status s</a:t>
-            </a:r>
-          </a:p>
-          <a:p>
-            <a:r>
-              <a:rPr lang="en-US" sz="900" dirty="0">
-                <a:latin typeface="Courier New" panose="02070309020205020404" pitchFamily="49" charset="0"/>
-                <a:cs typeface="Courier New" panose="02070309020205020404" pitchFamily="49" charset="0"/>
-              </a:rPr>
-              <a:t>    ON </a:t>
+              <a:t> INNER JOIN status s ON </a:t>
             </a:r>
             <a:r>
               <a:rPr lang="en-US" sz="900" dirty="0" err="1">
@@ -13766,16 +13730,7 @@
                 <a:latin typeface="Courier New" panose="02070309020205020404" pitchFamily="49" charset="0"/>
                 <a:cs typeface="Courier New" panose="02070309020205020404" pitchFamily="49" charset="0"/>
               </a:rPr>
-              <a:t>  LEFT JOIN orders o</a:t>
-            </a:r>
-          </a:p>
-          <a:p>
-            <a:r>
-              <a:rPr lang="en-US" sz="900" dirty="0">
-                <a:latin typeface="Courier New" panose="02070309020205020404" pitchFamily="49" charset="0"/>
-                <a:cs typeface="Courier New" panose="02070309020205020404" pitchFamily="49" charset="0"/>
-              </a:rPr>
-              <a:t>    ON </a:t>
+              <a:t>  LEFT JOIN orders o ON </a:t>
             </a:r>
             <a:r>
               <a:rPr lang="en-US" sz="900" dirty="0" err="1">
@@ -13992,14 +13947,14 @@
             </a:ln>
             <a:extLst>
               <a:ext uri="{909E8E84-426E-40dd-AFC4-6F175D3DCCD1}">
-                <a14:hiddenFill xmlns:a14="http://schemas.microsoft.com/office/drawing/2010/main" xmlns="">
+                <a14:hiddenFill xmlns="" xmlns:a14="http://schemas.microsoft.com/office/drawing/2010/main">
                   <a:solidFill>
                     <a:srgbClr val="FFFFFF"/>
                   </a:solidFill>
                 </a14:hiddenFill>
               </a:ext>
               <a:ext uri="{91240B29-F687-4f45-9708-019B960494DF}">
-                <a14:hiddenLine xmlns:a14="http://schemas.microsoft.com/office/drawing/2010/main" xmlns="" w="9525">
+                <a14:hiddenLine xmlns="" xmlns:a14="http://schemas.microsoft.com/office/drawing/2010/main" w="9525">
                   <a:solidFill>
                     <a:srgbClr val="000000"/>
                   </a:solidFill>
@@ -14098,7 +14053,7 @@
         </p:blipFill>
         <p:spPr>
           <a:xfrm>
-            <a:off x="3707904" y="3593491"/>
+            <a:off x="3983923" y="3593491"/>
             <a:ext cx="4116469" cy="2571813"/>
           </a:xfrm>
           <a:prstGeom prst="rect">
@@ -14406,7 +14361,7 @@
         <p:spPr>
           <a:xfrm>
             <a:off x="179512" y="3689814"/>
-            <a:ext cx="3600400" cy="2446824"/>
+            <a:ext cx="3600400" cy="2169825"/>
           </a:xfrm>
           <a:prstGeom prst="rect">
             <a:avLst/>
@@ -14767,16 +14722,7 @@
                 <a:latin typeface="Courier New" panose="02070309020205020404" pitchFamily="49" charset="0"/>
                 <a:cs typeface="Courier New" panose="02070309020205020404" pitchFamily="49" charset="0"/>
               </a:rPr>
-              <a:t> INNER JOIN status s</a:t>
-            </a:r>
-          </a:p>
-          <a:p>
-            <a:r>
-              <a:rPr lang="en-US" sz="900" dirty="0">
-                <a:latin typeface="Courier New" panose="02070309020205020404" pitchFamily="49" charset="0"/>
-                <a:cs typeface="Courier New" panose="02070309020205020404" pitchFamily="49" charset="0"/>
-              </a:rPr>
-              <a:t>    ON </a:t>
+              <a:t> INNER JOIN status s ON </a:t>
             </a:r>
             <a:r>
               <a:rPr lang="en-US" sz="900" dirty="0" err="1">
@@ -14810,16 +14756,7 @@
                 <a:latin typeface="Courier New" panose="02070309020205020404" pitchFamily="49" charset="0"/>
                 <a:cs typeface="Courier New" panose="02070309020205020404" pitchFamily="49" charset="0"/>
               </a:rPr>
-              <a:t>  LEFT JOIN orders o</a:t>
-            </a:r>
-          </a:p>
-          <a:p>
-            <a:r>
-              <a:rPr lang="en-US" sz="900" dirty="0">
-                <a:latin typeface="Courier New" panose="02070309020205020404" pitchFamily="49" charset="0"/>
-                <a:cs typeface="Courier New" panose="02070309020205020404" pitchFamily="49" charset="0"/>
-              </a:rPr>
-              <a:t>    ON </a:t>
+              <a:t>  LEFT JOIN orders o ON </a:t>
             </a:r>
             <a:r>
               <a:rPr lang="en-US" sz="900" dirty="0" err="1">
@@ -15036,14 +14973,14 @@
             </a:ln>
             <a:extLst>
               <a:ext uri="{909E8E84-426E-40dd-AFC4-6F175D3DCCD1}">
-                <a14:hiddenFill xmlns:a14="http://schemas.microsoft.com/office/drawing/2010/main" xmlns="">
+                <a14:hiddenFill xmlns="" xmlns:a14="http://schemas.microsoft.com/office/drawing/2010/main">
                   <a:solidFill>
                     <a:srgbClr val="FFFFFF"/>
                   </a:solidFill>
                 </a14:hiddenFill>
               </a:ext>
               <a:ext uri="{91240B29-F687-4f45-9708-019B960494DF}">
-                <a14:hiddenLine xmlns:a14="http://schemas.microsoft.com/office/drawing/2010/main" xmlns="" w="9525">
+                <a14:hiddenLine xmlns="" xmlns:a14="http://schemas.microsoft.com/office/drawing/2010/main" w="9525">
                   <a:solidFill>
                     <a:srgbClr val="000000"/>
                   </a:solidFill>
@@ -15142,7 +15079,7 @@
         </p:blipFill>
         <p:spPr>
           <a:xfrm>
-            <a:off x="2973849" y="4653136"/>
+            <a:off x="2973849" y="4293096"/>
             <a:ext cx="5846623" cy="556356"/>
           </a:xfrm>
           <a:prstGeom prst="rect">
@@ -15422,7 +15359,7 @@
         <p:spPr>
           <a:xfrm>
             <a:off x="179512" y="3973413"/>
-            <a:ext cx="2952328" cy="1615827"/>
+            <a:ext cx="3384376" cy="1477328"/>
           </a:xfrm>
           <a:prstGeom prst="rect">
             <a:avLst/>
@@ -15758,16 +15695,7 @@
                 <a:latin typeface="Courier New" panose="02070309020205020404" pitchFamily="49" charset="0"/>
                 <a:cs typeface="Courier New" panose="02070309020205020404" pitchFamily="49" charset="0"/>
               </a:rPr>
-              <a:t> RIGHT JOIN state s</a:t>
-            </a:r>
-          </a:p>
-          <a:p>
-            <a:r>
-              <a:rPr lang="en-US" sz="900" dirty="0">
-                <a:latin typeface="Courier New" panose="02070309020205020404" pitchFamily="49" charset="0"/>
-                <a:cs typeface="Courier New" panose="02070309020205020404" pitchFamily="49" charset="0"/>
-              </a:rPr>
-              <a:t>    ON </a:t>
+              <a:t> RIGHT JOIN state s ON </a:t>
             </a:r>
             <a:r>
               <a:rPr lang="en-US" sz="900" dirty="0" err="1">
@@ -15983,14 +15911,14 @@
             </a:ln>
             <a:extLst>
               <a:ext uri="{909E8E84-426E-40dd-AFC4-6F175D3DCCD1}">
-                <a14:hiddenFill xmlns:a14="http://schemas.microsoft.com/office/drawing/2010/main" xmlns="">
+                <a14:hiddenFill xmlns="" xmlns:a14="http://schemas.microsoft.com/office/drawing/2010/main">
                   <a:solidFill>
                     <a:srgbClr val="FFFFFF"/>
                   </a:solidFill>
                 </a14:hiddenFill>
               </a:ext>
               <a:ext uri="{91240B29-F687-4f45-9708-019B960494DF}">
-                <a14:hiddenLine xmlns:a14="http://schemas.microsoft.com/office/drawing/2010/main" xmlns="" w="9525">
+                <a14:hiddenLine xmlns="" xmlns:a14="http://schemas.microsoft.com/office/drawing/2010/main" w="9525">
                   <a:solidFill>
                     <a:srgbClr val="000000"/>
                   </a:solidFill>
@@ -16089,7 +16017,7 @@
         </p:blipFill>
         <p:spPr>
           <a:xfrm>
-            <a:off x="3203848" y="3703847"/>
+            <a:off x="3635896" y="3703847"/>
             <a:ext cx="4320480" cy="2677481"/>
           </a:xfrm>
           <a:prstGeom prst="rect">
@@ -16423,7 +16351,7 @@
         <p:spPr>
           <a:xfrm>
             <a:off x="179512" y="3689814"/>
-            <a:ext cx="3600400" cy="1477328"/>
+            <a:ext cx="3600400" cy="1338828"/>
           </a:xfrm>
           <a:prstGeom prst="rect">
             <a:avLst/>
@@ -16653,16 +16581,7 @@
                 <a:latin typeface="Courier New" panose="02070309020205020404" pitchFamily="49" charset="0"/>
                 <a:cs typeface="Courier New" panose="02070309020205020404" pitchFamily="49" charset="0"/>
               </a:rPr>
-              <a:t> RIGHT JOIN state s</a:t>
-            </a:r>
-          </a:p>
-          <a:p>
-            <a:r>
-              <a:rPr lang="en-US" sz="900" dirty="0">
-                <a:latin typeface="Courier New" panose="02070309020205020404" pitchFamily="49" charset="0"/>
-                <a:cs typeface="Courier New" panose="02070309020205020404" pitchFamily="49" charset="0"/>
-              </a:rPr>
-              <a:t>    ON </a:t>
+              <a:t> RIGHT JOIN state s ON </a:t>
             </a:r>
             <a:r>
               <a:rPr lang="en-US" sz="900" dirty="0" err="1">
@@ -16856,14 +16775,14 @@
             </a:ln>
             <a:extLst>
               <a:ext uri="{909E8E84-426E-40dd-AFC4-6F175D3DCCD1}">
-                <a14:hiddenFill xmlns:a14="http://schemas.microsoft.com/office/drawing/2010/main" xmlns="">
+                <a14:hiddenFill xmlns="" xmlns:a14="http://schemas.microsoft.com/office/drawing/2010/main">
                   <a:solidFill>
                     <a:srgbClr val="FFFFFF"/>
                   </a:solidFill>
                 </a14:hiddenFill>
               </a:ext>
               <a:ext uri="{91240B29-F687-4f45-9708-019B960494DF}">
-                <a14:hiddenLine xmlns:a14="http://schemas.microsoft.com/office/drawing/2010/main" xmlns="" w="9525">
+                <a14:hiddenLine xmlns="" xmlns:a14="http://schemas.microsoft.com/office/drawing/2010/main" w="9525">
                   <a:solidFill>
                     <a:srgbClr val="000000"/>
                   </a:solidFill>
@@ -16962,7 +16881,7 @@
         </p:blipFill>
         <p:spPr>
           <a:xfrm>
-            <a:off x="4042176" y="3645024"/>
+            <a:off x="4211960" y="3645024"/>
             <a:ext cx="2041096" cy="2635746"/>
           </a:xfrm>
           <a:prstGeom prst="rect">
@@ -17402,14 +17321,14 @@
             </a:ln>
             <a:extLst>
               <a:ext uri="{909E8E84-426E-40dd-AFC4-6F175D3DCCD1}">
-                <a14:hiddenFill xmlns:a14="http://schemas.microsoft.com/office/drawing/2010/main" xmlns="">
+                <a14:hiddenFill xmlns="" xmlns:a14="http://schemas.microsoft.com/office/drawing/2010/main">
                   <a:solidFill>
                     <a:srgbClr val="FFFFFF"/>
                   </a:solidFill>
                 </a14:hiddenFill>
               </a:ext>
               <a:ext uri="{91240B29-F687-4f45-9708-019B960494DF}">
-                <a14:hiddenLine xmlns:a14="http://schemas.microsoft.com/office/drawing/2010/main" xmlns="" w="9525">
+                <a14:hiddenLine xmlns="" xmlns:a14="http://schemas.microsoft.com/office/drawing/2010/main" w="9525">
                   <a:solidFill>
                     <a:srgbClr val="000000"/>
                   </a:solidFill>
@@ -18088,14 +18007,14 @@
             </a:ln>
             <a:extLst>
               <a:ext uri="{909E8E84-426E-40dd-AFC4-6F175D3DCCD1}">
-                <a14:hiddenFill xmlns:a14="http://schemas.microsoft.com/office/drawing/2010/main" xmlns="">
+                <a14:hiddenFill xmlns="" xmlns:a14="http://schemas.microsoft.com/office/drawing/2010/main">
                   <a:solidFill>
                     <a:srgbClr val="FFFFFF"/>
                   </a:solidFill>
                 </a14:hiddenFill>
               </a:ext>
               <a:ext uri="{91240B29-F687-4f45-9708-019B960494DF}">
-                <a14:hiddenLine xmlns:a14="http://schemas.microsoft.com/office/drawing/2010/main" xmlns="" w="9525">
+                <a14:hiddenLine xmlns="" xmlns:a14="http://schemas.microsoft.com/office/drawing/2010/main" w="9525">
                   <a:solidFill>
                     <a:srgbClr val="000000"/>
                   </a:solidFill>
@@ -19187,15 +19106,6 @@
 </file>
 
 <file path=customXml/item2.xml><?xml version="1.0" encoding="utf-8"?>
-<?mso-contentType ?>
-<FormTemplates xmlns="http://schemas.microsoft.com/sharepoint/v3/contenttype/forms">
-  <Display>DocumentLibraryForm</Display>
-  <Edit>DocumentLibraryForm</Edit>
-  <New>DocumentLibraryForm</New>
-</FormTemplates>
-</file>
-
-<file path=customXml/item3.xml><?xml version="1.0" encoding="utf-8"?>
 <ct:contentTypeSchema xmlns:ct="http://schemas.microsoft.com/office/2006/metadata/contentType" xmlns:ma="http://schemas.microsoft.com/office/2006/metadata/properties/metaAttributes" ct:_="" ma:_="" ma:contentTypeName="Document" ma:contentTypeID="0x010100BF73FF7AA600A74DA303202E068F3B98" ma:contentTypeVersion="0" ma:contentTypeDescription="Create a new document." ma:contentTypeScope="" ma:versionID="15e34d513bc1c5922fdc1b75015e707c">
   <xsd:schema xmlns:xsd="http://www.w3.org/2001/XMLSchema" xmlns:xs="http://www.w3.org/2001/XMLSchema" xmlns:p="http://schemas.microsoft.com/office/2006/metadata/properties" xmlns:ns2="90e5e253-50b2-47e0-ab40-088f51eedbac" targetNamespace="http://schemas.microsoft.com/office/2006/metadata/properties" ma:root="true" ma:fieldsID="7895aa71ad85a7a2616823a07b65eac8" ns2:_="">
     <xsd:import namespace="90e5e253-50b2-47e0-ab40-088f51eedbac"/>
@@ -19326,6 +19236,15 @@
 </ct:contentTypeSchema>
 </file>
 
+<file path=customXml/item3.xml><?xml version="1.0" encoding="utf-8"?>
+<?mso-contentType ?>
+<FormTemplates xmlns="http://schemas.microsoft.com/sharepoint/v3/contenttype/forms">
+  <Display>DocumentLibraryForm</Display>
+  <Edit>DocumentLibraryForm</Edit>
+  <New>DocumentLibraryForm</New>
+</FormTemplates>
+</file>
+
 <file path=customXml/itemProps1.xml><?xml version="1.0" encoding="utf-8"?>
 <ds:datastoreItem xmlns:ds="http://schemas.openxmlformats.org/officeDocument/2006/customXml" ds:itemID="{F878CFFA-FA4D-496F-B8D2-C7DD46C2A279}">
   <ds:schemaRefs>
@@ -19343,14 +19262,6 @@
 </file>
 
 <file path=customXml/itemProps2.xml><?xml version="1.0" encoding="utf-8"?>
-<ds:datastoreItem xmlns:ds="http://schemas.openxmlformats.org/officeDocument/2006/customXml" ds:itemID="{9D25E79C-CB22-414C-9E48-01ED10321A76}">
-  <ds:schemaRefs>
-    <ds:schemaRef ds:uri="http://schemas.microsoft.com/sharepoint/v3/contenttype/forms"/>
-  </ds:schemaRefs>
-</ds:datastoreItem>
-</file>
-
-<file path=customXml/itemProps3.xml><?xml version="1.0" encoding="utf-8"?>
 <ds:datastoreItem xmlns:ds="http://schemas.openxmlformats.org/officeDocument/2006/customXml" ds:itemID="{42AE7D4F-FA53-4617-A082-86779C2B9BEF}">
   <ds:schemaRefs>
     <ds:schemaRef ds:uri="http://schemas.microsoft.com/office/2006/metadata/contentType"/>
@@ -19366,4 +19277,12 @@
     <ds:schemaRef ds:uri="http://schemas.microsoft.com/internal/obd"/>
   </ds:schemaRefs>
 </ds:datastoreItem>
+</file>
+
+<file path=customXml/itemProps3.xml><?xml version="1.0" encoding="utf-8"?>
+<ds:datastoreItem xmlns:ds="http://schemas.openxmlformats.org/officeDocument/2006/customXml" ds:itemID="{9D25E79C-CB22-414C-9E48-01ED10321A76}">
+  <ds:schemaRefs>
+    <ds:schemaRef ds:uri="http://schemas.microsoft.com/sharepoint/v3/contenttype/forms"/>
+  </ds:schemaRefs>
+</ds:datastoreItem>
 </file>